--- a/30_04_22_1840.pptx
+++ b/30_04_22_1840.pptx
@@ -6,23 +6,25 @@
   </p:sldMasterIdLst>
   <p:sldIdLst>
     <p:sldId id="256" r:id="rId2"/>
-    <p:sldId id="257" r:id="rId3"/>
-    <p:sldId id="258" r:id="rId4"/>
-    <p:sldId id="259" r:id="rId5"/>
-    <p:sldId id="260" r:id="rId6"/>
-    <p:sldId id="265" r:id="rId7"/>
-    <p:sldId id="266" r:id="rId8"/>
-    <p:sldId id="267" r:id="rId9"/>
-    <p:sldId id="261" r:id="rId10"/>
-    <p:sldId id="268" r:id="rId11"/>
-    <p:sldId id="269" r:id="rId12"/>
-    <p:sldId id="271" r:id="rId13"/>
-    <p:sldId id="262" r:id="rId14"/>
-    <p:sldId id="273" r:id="rId15"/>
-    <p:sldId id="263" r:id="rId16"/>
-    <p:sldId id="272" r:id="rId17"/>
-    <p:sldId id="264" r:id="rId18"/>
-    <p:sldId id="274" r:id="rId19"/>
+    <p:sldId id="275" r:id="rId3"/>
+    <p:sldId id="257" r:id="rId4"/>
+    <p:sldId id="258" r:id="rId5"/>
+    <p:sldId id="259" r:id="rId6"/>
+    <p:sldId id="260" r:id="rId7"/>
+    <p:sldId id="265" r:id="rId8"/>
+    <p:sldId id="266" r:id="rId9"/>
+    <p:sldId id="267" r:id="rId10"/>
+    <p:sldId id="261" r:id="rId11"/>
+    <p:sldId id="268" r:id="rId12"/>
+    <p:sldId id="269" r:id="rId13"/>
+    <p:sldId id="276" r:id="rId14"/>
+    <p:sldId id="271" r:id="rId15"/>
+    <p:sldId id="262" r:id="rId16"/>
+    <p:sldId id="273" r:id="rId17"/>
+    <p:sldId id="263" r:id="rId18"/>
+    <p:sldId id="272" r:id="rId19"/>
+    <p:sldId id="264" r:id="rId20"/>
+    <p:sldId id="274" r:id="rId21"/>
   </p:sldIdLst>
   <p:sldSz cx="10080625" cy="5670550"/>
   <p:notesSz cx="7559675" cy="10691813"/>
@@ -1933,8 +1935,8 @@
         </p:nvSpPr>
         <p:spPr>
           <a:xfrm>
-            <a:off x="304800" y="152400"/>
-            <a:ext cx="8686800" cy="5424562"/>
+            <a:off x="696912" y="180503"/>
+            <a:ext cx="8686800" cy="5363007"/>
           </a:xfrm>
           <a:prstGeom prst="rect">
             <a:avLst/>
@@ -2003,7 +2005,7 @@
                 <a:latin typeface="Times New Roman" panose="02020603050405020304" pitchFamily="18" charset="0"/>
                 <a:cs typeface="Times New Roman" panose="02020603050405020304" pitchFamily="18" charset="0"/>
               </a:rPr>
-              <a:t>Unstructured breast mammogram data analysis using convolutional approach for effective classification and detection</a:t>
+              <a:t>An unstructured MRI compression technique using a convolutional approach</a:t>
             </a:r>
           </a:p>
           <a:p>
@@ -2110,6 +2112,16 @@
           <a:p>
             <a:pPr algn="ctr"/>
             <a:endParaRPr lang="en-US" b="1" dirty="0">
+              <a:solidFill>
+                <a:srgbClr val="0070C0"/>
+              </a:solidFill>
+              <a:latin typeface="Times New Roman" panose="02020603050405020304" pitchFamily="18" charset="0"/>
+              <a:cs typeface="Times New Roman" panose="02020603050405020304" pitchFamily="18" charset="0"/>
+            </a:endParaRPr>
+          </a:p>
+          <a:p>
+            <a:pPr algn="ctr"/>
+            <a:endParaRPr lang="en-US" sz="1400" b="1" dirty="0">
               <a:solidFill>
                 <a:srgbClr val="0070C0"/>
               </a:solidFill>
@@ -2180,13 +2192,13 @@
           <p:nvPr>
             <p:extLst>
               <p:ext uri="{D42A27DB-BD31-4B8C-83A1-F6EECF244321}">
-                <p14:modId xmlns:p14="http://schemas.microsoft.com/office/powerpoint/2010/main" val="2107857497"/>
+                <p14:modId xmlns:p14="http://schemas.microsoft.com/office/powerpoint/2010/main" val="2801794159"/>
               </p:ext>
             </p:extLst>
           </p:nvPr>
         </p:nvGraphicFramePr>
         <p:xfrm>
-          <a:off x="1435049" y="2621567"/>
+          <a:off x="1435049" y="2497580"/>
           <a:ext cx="6553200" cy="2362203"/>
         </p:xfrm>
         <a:graphic>
@@ -3349,44 +3361,47 @@
       </p:graphicFrame>
       <p:pic>
         <p:nvPicPr>
-          <p:cNvPr id="9" name="Picture 8">
+          <p:cNvPr id="7172" name="Picture 4" descr="UEM Kolkata: Best Engineering and Management University in Kolkata">
             <a:extLst>
               <a:ext uri="{FF2B5EF4-FFF2-40B4-BE49-F238E27FC236}">
-                <a16:creationId xmlns:a16="http://schemas.microsoft.com/office/drawing/2014/main" id="{33C7A5F9-5ACB-4026-9A88-F5CA810954A5}"/>
+                <a16:creationId xmlns:a16="http://schemas.microsoft.com/office/drawing/2014/main" id="{2F90C665-3D58-E2E0-2B93-64B4719734FE}"/>
               </a:ext>
             </a:extLst>
           </p:cNvPr>
           <p:cNvPicPr>
-            <a:picLocks noChangeAspect="1"/>
+            <a:picLocks noChangeAspect="1" noChangeArrowheads="1"/>
           </p:cNvPicPr>
           <p:nvPr/>
         </p:nvPicPr>
-        <p:blipFill>
-          <a:blip r:embed="rId2" cstate="print">
+        <p:blipFill rotWithShape="1">
+          <a:blip r:embed="rId2">
             <a:extLst>
               <a:ext uri="{28A0092B-C50C-407E-A947-70E740481C1C}">
                 <a14:useLocalDpi xmlns:a14="http://schemas.microsoft.com/office/drawing/2010/main" val="0"/>
               </a:ext>
             </a:extLst>
           </a:blip>
-          <a:stretch>
-            <a:fillRect/>
-          </a:stretch>
+          <a:srcRect l="2889" r="4855"/>
+          <a:stretch/>
         </p:blipFill>
-        <p:spPr>
+        <p:spPr bwMode="auto">
           <a:xfrm>
-            <a:off x="4029889" y="205710"/>
-            <a:ext cx="1115549" cy="911003"/>
+            <a:off x="4304142" y="190525"/>
+            <a:ext cx="1472339" cy="964444"/>
           </a:xfrm>
           <a:prstGeom prst="rect">
             <a:avLst/>
           </a:prstGeom>
-          <a:ln>
-            <a:noFill/>
-          </a:ln>
-          <a:effectLst>
-            <a:softEdge rad="112500"/>
-          </a:effectLst>
+          <a:noFill/>
+          <a:extLst>
+            <a:ext uri="{909E8E84-426E-40DD-AFC4-6F175D3DCCD1}">
+              <a14:hiddenFill xmlns:a14="http://schemas.microsoft.com/office/drawing/2010/main">
+                <a:solidFill>
+                  <a:srgbClr val="FFFFFF"/>
+                </a:solidFill>
+              </a14:hiddenFill>
+            </a:ext>
+          </a:extLst>
         </p:spPr>
       </p:pic>
     </p:spTree>
@@ -3398,6 +3413,212 @@
 </file>
 
 <file path=ppt/slides/slide10.xml><?xml version="1.0" encoding="utf-8"?>
+<p:sld xmlns:a="http://schemas.openxmlformats.org/drawingml/2006/main" xmlns:r="http://schemas.openxmlformats.org/officeDocument/2006/relationships" xmlns:p="http://schemas.openxmlformats.org/presentationml/2006/main">
+  <p:cSld>
+    <p:spTree>
+      <p:nvGrpSpPr>
+        <p:cNvPr id="1" name=""/>
+        <p:cNvGrpSpPr/>
+        <p:nvPr/>
+      </p:nvGrpSpPr>
+      <p:grpSpPr>
+        <a:xfrm>
+          <a:off x="0" y="0"/>
+          <a:ext cx="0" cy="0"/>
+          <a:chOff x="0" y="0"/>
+          <a:chExt cx="0" cy="0"/>
+        </a:xfrm>
+      </p:grpSpPr>
+      <p:sp>
+        <p:nvSpPr>
+          <p:cNvPr id="51" name="TextShape 1"/>
+          <p:cNvSpPr txBox="1"/>
+          <p:nvPr/>
+        </p:nvSpPr>
+        <p:spPr>
+          <a:xfrm>
+            <a:off x="504000" y="226080"/>
+            <a:ext cx="9071640" cy="946440"/>
+          </a:xfrm>
+          <a:prstGeom prst="rect">
+            <a:avLst/>
+          </a:prstGeom>
+          <a:noFill/>
+          <a:ln>
+            <a:noFill/>
+          </a:ln>
+        </p:spPr>
+        <p:txBody>
+          <a:bodyPr lIns="0" tIns="0" rIns="0" bIns="0" anchor="ctr">
+            <a:noAutofit/>
+          </a:bodyPr>
+          <a:lstStyle/>
+          <a:p>
+            <a:r>
+              <a:rPr lang="en-IN" sz="2400" b="0" strike="noStrike" spc="-1" dirty="0">
+                <a:latin typeface="Arial" panose="020B0604020202020204"/>
+              </a:rPr>
+              <a:t>5. Experimental Results</a:t>
+            </a:r>
+          </a:p>
+        </p:txBody>
+      </p:sp>
+      <p:sp>
+        <p:nvSpPr>
+          <p:cNvPr id="52" name="TextShape 2"/>
+          <p:cNvSpPr txBox="1"/>
+          <p:nvPr/>
+        </p:nvSpPr>
+        <p:spPr>
+          <a:xfrm>
+            <a:off x="387763" y="1342099"/>
+            <a:ext cx="9071640" cy="3826586"/>
+          </a:xfrm>
+          <a:prstGeom prst="rect">
+            <a:avLst/>
+          </a:prstGeom>
+          <a:noFill/>
+          <a:ln>
+            <a:noFill/>
+          </a:ln>
+        </p:spPr>
+        <p:txBody>
+          <a:bodyPr lIns="0" tIns="0" rIns="0" bIns="0">
+            <a:normAutofit/>
+          </a:bodyPr>
+          <a:lstStyle/>
+          <a:p>
+            <a:pPr marL="107950">
+              <a:spcBef>
+                <a:spcPts val="1415"/>
+              </a:spcBef>
+              <a:buClr>
+                <a:srgbClr val="000000"/>
+              </a:buClr>
+              <a:buSzPct val="45000"/>
+            </a:pPr>
+            <a:r>
+              <a:rPr lang="en-IN" sz="2000" b="1" strike="noStrike" spc="-1" dirty="0">
+                <a:latin typeface="Times New Roman" panose="02020603050405020304" pitchFamily="18" charset="0"/>
+                <a:cs typeface="Times New Roman" panose="02020603050405020304" pitchFamily="18" charset="0"/>
+              </a:rPr>
+              <a:t>5.1 Result Analysis</a:t>
+            </a:r>
+          </a:p>
+          <a:p>
+            <a:pPr marL="540385" lvl="1">
+              <a:spcBef>
+                <a:spcPts val="1135"/>
+              </a:spcBef>
+              <a:buClr>
+                <a:srgbClr val="000000"/>
+              </a:buClr>
+              <a:buSzPct val="75000"/>
+            </a:pPr>
+            <a:r>
+              <a:rPr lang="en-IN" b="1" strike="noStrike" spc="-1" dirty="0">
+                <a:latin typeface="Times New Roman" panose="02020603050405020304" pitchFamily="18" charset="0"/>
+                <a:cs typeface="Times New Roman" panose="02020603050405020304" pitchFamily="18" charset="0"/>
+              </a:rPr>
+              <a:t>5.1.1 Dataset</a:t>
+            </a:r>
+            <a:endParaRPr lang="en-IN" b="0" strike="noStrike" spc="-1" dirty="0">
+              <a:latin typeface="Times New Roman" panose="02020603050405020304" pitchFamily="18" charset="0"/>
+              <a:cs typeface="Times New Roman" panose="02020603050405020304" pitchFamily="18" charset="0"/>
+            </a:endParaRPr>
+          </a:p>
+          <a:p>
+            <a:pPr marL="540385" lvl="1" algn="just">
+              <a:spcBef>
+                <a:spcPts val="1135"/>
+              </a:spcBef>
+              <a:buClr>
+                <a:srgbClr val="000000"/>
+              </a:buClr>
+              <a:buSzPct val="75000"/>
+            </a:pPr>
+            <a:r>
+              <a:rPr lang="en-IN" sz="1600" b="0" strike="noStrike" spc="-1" dirty="0">
+                <a:latin typeface="Times New Roman" panose="02020603050405020304" pitchFamily="18" charset="0"/>
+                <a:cs typeface="Times New Roman" panose="02020603050405020304" pitchFamily="18" charset="0"/>
+              </a:rPr>
+              <a:t>We consider the brain MRIs as a dataset, which consists of 132 images. The size, colour, and format of images in the dataset are similar in nature, whereas the resolutions of the images are different. The format of the images are ‘.jpg’ by nature.</a:t>
+            </a:r>
+            <a:endParaRPr lang="en-IN" sz="2800" b="0" strike="noStrike" spc="-1" dirty="0">
+              <a:latin typeface="Times New Roman" panose="02020603050405020304" pitchFamily="18" charset="0"/>
+              <a:cs typeface="Times New Roman" panose="02020603050405020304" pitchFamily="18" charset="0"/>
+            </a:endParaRPr>
+          </a:p>
+          <a:p>
+            <a:pPr marL="540385" lvl="1">
+              <a:spcBef>
+                <a:spcPts val="1135"/>
+              </a:spcBef>
+              <a:buClr>
+                <a:srgbClr val="000000"/>
+              </a:buClr>
+              <a:buSzPct val="75000"/>
+            </a:pPr>
+            <a:endParaRPr lang="en-IN" b="1" strike="noStrike" spc="-1" dirty="0">
+              <a:latin typeface="Times New Roman" panose="02020603050405020304" pitchFamily="18" charset="0"/>
+              <a:cs typeface="Times New Roman" panose="02020603050405020304" pitchFamily="18" charset="0"/>
+            </a:endParaRPr>
+          </a:p>
+          <a:p>
+            <a:pPr marL="540385" lvl="1">
+              <a:spcBef>
+                <a:spcPts val="1135"/>
+              </a:spcBef>
+              <a:buClr>
+                <a:srgbClr val="000000"/>
+              </a:buClr>
+              <a:buSzPct val="75000"/>
+            </a:pPr>
+            <a:r>
+              <a:rPr lang="en-IN" b="1" strike="noStrike" spc="-1" dirty="0">
+                <a:latin typeface="Times New Roman" panose="02020603050405020304" pitchFamily="18" charset="0"/>
+                <a:cs typeface="Times New Roman" panose="02020603050405020304" pitchFamily="18" charset="0"/>
+              </a:rPr>
+              <a:t>5.1.2 Machine Configuration</a:t>
+            </a:r>
+            <a:endParaRPr lang="en-IN" b="0" strike="noStrike" spc="-1" dirty="0">
+              <a:latin typeface="Times New Roman" panose="02020603050405020304" pitchFamily="18" charset="0"/>
+              <a:cs typeface="Times New Roman" panose="02020603050405020304" pitchFamily="18" charset="0"/>
+            </a:endParaRPr>
+          </a:p>
+          <a:p>
+            <a:pPr marL="540385" lvl="1" algn="just">
+              <a:spcBef>
+                <a:spcPts val="1135"/>
+              </a:spcBef>
+              <a:buClr>
+                <a:srgbClr val="000000"/>
+              </a:buClr>
+              <a:buSzPct val="75000"/>
+            </a:pPr>
+            <a:r>
+              <a:rPr lang="en-GB" sz="1600" dirty="0">
+                <a:latin typeface="Times New Roman" panose="02020603050405020304" pitchFamily="18" charset="0"/>
+                <a:cs typeface="Times New Roman" panose="02020603050405020304" pitchFamily="18" charset="0"/>
+              </a:rPr>
+              <a:t>We have applied our algorithm in the python environment, version 3.8, with the hardware configuration of the Intel Core i3 5th Generation processor,4GB DDR3 primary memory (RAM), and an integrated graphics card. Anaconda as a distributor of Python version 3.8 is used. jupyter notebook version 6.3.0 as an open web interface is used as a programming platform for the implementation of our algorithm.</a:t>
+            </a:r>
+            <a:endParaRPr lang="en-IN" sz="1600" dirty="0">
+              <a:latin typeface="Times New Roman" panose="02020603050405020304" pitchFamily="18" charset="0"/>
+              <a:cs typeface="Times New Roman" panose="02020603050405020304" pitchFamily="18" charset="0"/>
+            </a:endParaRPr>
+          </a:p>
+        </p:txBody>
+      </p:sp>
+    </p:spTree>
+  </p:cSld>
+  <p:clrMapOvr>
+    <a:masterClrMapping/>
+  </p:clrMapOvr>
+</p:sld>
+</file>
+
+<file path=ppt/slides/slide11.xml><?xml version="1.0" encoding="utf-8"?>
 <p:sld xmlns:a="http://schemas.openxmlformats.org/drawingml/2006/main" xmlns:r="http://schemas.openxmlformats.org/officeDocument/2006/relationships" xmlns:p="http://schemas.openxmlformats.org/presentationml/2006/main">
   <p:cSld>
     <p:spTree>
@@ -3442,7 +3663,7 @@
         </p:blipFill>
         <p:spPr>
           <a:xfrm>
-            <a:off x="2242331" y="1206256"/>
+            <a:off x="2242331" y="864510"/>
             <a:ext cx="5595962" cy="3941530"/>
           </a:xfrm>
           <a:prstGeom prst="rect">
@@ -3468,8 +3689,8 @@
         </p:nvSpPr>
         <p:spPr>
           <a:xfrm>
-            <a:off x="1867876" y="242277"/>
-            <a:ext cx="5939692" cy="769441"/>
+            <a:off x="504025" y="291931"/>
+            <a:ext cx="5939692" cy="461665"/>
           </a:xfrm>
           <a:prstGeom prst="rect">
             <a:avLst/>
@@ -3482,12 +3703,11 @@
           </a:bodyPr>
           <a:lstStyle/>
           <a:p>
-            <a:pPr algn="ctr"/>
-            <a:r>
-              <a:rPr lang="en-GB" sz="4400" dirty="0"/>
+            <a:r>
+              <a:rPr lang="en-GB" sz="2400" dirty="0"/>
               <a:t>5.2 Image Reading</a:t>
             </a:r>
-            <a:endParaRPr lang="en-IN" sz="4400" dirty="0"/>
+            <a:endParaRPr lang="en-IN" sz="2400" dirty="0"/>
           </a:p>
         </p:txBody>
       </p:sp>
@@ -3505,8 +3725,8 @@
         </p:nvSpPr>
         <p:spPr>
           <a:xfrm>
-            <a:off x="1703753" y="5227997"/>
-            <a:ext cx="6267938" cy="369332"/>
+            <a:off x="1703753" y="4916954"/>
+            <a:ext cx="6267938" cy="338554"/>
           </a:xfrm>
           <a:prstGeom prst="rect">
             <a:avLst/>
@@ -3521,7 +3741,7 @@
           <a:p>
             <a:pPr marL="516255" algn="ctr"/>
             <a:r>
-              <a:rPr lang="en-US" sz="1800" b="1" dirty="0">
+              <a:rPr lang="en-US" sz="1600" b="1" dirty="0">
                 <a:effectLst/>
                 <a:latin typeface="Times New Roman" panose="02020603050405020304" pitchFamily="18" charset="0"/>
                 <a:ea typeface="Times New Roman" panose="02020603050405020304" pitchFamily="18" charset="0"/>
@@ -3529,7 +3749,7 @@
               <a:t>Fig. 3. </a:t>
             </a:r>
             <a:r>
-              <a:rPr lang="en-US" sz="1800" dirty="0">
+              <a:rPr lang="en-US" sz="1600" dirty="0">
                 <a:effectLst/>
                 <a:latin typeface="Times New Roman" panose="02020603050405020304" pitchFamily="18" charset="0"/>
                 <a:ea typeface="Times New Roman" panose="02020603050405020304" pitchFamily="18" charset="0"/>
@@ -3537,7 +3757,7 @@
               <a:t>Samples</a:t>
             </a:r>
             <a:r>
-              <a:rPr lang="en-US" sz="1800" b="1" dirty="0">
+              <a:rPr lang="en-US" sz="1600" b="1" dirty="0">
                 <a:effectLst/>
                 <a:latin typeface="Times New Roman" panose="02020603050405020304" pitchFamily="18" charset="0"/>
                 <a:ea typeface="Times New Roman" panose="02020603050405020304" pitchFamily="18" charset="0"/>
@@ -3545,14 +3765,14 @@
               <a:t> </a:t>
             </a:r>
             <a:r>
-              <a:rPr lang="en-US" sz="1800" dirty="0">
+              <a:rPr lang="en-US" sz="1600" dirty="0">
                 <a:effectLst/>
                 <a:latin typeface="Times New Roman" panose="02020603050405020304" pitchFamily="18" charset="0"/>
                 <a:ea typeface="Times New Roman" panose="02020603050405020304" pitchFamily="18" charset="0"/>
               </a:rPr>
               <a:t>of hydrocephalus dataset</a:t>
             </a:r>
-            <a:endParaRPr lang="en-IN" sz="1800" dirty="0">
+            <a:endParaRPr lang="en-IN" sz="1600" dirty="0">
               <a:effectLst/>
               <a:latin typeface="Times New Roman" panose="02020603050405020304" pitchFamily="18" charset="0"/>
               <a:ea typeface="Times New Roman" panose="02020603050405020304" pitchFamily="18" charset="0"/>
@@ -3573,7 +3793,7 @@
 </p:sld>
 </file>
 
-<file path=ppt/slides/slide11.xml><?xml version="1.0" encoding="utf-8"?>
+<file path=ppt/slides/slide12.xml><?xml version="1.0" encoding="utf-8"?>
 <p:sld xmlns:a="http://schemas.openxmlformats.org/drawingml/2006/main" xmlns:r="http://schemas.openxmlformats.org/officeDocument/2006/relationships" xmlns:p="http://schemas.openxmlformats.org/presentationml/2006/main">
   <p:cSld>
     <p:spTree>
@@ -3616,12 +3836,12 @@
           <a:bodyPr/>
           <a:lstStyle/>
           <a:p>
-            <a:pPr algn="ctr"/>
-            <a:r>
-              <a:rPr lang="en-GB" sz="4400" dirty="0"/>
+            <a:pPr algn="l"/>
+            <a:r>
+              <a:rPr lang="en-GB" sz="2400" dirty="0"/>
               <a:t>5.3 Image Segmentation</a:t>
             </a:r>
-            <a:endParaRPr lang="en-IN" sz="4400" dirty="0"/>
+            <a:endParaRPr lang="en-IN" sz="2400" dirty="0"/>
           </a:p>
         </p:txBody>
       </p:sp>
@@ -3676,7 +3896,7 @@
         <p:spPr>
           <a:xfrm>
             <a:off x="127564" y="4224148"/>
-            <a:ext cx="9760193" cy="646331"/>
+            <a:ext cx="9760193" cy="584775"/>
           </a:xfrm>
           <a:prstGeom prst="rect">
             <a:avLst/>
@@ -3691,7 +3911,7 @@
           <a:p>
             <a:pPr marL="516255" algn="ctr"/>
             <a:r>
-              <a:rPr lang="en-US" sz="1800" b="1" dirty="0">
+              <a:rPr lang="en-US" sz="1600" b="1" dirty="0">
                 <a:effectLst/>
                 <a:latin typeface="Times New Roman" panose="02020603050405020304" pitchFamily="18" charset="0"/>
                 <a:ea typeface="Times New Roman" panose="02020603050405020304" pitchFamily="18" charset="0"/>
@@ -3699,7 +3919,7 @@
               <a:t>Fig. 4. </a:t>
             </a:r>
             <a:r>
-              <a:rPr lang="en-US" sz="1800" dirty="0">
+              <a:rPr lang="en-US" sz="1600" dirty="0">
                 <a:effectLst/>
                 <a:latin typeface="Times New Roman" panose="02020603050405020304" pitchFamily="18" charset="0"/>
                 <a:ea typeface="Times New Roman" panose="02020603050405020304" pitchFamily="18" charset="0"/>
@@ -3707,7 +3927,7 @@
               <a:t>(a) original image (b) gray-scale image (c) image after applying proposed filtration method (d) </a:t>
             </a:r>
             <a:r>
-              <a:rPr lang="en-IN" sz="1800" dirty="0">
+              <a:rPr lang="en-IN" sz="1600" dirty="0">
                 <a:effectLst/>
                 <a:latin typeface="Times New Roman" panose="02020603050405020304" pitchFamily="18" charset="0"/>
                 <a:ea typeface="Times New Roman" panose="02020603050405020304" pitchFamily="18" charset="0"/>
@@ -3721,200 +3941,6 @@
     <p:extLst>
       <p:ext uri="{BB962C8B-B14F-4D97-AF65-F5344CB8AC3E}">
         <p14:creationId xmlns:p14="http://schemas.microsoft.com/office/powerpoint/2010/main" val="3732720817"/>
-      </p:ext>
-    </p:extLst>
-  </p:cSld>
-  <p:clrMapOvr>
-    <a:masterClrMapping/>
-  </p:clrMapOvr>
-</p:sld>
-</file>
-
-<file path=ppt/slides/slide12.xml><?xml version="1.0" encoding="utf-8"?>
-<p:sld xmlns:a="http://schemas.openxmlformats.org/drawingml/2006/main" xmlns:r="http://schemas.openxmlformats.org/officeDocument/2006/relationships" xmlns:p="http://schemas.openxmlformats.org/presentationml/2006/main">
-  <p:cSld>
-    <p:spTree>
-      <p:nvGrpSpPr>
-        <p:cNvPr id="1" name=""/>
-        <p:cNvGrpSpPr/>
-        <p:nvPr/>
-      </p:nvGrpSpPr>
-      <p:grpSpPr>
-        <a:xfrm>
-          <a:off x="0" y="0"/>
-          <a:ext cx="0" cy="0"/>
-          <a:chOff x="0" y="0"/>
-          <a:chExt cx="0" cy="0"/>
-        </a:xfrm>
-      </p:grpSpPr>
-      <p:sp>
-        <p:nvSpPr>
-          <p:cNvPr id="2" name="Title 1">
-            <a:extLst>
-              <a:ext uri="{FF2B5EF4-FFF2-40B4-BE49-F238E27FC236}">
-                <a16:creationId xmlns:a16="http://schemas.microsoft.com/office/drawing/2014/main" id="{2DE8DDB1-1705-9A78-494D-4E1B3FF53AAB}"/>
-              </a:ext>
-            </a:extLst>
-          </p:cNvPr>
-          <p:cNvSpPr>
-            <a:spLocks noGrp="1"/>
-          </p:cNvSpPr>
-          <p:nvPr>
-            <p:ph type="title"/>
-          </p:nvPr>
-        </p:nvSpPr>
-        <p:spPr/>
-        <p:txBody>
-          <a:bodyPr/>
-          <a:lstStyle/>
-          <a:p>
-            <a:pPr algn="ctr"/>
-            <a:r>
-              <a:rPr lang="en-IN" sz="4400" b="0" strike="noStrike" spc="-1" dirty="0">
-                <a:latin typeface="Arial" panose="020B0604020202020204"/>
-              </a:rPr>
-              <a:t>6. Post Training Findings </a:t>
-            </a:r>
-            <a:endParaRPr lang="en-IN" dirty="0"/>
-          </a:p>
-        </p:txBody>
-      </p:sp>
-      <p:graphicFrame>
-        <p:nvGraphicFramePr>
-          <p:cNvPr id="7" name="Object 6">
-            <a:extLst>
-              <a:ext uri="{FF2B5EF4-FFF2-40B4-BE49-F238E27FC236}">
-                <a16:creationId xmlns:a16="http://schemas.microsoft.com/office/drawing/2014/main" id="{8F0F0BAC-41E2-115C-83AB-6D44D480ADB1}"/>
-              </a:ext>
-            </a:extLst>
-          </p:cNvPr>
-          <p:cNvGraphicFramePr>
-            <a:graphicFrameLocks noChangeAspect="1"/>
-          </p:cNvGraphicFramePr>
-          <p:nvPr>
-            <p:extLst>
-              <p:ext uri="{D42A27DB-BD31-4B8C-83A1-F6EECF244321}">
-                <p14:modId xmlns:p14="http://schemas.microsoft.com/office/powerpoint/2010/main" val="298060791"/>
-              </p:ext>
-            </p:extLst>
-          </p:nvPr>
-        </p:nvGraphicFramePr>
-        <p:xfrm>
-          <a:off x="1095008" y="1582151"/>
-          <a:ext cx="7546731" cy="2811944"/>
-        </p:xfrm>
-        <a:graphic>
-          <a:graphicData uri="http://schemas.openxmlformats.org/presentationml/2006/ole">
-            <mc:AlternateContent xmlns:mc="http://schemas.openxmlformats.org/markup-compatibility/2006">
-              <mc:Choice xmlns:v="urn:schemas-microsoft-com:vml" Requires="v">
-                <p:oleObj spid="_x0000_s4103" name="Document" r:id="rId3" imgW="5632980" imgH="2098515" progId="Word.Document.12">
-                  <p:embed/>
-                </p:oleObj>
-              </mc:Choice>
-              <mc:Fallback>
-                <p:oleObj name="Document" r:id="rId3" imgW="5632980" imgH="2098515" progId="Word.Document.12">
-                  <p:embed/>
-                  <p:pic>
-                    <p:nvPicPr>
-                      <p:cNvPr id="0" name=""/>
-                      <p:cNvPicPr/>
-                      <p:nvPr/>
-                    </p:nvPicPr>
-                    <p:blipFill>
-                      <a:blip r:embed="rId4"/>
-                      <a:stretch>
-                        <a:fillRect/>
-                      </a:stretch>
-                    </p:blipFill>
-                    <p:spPr>
-                      <a:xfrm>
-                        <a:off x="1095008" y="1582151"/>
-                        <a:ext cx="7546731" cy="2811944"/>
-                      </a:xfrm>
-                      <a:prstGeom prst="rect">
-                        <a:avLst/>
-                      </a:prstGeom>
-                    </p:spPr>
-                  </p:pic>
-                </p:oleObj>
-              </mc:Fallback>
-            </mc:AlternateContent>
-          </a:graphicData>
-        </a:graphic>
-      </p:graphicFrame>
-      <p:sp>
-        <p:nvSpPr>
-          <p:cNvPr id="9" name="TextBox 8">
-            <a:extLst>
-              <a:ext uri="{FF2B5EF4-FFF2-40B4-BE49-F238E27FC236}">
-                <a16:creationId xmlns:a16="http://schemas.microsoft.com/office/drawing/2014/main" id="{D0D26CF8-463A-092B-DF52-6D87B99B7E0D}"/>
-              </a:ext>
-            </a:extLst>
-          </p:cNvPr>
-          <p:cNvSpPr txBox="1"/>
-          <p:nvPr/>
-        </p:nvSpPr>
-        <p:spPr>
-          <a:xfrm>
-            <a:off x="1095008" y="4803726"/>
-            <a:ext cx="7546730" cy="369332"/>
-          </a:xfrm>
-          <a:prstGeom prst="rect">
-            <a:avLst/>
-          </a:prstGeom>
-          <a:noFill/>
-        </p:spPr>
-        <p:txBody>
-          <a:bodyPr wrap="square">
-            <a:spAutoFit/>
-          </a:bodyPr>
-          <a:lstStyle/>
-          <a:p>
-            <a:pPr marL="516255" algn="ctr"/>
-            <a:r>
-              <a:rPr lang="en-US" sz="1800" b="1" dirty="0">
-                <a:effectLst/>
-                <a:latin typeface="Times New Roman" panose="02020603050405020304" pitchFamily="18" charset="0"/>
-                <a:ea typeface="Times New Roman" panose="02020603050405020304" pitchFamily="18" charset="0"/>
-              </a:rPr>
-              <a:t>Table 2:  </a:t>
-            </a:r>
-            <a:r>
-              <a:rPr lang="en-US" sz="1800" dirty="0">
-                <a:effectLst/>
-                <a:latin typeface="Times New Roman" panose="02020603050405020304" pitchFamily="18" charset="0"/>
-                <a:ea typeface="Times New Roman" panose="02020603050405020304" pitchFamily="18" charset="0"/>
-              </a:rPr>
-              <a:t>Calculation of</a:t>
-            </a:r>
-            <a:r>
-              <a:rPr lang="en-US" sz="1800" b="1" dirty="0">
-                <a:effectLst/>
-                <a:latin typeface="Times New Roman" panose="02020603050405020304" pitchFamily="18" charset="0"/>
-                <a:ea typeface="Times New Roman" panose="02020603050405020304" pitchFamily="18" charset="0"/>
-              </a:rPr>
-              <a:t> </a:t>
-            </a:r>
-            <a:r>
-              <a:rPr lang="en-US" sz="1800" dirty="0">
-                <a:effectLst/>
-                <a:latin typeface="Times New Roman" panose="02020603050405020304" pitchFamily="18" charset="0"/>
-                <a:ea typeface="Times New Roman" panose="02020603050405020304" pitchFamily="18" charset="0"/>
-              </a:rPr>
-              <a:t>performance parameters for each image</a:t>
-            </a:r>
-            <a:endParaRPr lang="en-IN" sz="2800" dirty="0">
-              <a:effectLst/>
-              <a:latin typeface="Times New Roman" panose="02020603050405020304" pitchFamily="18" charset="0"/>
-              <a:ea typeface="Times New Roman" panose="02020603050405020304" pitchFamily="18" charset="0"/>
-            </a:endParaRPr>
-          </a:p>
-        </p:txBody>
-      </p:sp>
-    </p:spTree>
-    <p:extLst>
-      <p:ext uri="{BB962C8B-B14F-4D97-AF65-F5344CB8AC3E}">
-        <p14:creationId xmlns:p14="http://schemas.microsoft.com/office/powerpoint/2010/main" val="3491433412"/>
       </p:ext>
     </p:extLst>
   </p:cSld>
@@ -3943,14 +3969,4034 @@
       </p:grpSpPr>
       <p:sp>
         <p:nvSpPr>
-          <p:cNvPr id="53" name="TextShape 1"/>
-          <p:cNvSpPr txBox="1"/>
-          <p:nvPr/>
+          <p:cNvPr id="4" name="Title 1">
+            <a:extLst>
+              <a:ext uri="{FF2B5EF4-FFF2-40B4-BE49-F238E27FC236}">
+                <a16:creationId xmlns:a16="http://schemas.microsoft.com/office/drawing/2014/main" id="{93ED82B9-1C4F-5804-B846-653FCD48E7C6}"/>
+              </a:ext>
+            </a:extLst>
+          </p:cNvPr>
+          <p:cNvSpPr>
+            <a:spLocks noGrp="1"/>
+          </p:cNvSpPr>
+          <p:nvPr>
+            <p:ph type="title"/>
+          </p:nvPr>
         </p:nvSpPr>
         <p:spPr>
           <a:xfrm>
-            <a:off x="504000" y="226080"/>
-            <a:ext cx="9071640" cy="571089"/>
+            <a:off x="504492" y="47934"/>
+            <a:ext cx="9071640" cy="510089"/>
+          </a:xfrm>
+        </p:spPr>
+        <p:txBody>
+          <a:bodyPr/>
+          <a:lstStyle/>
+          <a:p>
+            <a:pPr algn="l"/>
+            <a:r>
+              <a:rPr lang="en-IN" sz="2400" b="0" strike="noStrike" spc="-1" dirty="0">
+                <a:latin typeface="Arial" panose="020B0604020202020204"/>
+              </a:rPr>
+              <a:t>6. Post Training Findings </a:t>
+            </a:r>
+            <a:endParaRPr lang="en-IN" sz="2400" dirty="0"/>
+          </a:p>
+        </p:txBody>
+      </p:sp>
+      <mc:AlternateContent xmlns:mc="http://schemas.openxmlformats.org/markup-compatibility/2006">
+        <mc:Choice xmlns:a14="http://schemas.microsoft.com/office/drawing/2010/main" Requires="a14">
+          <p:graphicFrame>
+            <p:nvGraphicFramePr>
+              <p:cNvPr id="5" name="Table 4">
+                <a:extLst>
+                  <a:ext uri="{FF2B5EF4-FFF2-40B4-BE49-F238E27FC236}">
+                    <a16:creationId xmlns:a16="http://schemas.microsoft.com/office/drawing/2014/main" id="{1CC91546-5DB1-FA46-9C25-5DC77F42BDAF}"/>
+                  </a:ext>
+                </a:extLst>
+              </p:cNvPr>
+              <p:cNvGraphicFramePr>
+                <a:graphicFrameLocks noGrp="1"/>
+              </p:cNvGraphicFramePr>
+              <p:nvPr>
+                <p:extLst>
+                  <p:ext uri="{D42A27DB-BD31-4B8C-83A1-F6EECF244321}">
+                    <p14:modId xmlns:p14="http://schemas.microsoft.com/office/powerpoint/2010/main" val="228585820"/>
+                  </p:ext>
+                </p:extLst>
+              </p:nvPr>
+            </p:nvGraphicFramePr>
+            <p:xfrm>
+              <a:off x="1207783" y="1142798"/>
+              <a:ext cx="7665058" cy="4013960"/>
+            </p:xfrm>
+            <a:graphic>
+              <a:graphicData uri="http://schemas.openxmlformats.org/drawingml/2006/table">
+                <a:tbl>
+                  <a:tblPr firstRow="1" firstCol="1" bandRow="1">
+                    <a:tableStyleId>{2D5ABB26-0587-4C30-8999-92F81FD0307C}</a:tableStyleId>
+                  </a:tblPr>
+                  <a:tblGrid>
+                    <a:gridCol w="814311">
+                      <a:extLst>
+                        <a:ext uri="{9D8B030D-6E8A-4147-A177-3AD203B41FA5}">
+                          <a16:colId xmlns:a16="http://schemas.microsoft.com/office/drawing/2014/main" val="361825095"/>
+                        </a:ext>
+                      </a:extLst>
+                    </a:gridCol>
+                    <a:gridCol w="2641240">
+                      <a:extLst>
+                        <a:ext uri="{9D8B030D-6E8A-4147-A177-3AD203B41FA5}">
+                          <a16:colId xmlns:a16="http://schemas.microsoft.com/office/drawing/2014/main" val="2213031032"/>
+                        </a:ext>
+                      </a:extLst>
+                    </a:gridCol>
+                    <a:gridCol w="4209507">
+                      <a:extLst>
+                        <a:ext uri="{9D8B030D-6E8A-4147-A177-3AD203B41FA5}">
+                          <a16:colId xmlns:a16="http://schemas.microsoft.com/office/drawing/2014/main" val="864001286"/>
+                        </a:ext>
+                      </a:extLst>
+                    </a:gridCol>
+                  </a:tblGrid>
+                  <a:tr h="302446">
+                    <a:tc>
+                      <a:txBody>
+                        <a:bodyPr/>
+                        <a:lstStyle/>
+                        <a:p>
+                          <a:pPr algn="ctr">
+                            <a:lnSpc>
+                              <a:spcPct val="150000"/>
+                            </a:lnSpc>
+                            <a:tabLst>
+                              <a:tab pos="1514475" algn="l"/>
+                            </a:tabLst>
+                          </a:pPr>
+                          <a:r>
+                            <a:rPr lang="en-US" sz="1100">
+                              <a:effectLst/>
+                            </a:rPr>
+                            <a:t>Serial No.</a:t>
+                          </a:r>
+                          <a:endParaRPr lang="en-IN" sz="1100">
+                            <a:effectLst/>
+                            <a:latin typeface="Times New Roman" panose="02020603050405020304" pitchFamily="18" charset="0"/>
+                            <a:ea typeface="Times New Roman" panose="02020603050405020304" pitchFamily="18" charset="0"/>
+                          </a:endParaRPr>
+                        </a:p>
+                      </a:txBody>
+                      <a:tcPr marL="45869" marR="45869" marT="0" marB="0">
+                        <a:lnT w="12700" cap="flat" cmpd="sng" algn="ctr">
+                          <a:solidFill>
+                            <a:schemeClr val="tx1"/>
+                          </a:solidFill>
+                          <a:prstDash val="solid"/>
+                          <a:round/>
+                          <a:headEnd type="none" w="med" len="med"/>
+                          <a:tailEnd type="none" w="med" len="med"/>
+                        </a:lnT>
+                        <a:lnB w="12700" cap="flat" cmpd="sng" algn="ctr">
+                          <a:solidFill>
+                            <a:schemeClr val="tx1"/>
+                          </a:solidFill>
+                          <a:prstDash val="solid"/>
+                          <a:round/>
+                          <a:headEnd type="none" w="med" len="med"/>
+                          <a:tailEnd type="none" w="med" len="med"/>
+                        </a:lnB>
+                      </a:tcPr>
+                    </a:tc>
+                    <a:tc>
+                      <a:txBody>
+                        <a:bodyPr/>
+                        <a:lstStyle/>
+                        <a:p>
+                          <a:pPr algn="ctr">
+                            <a:lnSpc>
+                              <a:spcPct val="150000"/>
+                            </a:lnSpc>
+                            <a:tabLst>
+                              <a:tab pos="1514475" algn="l"/>
+                            </a:tabLst>
+                          </a:pPr>
+                          <a:r>
+                            <a:rPr lang="en-US" sz="1100" dirty="0">
+                              <a:effectLst/>
+                            </a:rPr>
+                            <a:t>Name of the performance parameter </a:t>
+                          </a:r>
+                          <a:endParaRPr lang="en-IN" sz="1100" dirty="0">
+                            <a:effectLst/>
+                            <a:latin typeface="Times New Roman" panose="02020603050405020304" pitchFamily="18" charset="0"/>
+                            <a:ea typeface="Times New Roman" panose="02020603050405020304" pitchFamily="18" charset="0"/>
+                          </a:endParaRPr>
+                        </a:p>
+                      </a:txBody>
+                      <a:tcPr marL="45869" marR="45869" marT="0" marB="0">
+                        <a:lnT w="12700" cap="flat" cmpd="sng" algn="ctr">
+                          <a:solidFill>
+                            <a:schemeClr val="tx1"/>
+                          </a:solidFill>
+                          <a:prstDash val="solid"/>
+                          <a:round/>
+                          <a:headEnd type="none" w="med" len="med"/>
+                          <a:tailEnd type="none" w="med" len="med"/>
+                        </a:lnT>
+                        <a:lnB w="12700" cap="flat" cmpd="sng" algn="ctr">
+                          <a:solidFill>
+                            <a:schemeClr val="tx1"/>
+                          </a:solidFill>
+                          <a:prstDash val="solid"/>
+                          <a:round/>
+                          <a:headEnd type="none" w="med" len="med"/>
+                          <a:tailEnd type="none" w="med" len="med"/>
+                        </a:lnB>
+                      </a:tcPr>
+                    </a:tc>
+                    <a:tc>
+                      <a:txBody>
+                        <a:bodyPr/>
+                        <a:lstStyle/>
+                        <a:p>
+                          <a:pPr algn="ctr">
+                            <a:lnSpc>
+                              <a:spcPct val="150000"/>
+                            </a:lnSpc>
+                            <a:tabLst>
+                              <a:tab pos="1514475" algn="l"/>
+                            </a:tabLst>
+                          </a:pPr>
+                          <a:r>
+                            <a:rPr lang="en-US" sz="1100" dirty="0">
+                              <a:effectLst/>
+                            </a:rPr>
+                            <a:t>Equation</a:t>
+                          </a:r>
+                          <a:endParaRPr lang="en-IN" sz="1100" dirty="0">
+                            <a:effectLst/>
+                            <a:latin typeface="Times New Roman" panose="02020603050405020304" pitchFamily="18" charset="0"/>
+                            <a:ea typeface="Times New Roman" panose="02020603050405020304" pitchFamily="18" charset="0"/>
+                          </a:endParaRPr>
+                        </a:p>
+                      </a:txBody>
+                      <a:tcPr marL="45869" marR="45869" marT="0" marB="0">
+                        <a:lnT w="12700" cap="flat" cmpd="sng" algn="ctr">
+                          <a:solidFill>
+                            <a:schemeClr val="tx1"/>
+                          </a:solidFill>
+                          <a:prstDash val="solid"/>
+                          <a:round/>
+                          <a:headEnd type="none" w="med" len="med"/>
+                          <a:tailEnd type="none" w="med" len="med"/>
+                        </a:lnT>
+                        <a:lnB w="12700" cap="flat" cmpd="sng" algn="ctr">
+                          <a:solidFill>
+                            <a:schemeClr val="tx1"/>
+                          </a:solidFill>
+                          <a:prstDash val="solid"/>
+                          <a:round/>
+                          <a:headEnd type="none" w="med" len="med"/>
+                          <a:tailEnd type="none" w="med" len="med"/>
+                        </a:lnB>
+                      </a:tcPr>
+                    </a:tc>
+                    <a:extLst>
+                      <a:ext uri="{0D108BD9-81ED-4DB2-BD59-A6C34878D82A}">
+                        <a16:rowId xmlns:a16="http://schemas.microsoft.com/office/drawing/2014/main" val="3208191402"/>
+                      </a:ext>
+                    </a:extLst>
+                  </a:tr>
+                  <a:tr h="363620">
+                    <a:tc>
+                      <a:txBody>
+                        <a:bodyPr/>
+                        <a:lstStyle/>
+                        <a:p>
+                          <a:pPr algn="ctr">
+                            <a:lnSpc>
+                              <a:spcPct val="150000"/>
+                            </a:lnSpc>
+                            <a:tabLst>
+                              <a:tab pos="1514475" algn="l"/>
+                            </a:tabLst>
+                          </a:pPr>
+                          <a:r>
+                            <a:rPr lang="en-US" sz="1100" dirty="0">
+                              <a:effectLst/>
+                            </a:rPr>
+                            <a:t>1.</a:t>
+                          </a:r>
+                          <a:endParaRPr lang="en-IN" sz="1100" dirty="0">
+                            <a:effectLst/>
+                            <a:latin typeface="Times New Roman" panose="02020603050405020304" pitchFamily="18" charset="0"/>
+                            <a:ea typeface="Times New Roman" panose="02020603050405020304" pitchFamily="18" charset="0"/>
+                          </a:endParaRPr>
+                        </a:p>
+                      </a:txBody>
+                      <a:tcPr marL="45869" marR="45869" marT="0" marB="0">
+                        <a:lnT w="12700" cap="flat" cmpd="sng" algn="ctr">
+                          <a:solidFill>
+                            <a:schemeClr val="tx1"/>
+                          </a:solidFill>
+                          <a:prstDash val="solid"/>
+                          <a:round/>
+                          <a:headEnd type="none" w="med" len="med"/>
+                          <a:tailEnd type="none" w="med" len="med"/>
+                        </a:lnT>
+                      </a:tcPr>
+                    </a:tc>
+                    <a:tc>
+                      <a:txBody>
+                        <a:bodyPr/>
+                        <a:lstStyle/>
+                        <a:p>
+                          <a:pPr algn="ctr">
+                            <a:lnSpc>
+                              <a:spcPct val="150000"/>
+                            </a:lnSpc>
+                            <a:tabLst>
+                              <a:tab pos="1514475" algn="l"/>
+                            </a:tabLst>
+                          </a:pPr>
+                          <a:r>
+                            <a:rPr lang="en-US" sz="1100" dirty="0">
+                              <a:effectLst/>
+                            </a:rPr>
+                            <a:t>Compression Ratio [10][1]</a:t>
+                          </a:r>
+                          <a:endParaRPr lang="en-IN" sz="1100" dirty="0">
+                            <a:effectLst/>
+                            <a:latin typeface="Times New Roman" panose="02020603050405020304" pitchFamily="18" charset="0"/>
+                            <a:ea typeface="Times New Roman" panose="02020603050405020304" pitchFamily="18" charset="0"/>
+                          </a:endParaRPr>
+                        </a:p>
+                      </a:txBody>
+                      <a:tcPr marL="45869" marR="45869" marT="0" marB="0">
+                        <a:lnT w="12700" cap="flat" cmpd="sng" algn="ctr">
+                          <a:solidFill>
+                            <a:schemeClr val="tx1"/>
+                          </a:solidFill>
+                          <a:prstDash val="solid"/>
+                          <a:round/>
+                          <a:headEnd type="none" w="med" len="med"/>
+                          <a:tailEnd type="none" w="med" len="med"/>
+                        </a:lnT>
+                      </a:tcPr>
+                    </a:tc>
+                    <a:tc>
+                      <a:txBody>
+                        <a:bodyPr/>
+                        <a:lstStyle/>
+                        <a:p>
+                          <a:pPr algn="ctr">
+                            <a:lnSpc>
+                              <a:spcPct val="150000"/>
+                            </a:lnSpc>
+                            <a:tabLst>
+                              <a:tab pos="1514475" algn="l"/>
+                            </a:tabLst>
+                          </a:pPr>
+                          <a:r>
+                            <a:rPr lang="en-US" sz="1100" dirty="0">
+                              <a:effectLst/>
+                            </a:rPr>
+                            <a:t>CR = </a:t>
+                          </a:r>
+                          <a14:m>
+                            <m:oMath xmlns:m="http://schemas.openxmlformats.org/officeDocument/2006/math">
+                              <m:f>
+                                <m:fPr>
+                                  <m:ctrlPr>
+                                    <a:rPr lang="en-IN" sz="1100">
+                                      <a:effectLst/>
+                                    </a:rPr>
+                                  </m:ctrlPr>
+                                </m:fPr>
+                                <m:num>
+                                  <m:r>
+                                    <a:rPr lang="en-US" sz="1100">
+                                      <a:effectLst/>
+                                    </a:rPr>
+                                    <m:t>𝑆𝑖𝑧𝑒</m:t>
+                                  </m:r>
+                                  <m:r>
+                                    <a:rPr lang="en-US" sz="1100">
+                                      <a:effectLst/>
+                                    </a:rPr>
+                                    <m:t> </m:t>
+                                  </m:r>
+                                  <m:r>
+                                    <a:rPr lang="en-US" sz="1100">
+                                      <a:effectLst/>
+                                    </a:rPr>
+                                    <m:t>𝑜𝑓</m:t>
+                                  </m:r>
+                                  <m:r>
+                                    <a:rPr lang="en-US" sz="1100">
+                                      <a:effectLst/>
+                                    </a:rPr>
+                                    <m:t> </m:t>
+                                  </m:r>
+                                  <m:r>
+                                    <a:rPr lang="en-US" sz="1100">
+                                      <a:effectLst/>
+                                    </a:rPr>
+                                    <m:t>𝑜𝑟𝑖𝑔𝑖𝑛𝑎𝑙</m:t>
+                                  </m:r>
+                                  <m:r>
+                                    <a:rPr lang="en-US" sz="1100">
+                                      <a:effectLst/>
+                                    </a:rPr>
+                                    <m:t> </m:t>
+                                  </m:r>
+                                  <m:r>
+                                    <a:rPr lang="en-US" sz="1100">
+                                      <a:effectLst/>
+                                    </a:rPr>
+                                    <m:t>𝑖𝑚𝑎𝑔𝑒</m:t>
+                                  </m:r>
+                                </m:num>
+                                <m:den>
+                                  <m:r>
+                                    <a:rPr lang="en-US" sz="1100">
+                                      <a:effectLst/>
+                                    </a:rPr>
+                                    <m:t>𝑠𝑖𝑧𝑒</m:t>
+                                  </m:r>
+                                  <m:r>
+                                    <a:rPr lang="en-US" sz="1100">
+                                      <a:effectLst/>
+                                    </a:rPr>
+                                    <m:t> </m:t>
+                                  </m:r>
+                                  <m:r>
+                                    <a:rPr lang="en-US" sz="1100">
+                                      <a:effectLst/>
+                                    </a:rPr>
+                                    <m:t>𝑜𝑓</m:t>
+                                  </m:r>
+                                  <m:r>
+                                    <a:rPr lang="en-US" sz="1100">
+                                      <a:effectLst/>
+                                    </a:rPr>
+                                    <m:t> </m:t>
+                                  </m:r>
+                                  <m:r>
+                                    <a:rPr lang="en-US" sz="1100">
+                                      <a:effectLst/>
+                                    </a:rPr>
+                                    <m:t>𝑐𝑜𝑚𝑝𝑟𝑒𝑠𝑠𝑒𝑑</m:t>
+                                  </m:r>
+                                  <m:r>
+                                    <a:rPr lang="en-US" sz="1100">
+                                      <a:effectLst/>
+                                    </a:rPr>
+                                    <m:t> </m:t>
+                                  </m:r>
+                                  <m:r>
+                                    <a:rPr lang="en-US" sz="1100">
+                                      <a:effectLst/>
+                                    </a:rPr>
+                                    <m:t>𝑖𝑚𝑎𝑔𝑒</m:t>
+                                  </m:r>
+                                </m:den>
+                              </m:f>
+                            </m:oMath>
+                          </a14:m>
+                          <a:endParaRPr lang="en-IN" sz="1100" dirty="0">
+                            <a:effectLst/>
+                            <a:latin typeface="Times New Roman" panose="02020603050405020304" pitchFamily="18" charset="0"/>
+                            <a:ea typeface="Times New Roman" panose="02020603050405020304" pitchFamily="18" charset="0"/>
+                          </a:endParaRPr>
+                        </a:p>
+                      </a:txBody>
+                      <a:tcPr marL="45869" marR="45869" marT="0" marB="0">
+                        <a:lnT w="12700" cap="flat" cmpd="sng" algn="ctr">
+                          <a:solidFill>
+                            <a:schemeClr val="tx1"/>
+                          </a:solidFill>
+                          <a:prstDash val="solid"/>
+                          <a:round/>
+                          <a:headEnd type="none" w="med" len="med"/>
+                          <a:tailEnd type="none" w="med" len="med"/>
+                        </a:lnT>
+                      </a:tcPr>
+                    </a:tc>
+                    <a:extLst>
+                      <a:ext uri="{0D108BD9-81ED-4DB2-BD59-A6C34878D82A}">
+                        <a16:rowId xmlns:a16="http://schemas.microsoft.com/office/drawing/2014/main" val="430322368"/>
+                      </a:ext>
+                    </a:extLst>
+                  </a:tr>
+                  <a:tr h="329439">
+                    <a:tc>
+                      <a:txBody>
+                        <a:bodyPr/>
+                        <a:lstStyle/>
+                        <a:p>
+                          <a:pPr algn="ctr">
+                            <a:lnSpc>
+                              <a:spcPct val="150000"/>
+                            </a:lnSpc>
+                            <a:tabLst>
+                              <a:tab pos="1514475" algn="l"/>
+                            </a:tabLst>
+                          </a:pPr>
+                          <a:r>
+                            <a:rPr lang="en-US" sz="1100">
+                              <a:effectLst/>
+                            </a:rPr>
+                            <a:t>2.</a:t>
+                          </a:r>
+                          <a:endParaRPr lang="en-IN" sz="1100">
+                            <a:effectLst/>
+                            <a:latin typeface="Times New Roman" panose="02020603050405020304" pitchFamily="18" charset="0"/>
+                            <a:ea typeface="Times New Roman" panose="02020603050405020304" pitchFamily="18" charset="0"/>
+                          </a:endParaRPr>
+                        </a:p>
+                      </a:txBody>
+                      <a:tcPr marL="45869" marR="45869" marT="0" marB="0"/>
+                    </a:tc>
+                    <a:tc>
+                      <a:txBody>
+                        <a:bodyPr/>
+                        <a:lstStyle/>
+                        <a:p>
+                          <a:pPr algn="ctr">
+                            <a:lnSpc>
+                              <a:spcPct val="150000"/>
+                            </a:lnSpc>
+                            <a:tabLst>
+                              <a:tab pos="1514475" algn="l"/>
+                            </a:tabLst>
+                          </a:pPr>
+                          <a:r>
+                            <a:rPr lang="en-US" sz="1100" dirty="0">
+                              <a:effectLst/>
+                            </a:rPr>
+                            <a:t>Mean Square Error [10]</a:t>
+                          </a:r>
+                          <a:endParaRPr lang="en-IN" sz="1100" dirty="0">
+                            <a:effectLst/>
+                            <a:latin typeface="Times New Roman" panose="02020603050405020304" pitchFamily="18" charset="0"/>
+                            <a:ea typeface="Times New Roman" panose="02020603050405020304" pitchFamily="18" charset="0"/>
+                          </a:endParaRPr>
+                        </a:p>
+                      </a:txBody>
+                      <a:tcPr marL="45869" marR="45869" marT="0" marB="0"/>
+                    </a:tc>
+                    <a:tc>
+                      <a:txBody>
+                        <a:bodyPr/>
+                        <a:lstStyle/>
+                        <a:p>
+                          <a:pPr algn="ctr">
+                            <a:lnSpc>
+                              <a:spcPct val="150000"/>
+                            </a:lnSpc>
+                            <a:tabLst>
+                              <a:tab pos="1514475" algn="l"/>
+                            </a:tabLst>
+                          </a:pPr>
+                          <a:r>
+                            <a:rPr lang="en-US" sz="1100">
+                              <a:effectLst/>
+                            </a:rPr>
+                            <a:t>MSE=</a:t>
+                          </a:r>
+                          <a14:m>
+                            <m:oMath xmlns:m="http://schemas.openxmlformats.org/officeDocument/2006/math">
+                              <m:f>
+                                <m:fPr>
+                                  <m:ctrlPr>
+                                    <a:rPr lang="en-IN" sz="1100">
+                                      <a:effectLst/>
+                                    </a:rPr>
+                                  </m:ctrlPr>
+                                </m:fPr>
+                                <m:num>
+                                  <m:r>
+                                    <a:rPr lang="en-US" sz="1100">
+                                      <a:effectLst/>
+                                    </a:rPr>
+                                    <m:t>1</m:t>
+                                  </m:r>
+                                </m:num>
+                                <m:den>
+                                  <m:r>
+                                    <a:rPr lang="en-US" sz="1100">
+                                      <a:effectLst/>
+                                    </a:rPr>
+                                    <m:t>𝑀𝑁</m:t>
+                                  </m:r>
+                                </m:den>
+                              </m:f>
+                              <m:nary>
+                                <m:naryPr>
+                                  <m:chr m:val="∑"/>
+                                  <m:limLoc m:val="undOvr"/>
+                                  <m:ctrlPr>
+                                    <a:rPr lang="en-IN" sz="1100">
+                                      <a:effectLst/>
+                                    </a:rPr>
+                                  </m:ctrlPr>
+                                </m:naryPr>
+                                <m:sub>
+                                  <m:r>
+                                    <a:rPr lang="en-US" sz="1100">
+                                      <a:effectLst/>
+                                    </a:rPr>
+                                    <m:t>𝑗</m:t>
+                                  </m:r>
+                                  <m:r>
+                                    <a:rPr lang="en-US" sz="1100">
+                                      <a:effectLst/>
+                                    </a:rPr>
+                                    <m:t>=1</m:t>
+                                  </m:r>
+                                </m:sub>
+                                <m:sup>
+                                  <m:r>
+                                    <a:rPr lang="en-US" sz="1100">
+                                      <a:effectLst/>
+                                    </a:rPr>
+                                    <m:t>𝑀</m:t>
+                                  </m:r>
+                                </m:sup>
+                                <m:e>
+                                  <m:nary>
+                                    <m:naryPr>
+                                      <m:chr m:val="∑"/>
+                                      <m:limLoc m:val="undOvr"/>
+                                      <m:ctrlPr>
+                                        <a:rPr lang="en-IN" sz="1100">
+                                          <a:effectLst/>
+                                        </a:rPr>
+                                      </m:ctrlPr>
+                                    </m:naryPr>
+                                    <m:sub>
+                                      <m:r>
+                                        <a:rPr lang="en-US" sz="1100">
+                                          <a:effectLst/>
+                                        </a:rPr>
+                                        <m:t>𝑘</m:t>
+                                      </m:r>
+                                      <m:r>
+                                        <a:rPr lang="en-US" sz="1100">
+                                          <a:effectLst/>
+                                        </a:rPr>
+                                        <m:t>=1</m:t>
+                                      </m:r>
+                                    </m:sub>
+                                    <m:sup>
+                                      <m:r>
+                                        <a:rPr lang="en-US" sz="1100">
+                                          <a:effectLst/>
+                                        </a:rPr>
+                                        <m:t>𝑁</m:t>
+                                      </m:r>
+                                    </m:sup>
+                                    <m:e>
+                                      <m:sSup>
+                                        <m:sSupPr>
+                                          <m:ctrlPr>
+                                            <a:rPr lang="en-IN" sz="1100">
+                                              <a:effectLst/>
+                                            </a:rPr>
+                                          </m:ctrlPr>
+                                        </m:sSupPr>
+                                        <m:e>
+                                          <m:r>
+                                            <a:rPr lang="en-US" sz="1100">
+                                              <a:effectLst/>
+                                            </a:rPr>
+                                            <m:t>(</m:t>
+                                          </m:r>
+                                          <m:sSub>
+                                            <m:sSubPr>
+                                              <m:ctrlPr>
+                                                <a:rPr lang="en-IN" sz="1100">
+                                                  <a:effectLst/>
+                                                </a:rPr>
+                                              </m:ctrlPr>
+                                            </m:sSubPr>
+                                            <m:e>
+                                              <m:r>
+                                                <a:rPr lang="en-US" sz="1100">
+                                                  <a:effectLst/>
+                                                </a:rPr>
+                                                <m:t>𝑋</m:t>
+                                              </m:r>
+                                            </m:e>
+                                            <m:sub>
+                                              <m:r>
+                                                <a:rPr lang="en-US" sz="1100">
+                                                  <a:effectLst/>
+                                                </a:rPr>
+                                                <m:t>𝑗</m:t>
+                                              </m:r>
+                                              <m:r>
+                                                <a:rPr lang="en-US" sz="1100">
+                                                  <a:effectLst/>
+                                                </a:rPr>
+                                                <m:t>,</m:t>
+                                              </m:r>
+                                              <m:r>
+                                                <a:rPr lang="en-US" sz="1100">
+                                                  <a:effectLst/>
+                                                </a:rPr>
+                                                <m:t>𝑘</m:t>
+                                              </m:r>
+                                            </m:sub>
+                                          </m:sSub>
+                                          <m:r>
+                                            <a:rPr lang="en-US" sz="1100">
+                                              <a:effectLst/>
+                                            </a:rPr>
+                                            <m:t>− </m:t>
+                                          </m:r>
+                                          <m:sSubSup>
+                                            <m:sSubSupPr>
+                                              <m:ctrlPr>
+                                                <a:rPr lang="en-IN" sz="1100">
+                                                  <a:effectLst/>
+                                                </a:rPr>
+                                              </m:ctrlPr>
+                                            </m:sSubSupPr>
+                                            <m:e>
+                                              <m:r>
+                                                <a:rPr lang="en-US" sz="1100">
+                                                  <a:effectLst/>
+                                                </a:rPr>
+                                                <m:t>𝑋</m:t>
+                                              </m:r>
+                                            </m:e>
+                                            <m:sub>
+                                              <m:r>
+                                                <a:rPr lang="en-US" sz="1100">
+                                                  <a:effectLst/>
+                                                </a:rPr>
+                                                <m:t>𝑗</m:t>
+                                              </m:r>
+                                              <m:r>
+                                                <a:rPr lang="en-US" sz="1100">
+                                                  <a:effectLst/>
+                                                </a:rPr>
+                                                <m:t>,</m:t>
+                                              </m:r>
+                                              <m:r>
+                                                <a:rPr lang="en-US" sz="1100">
+                                                  <a:effectLst/>
+                                                </a:rPr>
+                                                <m:t>𝑘</m:t>
+                                              </m:r>
+                                            </m:sub>
+                                            <m:sup>
+                                              <m:r>
+                                                <a:rPr lang="en-US" sz="1100">
+                                                  <a:effectLst/>
+                                                </a:rPr>
+                                                <m:t>′</m:t>
+                                              </m:r>
+                                            </m:sup>
+                                          </m:sSubSup>
+                                          <m:r>
+                                            <a:rPr lang="en-US" sz="1100">
+                                              <a:effectLst/>
+                                            </a:rPr>
+                                            <m:t>)</m:t>
+                                          </m:r>
+                                        </m:e>
+                                        <m:sup>
+                                          <m:r>
+                                            <a:rPr lang="en-US" sz="1100">
+                                              <a:effectLst/>
+                                            </a:rPr>
+                                            <m:t>2</m:t>
+                                          </m:r>
+                                        </m:sup>
+                                      </m:sSup>
+                                    </m:e>
+                                  </m:nary>
+                                </m:e>
+                              </m:nary>
+                            </m:oMath>
+                          </a14:m>
+                          <a:endParaRPr lang="en-IN" sz="1100">
+                            <a:effectLst/>
+                            <a:latin typeface="Times New Roman" panose="02020603050405020304" pitchFamily="18" charset="0"/>
+                            <a:ea typeface="Times New Roman" panose="02020603050405020304" pitchFamily="18" charset="0"/>
+                          </a:endParaRPr>
+                        </a:p>
+                      </a:txBody>
+                      <a:tcPr marL="45869" marR="45869" marT="0" marB="0"/>
+                    </a:tc>
+                    <a:extLst>
+                      <a:ext uri="{0D108BD9-81ED-4DB2-BD59-A6C34878D82A}">
+                        <a16:rowId xmlns:a16="http://schemas.microsoft.com/office/drawing/2014/main" val="2971557388"/>
+                      </a:ext>
+                    </a:extLst>
+                  </a:tr>
+                  <a:tr h="363620">
+                    <a:tc>
+                      <a:txBody>
+                        <a:bodyPr/>
+                        <a:lstStyle/>
+                        <a:p>
+                          <a:pPr algn="ctr">
+                            <a:lnSpc>
+                              <a:spcPct val="150000"/>
+                            </a:lnSpc>
+                            <a:tabLst>
+                              <a:tab pos="1514475" algn="l"/>
+                            </a:tabLst>
+                          </a:pPr>
+                          <a:r>
+                            <a:rPr lang="en-US" sz="1100">
+                              <a:effectLst/>
+                            </a:rPr>
+                            <a:t>3.</a:t>
+                          </a:r>
+                          <a:endParaRPr lang="en-IN" sz="1100">
+                            <a:effectLst/>
+                            <a:latin typeface="Times New Roman" panose="02020603050405020304" pitchFamily="18" charset="0"/>
+                            <a:ea typeface="Times New Roman" panose="02020603050405020304" pitchFamily="18" charset="0"/>
+                          </a:endParaRPr>
+                        </a:p>
+                      </a:txBody>
+                      <a:tcPr marL="45869" marR="45869" marT="0" marB="0"/>
+                    </a:tc>
+                    <a:tc>
+                      <a:txBody>
+                        <a:bodyPr/>
+                        <a:lstStyle/>
+                        <a:p>
+                          <a:pPr algn="ctr">
+                            <a:lnSpc>
+                              <a:spcPct val="150000"/>
+                            </a:lnSpc>
+                            <a:tabLst>
+                              <a:tab pos="1514475" algn="l"/>
+                            </a:tabLst>
+                          </a:pPr>
+                          <a:r>
+                            <a:rPr lang="en-US" sz="1100" dirty="0">
+                              <a:effectLst/>
+                            </a:rPr>
+                            <a:t>Bits per Pixel [10]</a:t>
+                          </a:r>
+                          <a:endParaRPr lang="en-IN" sz="1100" dirty="0">
+                            <a:effectLst/>
+                            <a:latin typeface="Times New Roman" panose="02020603050405020304" pitchFamily="18" charset="0"/>
+                            <a:ea typeface="Times New Roman" panose="02020603050405020304" pitchFamily="18" charset="0"/>
+                          </a:endParaRPr>
+                        </a:p>
+                      </a:txBody>
+                      <a:tcPr marL="45869" marR="45869" marT="0" marB="0"/>
+                    </a:tc>
+                    <a:tc>
+                      <a:txBody>
+                        <a:bodyPr/>
+                        <a:lstStyle/>
+                        <a:p>
+                          <a:pPr algn="ctr">
+                            <a:lnSpc>
+                              <a:spcPct val="150000"/>
+                            </a:lnSpc>
+                            <a:tabLst>
+                              <a:tab pos="1514475" algn="l"/>
+                            </a:tabLst>
+                          </a:pPr>
+                          <a:r>
+                            <a:rPr lang="en-US" sz="1100" dirty="0">
+                              <a:effectLst/>
+                            </a:rPr>
+                            <a:t>CR = </a:t>
+                          </a:r>
+                          <a14:m>
+                            <m:oMath xmlns:m="http://schemas.openxmlformats.org/officeDocument/2006/math">
+                              <m:f>
+                                <m:fPr>
+                                  <m:ctrlPr>
+                                    <a:rPr lang="en-IN" sz="1100">
+                                      <a:effectLst/>
+                                    </a:rPr>
+                                  </m:ctrlPr>
+                                </m:fPr>
+                                <m:num>
+                                  <m:r>
+                                    <a:rPr lang="en-US" sz="1100">
+                                      <a:effectLst/>
+                                    </a:rPr>
+                                    <m:t>𝑆𝑖𝑧𝑒</m:t>
+                                  </m:r>
+                                  <m:r>
+                                    <a:rPr lang="en-US" sz="1100">
+                                      <a:effectLst/>
+                                    </a:rPr>
+                                    <m:t> </m:t>
+                                  </m:r>
+                                  <m:r>
+                                    <a:rPr lang="en-US" sz="1100">
+                                      <a:effectLst/>
+                                    </a:rPr>
+                                    <m:t>𝑜𝑓</m:t>
+                                  </m:r>
+                                  <m:r>
+                                    <a:rPr lang="en-US" sz="1100">
+                                      <a:effectLst/>
+                                    </a:rPr>
+                                    <m:t> </m:t>
+                                  </m:r>
+                                  <m:r>
+                                    <a:rPr lang="en-US" sz="1100">
+                                      <a:effectLst/>
+                                    </a:rPr>
+                                    <m:t>𝑐𝑜𝑚𝑝𝑟𝑒𝑠𝑠𝑒𝑑</m:t>
+                                  </m:r>
+                                  <m:r>
+                                    <a:rPr lang="en-US" sz="1100">
+                                      <a:effectLst/>
+                                    </a:rPr>
+                                    <m:t> </m:t>
+                                  </m:r>
+                                  <m:r>
+                                    <a:rPr lang="en-US" sz="1100">
+                                      <a:effectLst/>
+                                    </a:rPr>
+                                    <m:t>𝑖𝑚𝑎𝑔𝑒</m:t>
+                                  </m:r>
+                                </m:num>
+                                <m:den>
+                                  <m:r>
+                                    <a:rPr lang="en-US" sz="1100">
+                                      <a:effectLst/>
+                                    </a:rPr>
+                                    <m:t>𝑇𝑜𝑡𝑎𝑙</m:t>
+                                  </m:r>
+                                  <m:r>
+                                    <a:rPr lang="en-US" sz="1100">
+                                      <a:effectLst/>
+                                    </a:rPr>
+                                    <m:t> </m:t>
+                                  </m:r>
+                                  <m:r>
+                                    <a:rPr lang="en-US" sz="1100">
+                                      <a:effectLst/>
+                                    </a:rPr>
+                                    <m:t>𝑛𝑜</m:t>
+                                  </m:r>
+                                  <m:r>
+                                    <a:rPr lang="en-US" sz="1100">
+                                      <a:effectLst/>
+                                    </a:rPr>
+                                    <m:t>. </m:t>
+                                  </m:r>
+                                  <m:r>
+                                    <a:rPr lang="en-US" sz="1100">
+                                      <a:effectLst/>
+                                    </a:rPr>
+                                    <m:t>𝑜𝑓</m:t>
+                                  </m:r>
+                                  <m:r>
+                                    <a:rPr lang="en-US" sz="1100">
+                                      <a:effectLst/>
+                                    </a:rPr>
+                                    <m:t> </m:t>
+                                  </m:r>
+                                  <m:r>
+                                    <a:rPr lang="en-US" sz="1100">
+                                      <a:effectLst/>
+                                    </a:rPr>
+                                    <m:t>𝑝𝑖𝑥𝑒𝑙</m:t>
+                                  </m:r>
+                                  <m:r>
+                                    <a:rPr lang="en-US" sz="1100">
+                                      <a:effectLst/>
+                                    </a:rPr>
+                                    <m:t> </m:t>
+                                  </m:r>
+                                  <m:r>
+                                    <a:rPr lang="en-US" sz="1100">
+                                      <a:effectLst/>
+                                    </a:rPr>
+                                    <m:t>𝑖𝑛</m:t>
+                                  </m:r>
+                                  <m:r>
+                                    <a:rPr lang="en-US" sz="1100">
+                                      <a:effectLst/>
+                                    </a:rPr>
+                                    <m:t> </m:t>
+                                  </m:r>
+                                  <m:r>
+                                    <a:rPr lang="en-US" sz="1100">
+                                      <a:effectLst/>
+                                    </a:rPr>
+                                    <m:t>𝑡h𝑒</m:t>
+                                  </m:r>
+                                  <m:r>
+                                    <a:rPr lang="en-US" sz="1100">
+                                      <a:effectLst/>
+                                    </a:rPr>
+                                    <m:t> </m:t>
+                                  </m:r>
+                                  <m:r>
+                                    <a:rPr lang="en-US" sz="1100">
+                                      <a:effectLst/>
+                                    </a:rPr>
+                                    <m:t>𝑖𝑚𝑎𝑔𝑒</m:t>
+                                  </m:r>
+                                </m:den>
+                              </m:f>
+                            </m:oMath>
+                          </a14:m>
+                          <a:endParaRPr lang="en-IN" sz="1100" dirty="0">
+                            <a:effectLst/>
+                            <a:latin typeface="Times New Roman" panose="02020603050405020304" pitchFamily="18" charset="0"/>
+                            <a:ea typeface="Times New Roman" panose="02020603050405020304" pitchFamily="18" charset="0"/>
+                          </a:endParaRPr>
+                        </a:p>
+                      </a:txBody>
+                      <a:tcPr marL="45869" marR="45869" marT="0" marB="0"/>
+                    </a:tc>
+                    <a:extLst>
+                      <a:ext uri="{0D108BD9-81ED-4DB2-BD59-A6C34878D82A}">
+                        <a16:rowId xmlns:a16="http://schemas.microsoft.com/office/drawing/2014/main" val="3117349585"/>
+                      </a:ext>
+                    </a:extLst>
+                  </a:tr>
+                  <a:tr h="419798">
+                    <a:tc>
+                      <a:txBody>
+                        <a:bodyPr/>
+                        <a:lstStyle/>
+                        <a:p>
+                          <a:pPr algn="ctr">
+                            <a:lnSpc>
+                              <a:spcPct val="150000"/>
+                            </a:lnSpc>
+                            <a:tabLst>
+                              <a:tab pos="1514475" algn="l"/>
+                            </a:tabLst>
+                          </a:pPr>
+                          <a:r>
+                            <a:rPr lang="en-US" sz="1100">
+                              <a:effectLst/>
+                            </a:rPr>
+                            <a:t>4.</a:t>
+                          </a:r>
+                          <a:endParaRPr lang="en-IN" sz="1100">
+                            <a:effectLst/>
+                            <a:latin typeface="Times New Roman" panose="02020603050405020304" pitchFamily="18" charset="0"/>
+                            <a:ea typeface="Times New Roman" panose="02020603050405020304" pitchFamily="18" charset="0"/>
+                          </a:endParaRPr>
+                        </a:p>
+                      </a:txBody>
+                      <a:tcPr marL="45869" marR="45869" marT="0" marB="0"/>
+                    </a:tc>
+                    <a:tc>
+                      <a:txBody>
+                        <a:bodyPr/>
+                        <a:lstStyle/>
+                        <a:p>
+                          <a:pPr algn="ctr">
+                            <a:lnSpc>
+                              <a:spcPct val="150000"/>
+                            </a:lnSpc>
+                            <a:tabLst>
+                              <a:tab pos="1514475" algn="l"/>
+                            </a:tabLst>
+                          </a:pPr>
+                          <a:r>
+                            <a:rPr lang="en-US" sz="1100" dirty="0">
+                              <a:effectLst/>
+                            </a:rPr>
+                            <a:t>Structure Similarity Index [10]</a:t>
+                          </a:r>
+                          <a:endParaRPr lang="en-IN" sz="1100" dirty="0">
+                            <a:effectLst/>
+                            <a:latin typeface="Times New Roman" panose="02020603050405020304" pitchFamily="18" charset="0"/>
+                            <a:ea typeface="Times New Roman" panose="02020603050405020304" pitchFamily="18" charset="0"/>
+                          </a:endParaRPr>
+                        </a:p>
+                      </a:txBody>
+                      <a:tcPr marL="45869" marR="45869" marT="0" marB="0"/>
+                    </a:tc>
+                    <a:tc>
+                      <a:txBody>
+                        <a:bodyPr/>
+                        <a:lstStyle/>
+                        <a:p>
+                          <a:pPr algn="ctr">
+                            <a:lnSpc>
+                              <a:spcPct val="150000"/>
+                            </a:lnSpc>
+                            <a:tabLst>
+                              <a:tab pos="1514475" algn="l"/>
+                            </a:tabLst>
+                          </a:pPr>
+                          <a:r>
+                            <a:rPr lang="en-US" sz="1100" dirty="0">
+                              <a:effectLst/>
+                            </a:rPr>
+                            <a:t>SSIM = </a:t>
+                          </a:r>
+                          <a14:m>
+                            <m:oMath xmlns:m="http://schemas.openxmlformats.org/officeDocument/2006/math">
+                              <m:f>
+                                <m:fPr>
+                                  <m:ctrlPr>
+                                    <a:rPr lang="en-IN" sz="1100">
+                                      <a:effectLst/>
+                                    </a:rPr>
+                                  </m:ctrlPr>
+                                </m:fPr>
+                                <m:num>
+                                  <m:r>
+                                    <a:rPr lang="en-US" sz="1100">
+                                      <a:effectLst/>
+                                    </a:rPr>
+                                    <m:t>(</m:t>
+                                  </m:r>
+                                  <m:sSub>
+                                    <m:sSubPr>
+                                      <m:ctrlPr>
+                                        <a:rPr lang="en-IN" sz="1100">
+                                          <a:effectLst/>
+                                        </a:rPr>
+                                      </m:ctrlPr>
+                                    </m:sSubPr>
+                                    <m:e>
+                                      <m:r>
+                                        <a:rPr lang="en-US" sz="1100">
+                                          <a:effectLst/>
+                                        </a:rPr>
+                                        <m:t>2µ</m:t>
+                                      </m:r>
+                                    </m:e>
+                                    <m:sub>
+                                      <m:r>
+                                        <a:rPr lang="en-US" sz="1100">
+                                          <a:effectLst/>
+                                        </a:rPr>
+                                        <m:t>𝑓</m:t>
+                                      </m:r>
+                                    </m:sub>
+                                  </m:sSub>
+                                  <m:sSub>
+                                    <m:sSubPr>
+                                      <m:ctrlPr>
+                                        <a:rPr lang="en-IN" sz="1100">
+                                          <a:effectLst/>
+                                        </a:rPr>
+                                      </m:ctrlPr>
+                                    </m:sSubPr>
+                                    <m:e>
+                                      <m:r>
+                                        <a:rPr lang="en-US" sz="1100">
+                                          <a:effectLst/>
+                                        </a:rPr>
+                                        <m:t>µ</m:t>
+                                      </m:r>
+                                    </m:e>
+                                    <m:sub>
+                                      <m:r>
+                                        <a:rPr lang="en-US" sz="1100">
+                                          <a:effectLst/>
+                                        </a:rPr>
+                                        <m:t>−</m:t>
+                                      </m:r>
+                                      <m:r>
+                                        <a:rPr lang="en-US" sz="1100">
+                                          <a:effectLst/>
+                                        </a:rPr>
+                                        <m:t>𝑓</m:t>
+                                      </m:r>
+                                    </m:sub>
+                                  </m:sSub>
+                                  <m:r>
+                                    <a:rPr lang="en-US" sz="1100">
+                                      <a:effectLst/>
+                                    </a:rPr>
+                                    <m:t>+</m:t>
+                                  </m:r>
+                                  <m:sSub>
+                                    <m:sSubPr>
+                                      <m:ctrlPr>
+                                        <a:rPr lang="en-IN" sz="1100">
+                                          <a:effectLst/>
+                                        </a:rPr>
+                                      </m:ctrlPr>
+                                    </m:sSubPr>
+                                    <m:e>
+                                      <m:r>
+                                        <a:rPr lang="en-US" sz="1100">
+                                          <a:effectLst/>
+                                        </a:rPr>
+                                        <m:t>𝐶</m:t>
+                                      </m:r>
+                                    </m:e>
+                                    <m:sub>
+                                      <m:r>
+                                        <a:rPr lang="en-US" sz="1100">
+                                          <a:effectLst/>
+                                        </a:rPr>
+                                        <m:t>1</m:t>
+                                      </m:r>
+                                    </m:sub>
+                                  </m:sSub>
+                                  <m:r>
+                                    <a:rPr lang="en-US" sz="1100">
+                                      <a:effectLst/>
+                                    </a:rPr>
+                                    <m:t>)(</m:t>
+                                  </m:r>
+                                  <m:sSub>
+                                    <m:sSubPr>
+                                      <m:ctrlPr>
+                                        <a:rPr lang="en-IN" sz="1100">
+                                          <a:effectLst/>
+                                        </a:rPr>
+                                      </m:ctrlPr>
+                                    </m:sSubPr>
+                                    <m:e>
+                                      <m:r>
+                                        <a:rPr lang="en-US" sz="1100">
+                                          <a:effectLst/>
+                                        </a:rPr>
+                                        <m:t>2 </m:t>
+                                      </m:r>
+                                      <m:r>
+                                        <m:rPr>
+                                          <m:sty m:val="p"/>
+                                        </m:rPr>
+                                        <a:rPr lang="en-US" sz="1100">
+                                          <a:effectLst/>
+                                        </a:rPr>
+                                        <m:t>γ</m:t>
+                                      </m:r>
+                                    </m:e>
+                                    <m:sub>
+                                      <m:r>
+                                        <a:rPr lang="en-US" sz="1100">
+                                          <a:effectLst/>
+                                        </a:rPr>
+                                        <m:t>𝑓</m:t>
+                                      </m:r>
+                                    </m:sub>
+                                  </m:sSub>
+                                  <m:r>
+                                    <a:rPr lang="en-US" sz="1100">
+                                      <a:effectLst/>
+                                    </a:rPr>
+                                    <m:t>+</m:t>
+                                  </m:r>
+                                  <m:sSub>
+                                    <m:sSubPr>
+                                      <m:ctrlPr>
+                                        <a:rPr lang="en-IN" sz="1100">
+                                          <a:effectLst/>
+                                        </a:rPr>
+                                      </m:ctrlPr>
+                                    </m:sSubPr>
+                                    <m:e>
+                                      <m:r>
+                                        <a:rPr lang="en-US" sz="1100">
+                                          <a:effectLst/>
+                                        </a:rPr>
+                                        <m:t>𝐶</m:t>
+                                      </m:r>
+                                    </m:e>
+                                    <m:sub>
+                                      <m:r>
+                                        <a:rPr lang="en-US" sz="1100">
+                                          <a:effectLst/>
+                                        </a:rPr>
+                                        <m:t>2</m:t>
+                                      </m:r>
+                                    </m:sub>
+                                  </m:sSub>
+                                  <m:r>
+                                    <a:rPr lang="en-US" sz="1100">
+                                      <a:effectLst/>
+                                    </a:rPr>
+                                    <m:t>)</m:t>
+                                  </m:r>
+                                </m:num>
+                                <m:den>
+                                  <m:r>
+                                    <a:rPr lang="en-US" sz="1100">
+                                      <a:effectLst/>
+                                    </a:rPr>
+                                    <m:t>(</m:t>
+                                  </m:r>
+                                  <m:sSubSup>
+                                    <m:sSubSupPr>
+                                      <m:ctrlPr>
+                                        <a:rPr lang="en-IN" sz="1100">
+                                          <a:effectLst/>
+                                        </a:rPr>
+                                      </m:ctrlPr>
+                                    </m:sSubSupPr>
+                                    <m:e>
+                                      <m:r>
+                                        <a:rPr lang="en-US" sz="1100">
+                                          <a:effectLst/>
+                                        </a:rPr>
+                                        <m:t>µ</m:t>
+                                      </m:r>
+                                    </m:e>
+                                    <m:sub>
+                                      <m:r>
+                                        <a:rPr lang="en-US" sz="1100">
+                                          <a:effectLst/>
+                                        </a:rPr>
+                                        <m:t>𝑓</m:t>
+                                      </m:r>
+                                    </m:sub>
+                                    <m:sup>
+                                      <m:r>
+                                        <a:rPr lang="en-US" sz="1100">
+                                          <a:effectLst/>
+                                        </a:rPr>
+                                        <m:t>2</m:t>
+                                      </m:r>
+                                    </m:sup>
+                                  </m:sSubSup>
+                                  <m:r>
+                                    <a:rPr lang="en-US" sz="1100">
+                                      <a:effectLst/>
+                                    </a:rPr>
+                                    <m:t>+</m:t>
+                                  </m:r>
+                                  <m:sSubSup>
+                                    <m:sSubSupPr>
+                                      <m:ctrlPr>
+                                        <a:rPr lang="en-IN" sz="1100">
+                                          <a:effectLst/>
+                                        </a:rPr>
+                                      </m:ctrlPr>
+                                    </m:sSubSupPr>
+                                    <m:e>
+                                      <m:r>
+                                        <a:rPr lang="en-US" sz="1100">
+                                          <a:effectLst/>
+                                        </a:rPr>
+                                        <m:t>µ</m:t>
+                                      </m:r>
+                                    </m:e>
+                                    <m:sub>
+                                      <m:r>
+                                        <a:rPr lang="en-US" sz="1100">
+                                          <a:effectLst/>
+                                        </a:rPr>
+                                        <m:t>−</m:t>
+                                      </m:r>
+                                      <m:r>
+                                        <a:rPr lang="en-US" sz="1100">
+                                          <a:effectLst/>
+                                        </a:rPr>
+                                        <m:t>𝑓</m:t>
+                                      </m:r>
+                                    </m:sub>
+                                    <m:sup>
+                                      <m:r>
+                                        <a:rPr lang="en-US" sz="1100">
+                                          <a:effectLst/>
+                                        </a:rPr>
+                                        <m:t>2</m:t>
+                                      </m:r>
+                                    </m:sup>
+                                  </m:sSubSup>
+                                  <m:r>
+                                    <a:rPr lang="en-US" sz="1100">
+                                      <a:effectLst/>
+                                    </a:rPr>
+                                    <m:t>+</m:t>
+                                  </m:r>
+                                  <m:sSub>
+                                    <m:sSubPr>
+                                      <m:ctrlPr>
+                                        <a:rPr lang="en-IN" sz="1100">
+                                          <a:effectLst/>
+                                        </a:rPr>
+                                      </m:ctrlPr>
+                                    </m:sSubPr>
+                                    <m:e>
+                                      <m:r>
+                                        <a:rPr lang="en-US" sz="1100">
+                                          <a:effectLst/>
+                                        </a:rPr>
+                                        <m:t>𝐶</m:t>
+                                      </m:r>
+                                    </m:e>
+                                    <m:sub>
+                                      <m:r>
+                                        <a:rPr lang="en-US" sz="1100">
+                                          <a:effectLst/>
+                                        </a:rPr>
+                                        <m:t>1</m:t>
+                                      </m:r>
+                                    </m:sub>
+                                  </m:sSub>
+                                  <m:r>
+                                    <a:rPr lang="en-US" sz="1100">
+                                      <a:effectLst/>
+                                    </a:rPr>
+                                    <m:t>)(</m:t>
+                                  </m:r>
+                                  <m:sSubSup>
+                                    <m:sSubSupPr>
+                                      <m:ctrlPr>
+                                        <a:rPr lang="en-IN" sz="1100">
+                                          <a:effectLst/>
+                                        </a:rPr>
+                                      </m:ctrlPr>
+                                    </m:sSubSupPr>
+                                    <m:e>
+                                      <m:r>
+                                        <m:rPr>
+                                          <m:sty m:val="p"/>
+                                        </m:rPr>
+                                        <a:rPr lang="en-US" sz="1100">
+                                          <a:effectLst/>
+                                        </a:rPr>
+                                        <m:t>γ</m:t>
+                                      </m:r>
+                                    </m:e>
+                                    <m:sub>
+                                      <m:r>
+                                        <a:rPr lang="en-US" sz="1100">
+                                          <a:effectLst/>
+                                        </a:rPr>
+                                        <m:t>𝑓</m:t>
+                                      </m:r>
+                                    </m:sub>
+                                    <m:sup>
+                                      <m:r>
+                                        <a:rPr lang="en-US" sz="1100">
+                                          <a:effectLst/>
+                                        </a:rPr>
+                                        <m:t>2</m:t>
+                                      </m:r>
+                                    </m:sup>
+                                  </m:sSubSup>
+                                  <m:r>
+                                    <a:rPr lang="en-US" sz="1100">
+                                      <a:effectLst/>
+                                    </a:rPr>
+                                    <m:t>+</m:t>
+                                  </m:r>
+                                  <m:sSubSup>
+                                    <m:sSubSupPr>
+                                      <m:ctrlPr>
+                                        <a:rPr lang="en-IN" sz="1100">
+                                          <a:effectLst/>
+                                        </a:rPr>
+                                      </m:ctrlPr>
+                                    </m:sSubSupPr>
+                                    <m:e>
+                                      <m:r>
+                                        <m:rPr>
+                                          <m:sty m:val="p"/>
+                                        </m:rPr>
+                                        <a:rPr lang="en-US" sz="1100">
+                                          <a:effectLst/>
+                                        </a:rPr>
+                                        <m:t>γ</m:t>
+                                      </m:r>
+                                    </m:e>
+                                    <m:sub>
+                                      <m:r>
+                                        <a:rPr lang="en-US" sz="1100">
+                                          <a:effectLst/>
+                                        </a:rPr>
+                                        <m:t>−</m:t>
+                                      </m:r>
+                                      <m:r>
+                                        <a:rPr lang="en-US" sz="1100">
+                                          <a:effectLst/>
+                                        </a:rPr>
+                                        <m:t>𝑓</m:t>
+                                      </m:r>
+                                    </m:sub>
+                                    <m:sup>
+                                      <m:r>
+                                        <a:rPr lang="en-US" sz="1100">
+                                          <a:effectLst/>
+                                        </a:rPr>
+                                        <m:t>2</m:t>
+                                      </m:r>
+                                    </m:sup>
+                                  </m:sSubSup>
+                                  <m:r>
+                                    <a:rPr lang="en-US" sz="1100">
+                                      <a:effectLst/>
+                                    </a:rPr>
+                                    <m:t>+</m:t>
+                                  </m:r>
+                                  <m:sSub>
+                                    <m:sSubPr>
+                                      <m:ctrlPr>
+                                        <a:rPr lang="en-IN" sz="1100">
+                                          <a:effectLst/>
+                                        </a:rPr>
+                                      </m:ctrlPr>
+                                    </m:sSubPr>
+                                    <m:e>
+                                      <m:r>
+                                        <a:rPr lang="en-US" sz="1100">
+                                          <a:effectLst/>
+                                        </a:rPr>
+                                        <m:t>𝐶</m:t>
+                                      </m:r>
+                                    </m:e>
+                                    <m:sub>
+                                      <m:r>
+                                        <a:rPr lang="en-US" sz="1100">
+                                          <a:effectLst/>
+                                        </a:rPr>
+                                        <m:t>2</m:t>
+                                      </m:r>
+                                    </m:sub>
+                                  </m:sSub>
+                                  <m:r>
+                                    <a:rPr lang="en-US" sz="1100">
+                                      <a:effectLst/>
+                                    </a:rPr>
+                                    <m:t>)</m:t>
+                                  </m:r>
+                                </m:den>
+                              </m:f>
+                            </m:oMath>
+                          </a14:m>
+                          <a:endParaRPr lang="en-IN" sz="1100" dirty="0">
+                            <a:effectLst/>
+                            <a:latin typeface="Times New Roman" panose="02020603050405020304" pitchFamily="18" charset="0"/>
+                            <a:ea typeface="Times New Roman" panose="02020603050405020304" pitchFamily="18" charset="0"/>
+                          </a:endParaRPr>
+                        </a:p>
+                      </a:txBody>
+                      <a:tcPr marL="45869" marR="45869" marT="0" marB="0"/>
+                    </a:tc>
+                    <a:extLst>
+                      <a:ext uri="{0D108BD9-81ED-4DB2-BD59-A6C34878D82A}">
+                        <a16:rowId xmlns:a16="http://schemas.microsoft.com/office/drawing/2014/main" val="1402344652"/>
+                      </a:ext>
+                    </a:extLst>
+                  </a:tr>
+                  <a:tr h="596111">
+                    <a:tc>
+                      <a:txBody>
+                        <a:bodyPr/>
+                        <a:lstStyle/>
+                        <a:p>
+                          <a:pPr algn="ctr">
+                            <a:lnSpc>
+                              <a:spcPct val="150000"/>
+                            </a:lnSpc>
+                            <a:tabLst>
+                              <a:tab pos="1514475" algn="l"/>
+                            </a:tabLst>
+                          </a:pPr>
+                          <a:r>
+                            <a:rPr lang="en-US" sz="1100">
+                              <a:effectLst/>
+                            </a:rPr>
+                            <a:t>5.</a:t>
+                          </a:r>
+                          <a:endParaRPr lang="en-IN" sz="1100">
+                            <a:effectLst/>
+                            <a:latin typeface="Times New Roman" panose="02020603050405020304" pitchFamily="18" charset="0"/>
+                            <a:ea typeface="Times New Roman" panose="02020603050405020304" pitchFamily="18" charset="0"/>
+                          </a:endParaRPr>
+                        </a:p>
+                      </a:txBody>
+                      <a:tcPr marL="45869" marR="45869" marT="0" marB="0"/>
+                    </a:tc>
+                    <a:tc>
+                      <a:txBody>
+                        <a:bodyPr/>
+                        <a:lstStyle/>
+                        <a:p>
+                          <a:pPr algn="ctr">
+                            <a:lnSpc>
+                              <a:spcPct val="150000"/>
+                            </a:lnSpc>
+                            <a:tabLst>
+                              <a:tab pos="1514475" algn="l"/>
+                            </a:tabLst>
+                          </a:pPr>
+                          <a:r>
+                            <a:rPr lang="en-US" sz="1100" dirty="0">
+                              <a:effectLst/>
+                            </a:rPr>
+                            <a:t>Correlation coefficient [10]</a:t>
+                          </a:r>
+                          <a:endParaRPr lang="en-IN" sz="1100" dirty="0">
+                            <a:effectLst/>
+                            <a:latin typeface="Times New Roman" panose="02020603050405020304" pitchFamily="18" charset="0"/>
+                            <a:ea typeface="Times New Roman" panose="02020603050405020304" pitchFamily="18" charset="0"/>
+                          </a:endParaRPr>
+                        </a:p>
+                      </a:txBody>
+                      <a:tcPr marL="45869" marR="45869" marT="0" marB="0"/>
+                    </a:tc>
+                    <a:tc>
+                      <a:txBody>
+                        <a:bodyPr/>
+                        <a:lstStyle/>
+                        <a:p>
+                          <a:pPr algn="ctr">
+                            <a:lnSpc>
+                              <a:spcPct val="150000"/>
+                            </a:lnSpc>
+                            <a:tabLst>
+                              <a:tab pos="1514475" algn="l"/>
+                            </a:tabLst>
+                          </a:pPr>
+                          <a:r>
+                            <a:rPr lang="en-US" sz="1100" dirty="0">
+                              <a:effectLst/>
+                            </a:rPr>
+                            <a:t>CC = </a:t>
+                          </a:r>
+                          <a14:m>
+                            <m:oMath xmlns:m="http://schemas.openxmlformats.org/officeDocument/2006/math">
+                              <m:f>
+                                <m:fPr>
+                                  <m:ctrlPr>
+                                    <a:rPr lang="en-IN" sz="1100">
+                                      <a:effectLst/>
+                                    </a:rPr>
+                                  </m:ctrlPr>
+                                </m:fPr>
+                                <m:num>
+                                  <m:nary>
+                                    <m:naryPr>
+                                      <m:chr m:val="∑"/>
+                                      <m:limLoc m:val="undOvr"/>
+                                      <m:ctrlPr>
+                                        <a:rPr lang="en-IN" sz="1100">
+                                          <a:effectLst/>
+                                        </a:rPr>
+                                      </m:ctrlPr>
+                                    </m:naryPr>
+                                    <m:sub>
+                                      <m:r>
+                                        <a:rPr lang="en-US" sz="1100">
+                                          <a:effectLst/>
+                                        </a:rPr>
+                                        <m:t>𝑥</m:t>
+                                      </m:r>
+                                      <m:r>
+                                        <a:rPr lang="en-US" sz="1100">
+                                          <a:effectLst/>
+                                        </a:rPr>
+                                        <m:t>=1</m:t>
+                                      </m:r>
+                                    </m:sub>
+                                    <m:sup>
+                                      <m:r>
+                                        <a:rPr lang="en-US" sz="1100">
+                                          <a:effectLst/>
+                                        </a:rPr>
+                                        <m:t>𝑀</m:t>
+                                      </m:r>
+                                    </m:sup>
+                                    <m:e>
+                                      <m:nary>
+                                        <m:naryPr>
+                                          <m:chr m:val="∑"/>
+                                          <m:limLoc m:val="undOvr"/>
+                                          <m:ctrlPr>
+                                            <a:rPr lang="en-IN" sz="1100">
+                                              <a:effectLst/>
+                                            </a:rPr>
+                                          </m:ctrlPr>
+                                        </m:naryPr>
+                                        <m:sub>
+                                          <m:r>
+                                            <a:rPr lang="en-US" sz="1100">
+                                              <a:effectLst/>
+                                            </a:rPr>
+                                            <m:t>𝑦</m:t>
+                                          </m:r>
+                                          <m:r>
+                                            <a:rPr lang="en-US" sz="1100">
+                                              <a:effectLst/>
+                                            </a:rPr>
+                                            <m:t>=1</m:t>
+                                          </m:r>
+                                        </m:sub>
+                                        <m:sup>
+                                          <m:r>
+                                            <a:rPr lang="en-US" sz="1100">
+                                              <a:effectLst/>
+                                            </a:rPr>
+                                            <m:t>𝑁</m:t>
+                                          </m:r>
+                                        </m:sup>
+                                        <m:e>
+                                          <m:r>
+                                            <a:rPr lang="en-US" sz="1100">
+                                              <a:effectLst/>
+                                            </a:rPr>
+                                            <m:t>𝑓</m:t>
+                                          </m:r>
+                                          <m:d>
+                                            <m:dPr>
+                                              <m:ctrlPr>
+                                                <a:rPr lang="en-IN" sz="1100">
+                                                  <a:effectLst/>
+                                                </a:rPr>
+                                              </m:ctrlPr>
+                                            </m:dPr>
+                                            <m:e>
+                                              <m:r>
+                                                <a:rPr lang="en-US" sz="1100">
+                                                  <a:effectLst/>
+                                                </a:rPr>
+                                                <m:t>𝑥</m:t>
+                                              </m:r>
+                                              <m:r>
+                                                <a:rPr lang="en-US" sz="1100">
+                                                  <a:effectLst/>
+                                                </a:rPr>
+                                                <m:t>, </m:t>
+                                              </m:r>
+                                              <m:r>
+                                                <a:rPr lang="en-US" sz="1100">
+                                                  <a:effectLst/>
+                                                </a:rPr>
+                                                <m:t>𝑦</m:t>
+                                              </m:r>
+                                            </m:e>
+                                          </m:d>
+                                          <m:r>
+                                            <a:rPr lang="en-US" sz="1100">
+                                              <a:effectLst/>
+                                            </a:rPr>
+                                            <m:t> ×</m:t>
+                                          </m:r>
+                                          <m:sSup>
+                                            <m:sSupPr>
+                                              <m:ctrlPr>
+                                                <a:rPr lang="en-IN" sz="1100">
+                                                  <a:effectLst/>
+                                                </a:rPr>
+                                              </m:ctrlPr>
+                                            </m:sSupPr>
+                                            <m:e>
+                                              <m:r>
+                                                <a:rPr lang="en-US" sz="1100">
+                                                  <a:effectLst/>
+                                                </a:rPr>
+                                                <m:t>𝑓</m:t>
+                                              </m:r>
+                                            </m:e>
+                                            <m:sup>
+                                              <m:r>
+                                                <a:rPr lang="en-US" sz="1100">
+                                                  <a:effectLst/>
+                                                </a:rPr>
+                                                <m:t>′</m:t>
+                                              </m:r>
+                                            </m:sup>
+                                          </m:sSup>
+                                          <m:d>
+                                            <m:dPr>
+                                              <m:ctrlPr>
+                                                <a:rPr lang="en-IN" sz="1100">
+                                                  <a:effectLst/>
+                                                </a:rPr>
+                                              </m:ctrlPr>
+                                            </m:dPr>
+                                            <m:e>
+                                              <m:r>
+                                                <a:rPr lang="en-US" sz="1100">
+                                                  <a:effectLst/>
+                                                </a:rPr>
+                                                <m:t>𝑥</m:t>
+                                              </m:r>
+                                              <m:r>
+                                                <a:rPr lang="en-US" sz="1100">
+                                                  <a:effectLst/>
+                                                </a:rPr>
+                                                <m:t>, </m:t>
+                                              </m:r>
+                                              <m:r>
+                                                <a:rPr lang="en-US" sz="1100">
+                                                  <a:effectLst/>
+                                                </a:rPr>
+                                                <m:t>𝑦</m:t>
+                                              </m:r>
+                                            </m:e>
+                                          </m:d>
+                                        </m:e>
+                                      </m:nary>
+                                    </m:e>
+                                  </m:nary>
+                                </m:num>
+                                <m:den>
+                                  <m:rad>
+                                    <m:radPr>
+                                      <m:degHide m:val="on"/>
+                                      <m:ctrlPr>
+                                        <a:rPr lang="en-IN" sz="1100">
+                                          <a:effectLst/>
+                                        </a:rPr>
+                                      </m:ctrlPr>
+                                    </m:radPr>
+                                    <m:deg/>
+                                    <m:e>
+                                      <m:nary>
+                                        <m:naryPr>
+                                          <m:chr m:val="∑"/>
+                                          <m:limLoc m:val="undOvr"/>
+                                          <m:ctrlPr>
+                                            <a:rPr lang="en-IN" sz="1100">
+                                              <a:effectLst/>
+                                            </a:rPr>
+                                          </m:ctrlPr>
+                                        </m:naryPr>
+                                        <m:sub>
+                                          <m:r>
+                                            <a:rPr lang="en-US" sz="1100">
+                                              <a:effectLst/>
+                                            </a:rPr>
+                                            <m:t>𝑥</m:t>
+                                          </m:r>
+                                          <m:r>
+                                            <a:rPr lang="en-US" sz="1100">
+                                              <a:effectLst/>
+                                            </a:rPr>
+                                            <m:t>=1</m:t>
+                                          </m:r>
+                                        </m:sub>
+                                        <m:sup>
+                                          <m:r>
+                                            <a:rPr lang="en-US" sz="1100">
+                                              <a:effectLst/>
+                                            </a:rPr>
+                                            <m:t>𝑀</m:t>
+                                          </m:r>
+                                        </m:sup>
+                                        <m:e>
+                                          <m:nary>
+                                            <m:naryPr>
+                                              <m:chr m:val="∑"/>
+                                              <m:limLoc m:val="undOvr"/>
+                                              <m:ctrlPr>
+                                                <a:rPr lang="en-IN" sz="1100">
+                                                  <a:effectLst/>
+                                                </a:rPr>
+                                              </m:ctrlPr>
+                                            </m:naryPr>
+                                            <m:sub>
+                                              <m:r>
+                                                <a:rPr lang="en-US" sz="1100">
+                                                  <a:effectLst/>
+                                                </a:rPr>
+                                                <m:t>𝑦</m:t>
+                                              </m:r>
+                                              <m:r>
+                                                <a:rPr lang="en-US" sz="1100">
+                                                  <a:effectLst/>
+                                                </a:rPr>
+                                                <m:t>=1</m:t>
+                                              </m:r>
+                                            </m:sub>
+                                            <m:sup>
+                                              <m:r>
+                                                <a:rPr lang="en-US" sz="1100">
+                                                  <a:effectLst/>
+                                                </a:rPr>
+                                                <m:t>𝑁</m:t>
+                                              </m:r>
+                                            </m:sup>
+                                            <m:e>
+                                              <m:sSup>
+                                                <m:sSupPr>
+                                                  <m:ctrlPr>
+                                                    <a:rPr lang="en-IN" sz="1100">
+                                                      <a:effectLst/>
+                                                    </a:rPr>
+                                                  </m:ctrlPr>
+                                                </m:sSupPr>
+                                                <m:e>
+                                                  <m:d>
+                                                    <m:dPr>
+                                                      <m:ctrlPr>
+                                                        <a:rPr lang="en-IN" sz="1100">
+                                                          <a:effectLst/>
+                                                        </a:rPr>
+                                                      </m:ctrlPr>
+                                                    </m:dPr>
+                                                    <m:e>
+                                                      <m:r>
+                                                        <a:rPr lang="en-US" sz="1100">
+                                                          <a:effectLst/>
+                                                        </a:rPr>
+                                                        <m:t>𝑓</m:t>
+                                                      </m:r>
+                                                      <m:d>
+                                                        <m:dPr>
+                                                          <m:ctrlPr>
+                                                            <a:rPr lang="en-IN" sz="1100">
+                                                              <a:effectLst/>
+                                                            </a:rPr>
+                                                          </m:ctrlPr>
+                                                        </m:dPr>
+                                                        <m:e>
+                                                          <m:r>
+                                                            <a:rPr lang="en-US" sz="1100">
+                                                              <a:effectLst/>
+                                                            </a:rPr>
+                                                            <m:t>𝑥</m:t>
+                                                          </m:r>
+                                                          <m:r>
+                                                            <a:rPr lang="en-US" sz="1100">
+                                                              <a:effectLst/>
+                                                            </a:rPr>
+                                                            <m:t>, </m:t>
+                                                          </m:r>
+                                                          <m:r>
+                                                            <a:rPr lang="en-US" sz="1100">
+                                                              <a:effectLst/>
+                                                            </a:rPr>
+                                                            <m:t>𝑦</m:t>
+                                                          </m:r>
+                                                        </m:e>
+                                                      </m:d>
+                                                    </m:e>
+                                                  </m:d>
+                                                </m:e>
+                                                <m:sup>
+                                                  <m:r>
+                                                    <a:rPr lang="en-US" sz="1100">
+                                                      <a:effectLst/>
+                                                    </a:rPr>
+                                                    <m:t>2</m:t>
+                                                  </m:r>
+                                                </m:sup>
+                                              </m:sSup>
+                                            </m:e>
+                                          </m:nary>
+                                        </m:e>
+                                      </m:nary>
+                                    </m:e>
+                                  </m:rad>
+                                  <m:rad>
+                                    <m:radPr>
+                                      <m:degHide m:val="on"/>
+                                      <m:ctrlPr>
+                                        <a:rPr lang="en-IN" sz="1100">
+                                          <a:effectLst/>
+                                        </a:rPr>
+                                      </m:ctrlPr>
+                                    </m:radPr>
+                                    <m:deg/>
+                                    <m:e>
+                                      <m:nary>
+                                        <m:naryPr>
+                                          <m:chr m:val="∑"/>
+                                          <m:limLoc m:val="undOvr"/>
+                                          <m:ctrlPr>
+                                            <a:rPr lang="en-IN" sz="1100">
+                                              <a:effectLst/>
+                                            </a:rPr>
+                                          </m:ctrlPr>
+                                        </m:naryPr>
+                                        <m:sub>
+                                          <m:r>
+                                            <a:rPr lang="en-US" sz="1100">
+                                              <a:effectLst/>
+                                            </a:rPr>
+                                            <m:t>𝑥</m:t>
+                                          </m:r>
+                                          <m:r>
+                                            <a:rPr lang="en-US" sz="1100">
+                                              <a:effectLst/>
+                                            </a:rPr>
+                                            <m:t>=1</m:t>
+                                          </m:r>
+                                        </m:sub>
+                                        <m:sup>
+                                          <m:r>
+                                            <a:rPr lang="en-US" sz="1100">
+                                              <a:effectLst/>
+                                            </a:rPr>
+                                            <m:t>𝑀</m:t>
+                                          </m:r>
+                                        </m:sup>
+                                        <m:e>
+                                          <m:nary>
+                                            <m:naryPr>
+                                              <m:chr m:val="∑"/>
+                                              <m:limLoc m:val="undOvr"/>
+                                              <m:ctrlPr>
+                                                <a:rPr lang="en-IN" sz="1100">
+                                                  <a:effectLst/>
+                                                </a:rPr>
+                                              </m:ctrlPr>
+                                            </m:naryPr>
+                                            <m:sub>
+                                              <m:r>
+                                                <a:rPr lang="en-US" sz="1100">
+                                                  <a:effectLst/>
+                                                </a:rPr>
+                                                <m:t>𝑦</m:t>
+                                              </m:r>
+                                              <m:r>
+                                                <a:rPr lang="en-US" sz="1100">
+                                                  <a:effectLst/>
+                                                </a:rPr>
+                                                <m:t>=1</m:t>
+                                              </m:r>
+                                            </m:sub>
+                                            <m:sup>
+                                              <m:r>
+                                                <a:rPr lang="en-US" sz="1100">
+                                                  <a:effectLst/>
+                                                </a:rPr>
+                                                <m:t>𝑁</m:t>
+                                              </m:r>
+                                            </m:sup>
+                                            <m:e>
+                                              <m:sSup>
+                                                <m:sSupPr>
+                                                  <m:ctrlPr>
+                                                    <a:rPr lang="en-IN" sz="1100">
+                                                      <a:effectLst/>
+                                                    </a:rPr>
+                                                  </m:ctrlPr>
+                                                </m:sSupPr>
+                                                <m:e>
+                                                  <m:d>
+                                                    <m:dPr>
+                                                      <m:ctrlPr>
+                                                        <a:rPr lang="en-IN" sz="1100">
+                                                          <a:effectLst/>
+                                                        </a:rPr>
+                                                      </m:ctrlPr>
+                                                    </m:dPr>
+                                                    <m:e>
+                                                      <m:sSup>
+                                                        <m:sSupPr>
+                                                          <m:ctrlPr>
+                                                            <a:rPr lang="en-IN" sz="1100">
+                                                              <a:effectLst/>
+                                                            </a:rPr>
+                                                          </m:ctrlPr>
+                                                        </m:sSupPr>
+                                                        <m:e>
+                                                          <m:r>
+                                                            <a:rPr lang="en-US" sz="1100">
+                                                              <a:effectLst/>
+                                                            </a:rPr>
+                                                            <m:t>𝑓</m:t>
+                                                          </m:r>
+                                                        </m:e>
+                                                        <m:sup>
+                                                          <m:r>
+                                                            <a:rPr lang="en-US" sz="1100">
+                                                              <a:effectLst/>
+                                                            </a:rPr>
+                                                            <m:t>′</m:t>
+                                                          </m:r>
+                                                        </m:sup>
+                                                      </m:sSup>
+                                                      <m:d>
+                                                        <m:dPr>
+                                                          <m:ctrlPr>
+                                                            <a:rPr lang="en-IN" sz="1100">
+                                                              <a:effectLst/>
+                                                            </a:rPr>
+                                                          </m:ctrlPr>
+                                                        </m:dPr>
+                                                        <m:e>
+                                                          <m:r>
+                                                            <a:rPr lang="en-US" sz="1100">
+                                                              <a:effectLst/>
+                                                            </a:rPr>
+                                                            <m:t>𝑥</m:t>
+                                                          </m:r>
+                                                          <m:r>
+                                                            <a:rPr lang="en-US" sz="1100">
+                                                              <a:effectLst/>
+                                                            </a:rPr>
+                                                            <m:t>, </m:t>
+                                                          </m:r>
+                                                          <m:r>
+                                                            <a:rPr lang="en-US" sz="1100">
+                                                              <a:effectLst/>
+                                                            </a:rPr>
+                                                            <m:t>𝑦</m:t>
+                                                          </m:r>
+                                                        </m:e>
+                                                      </m:d>
+                                                    </m:e>
+                                                  </m:d>
+                                                </m:e>
+                                                <m:sup>
+                                                  <m:r>
+                                                    <a:rPr lang="en-US" sz="1100">
+                                                      <a:effectLst/>
+                                                    </a:rPr>
+                                                    <m:t>2</m:t>
+                                                  </m:r>
+                                                </m:sup>
+                                              </m:sSup>
+                                            </m:e>
+                                          </m:nary>
+                                        </m:e>
+                                      </m:nary>
+                                    </m:e>
+                                  </m:rad>
+                                </m:den>
+                              </m:f>
+                            </m:oMath>
+                          </a14:m>
+                          <a:endParaRPr lang="en-IN" sz="1100" dirty="0">
+                            <a:effectLst/>
+                            <a:latin typeface="Times New Roman" panose="02020603050405020304" pitchFamily="18" charset="0"/>
+                            <a:ea typeface="Times New Roman" panose="02020603050405020304" pitchFamily="18" charset="0"/>
+                          </a:endParaRPr>
+                        </a:p>
+                      </a:txBody>
+                      <a:tcPr marL="45869" marR="45869" marT="0" marB="0"/>
+                    </a:tc>
+                    <a:extLst>
+                      <a:ext uri="{0D108BD9-81ED-4DB2-BD59-A6C34878D82A}">
+                        <a16:rowId xmlns:a16="http://schemas.microsoft.com/office/drawing/2014/main" val="1724571552"/>
+                      </a:ext>
+                    </a:extLst>
+                  </a:tr>
+                  <a:tr h="363770">
+                    <a:tc>
+                      <a:txBody>
+                        <a:bodyPr/>
+                        <a:lstStyle/>
+                        <a:p>
+                          <a:pPr algn="ctr">
+                            <a:lnSpc>
+                              <a:spcPct val="150000"/>
+                            </a:lnSpc>
+                            <a:tabLst>
+                              <a:tab pos="1514475" algn="l"/>
+                            </a:tabLst>
+                          </a:pPr>
+                          <a:r>
+                            <a:rPr lang="en-US" sz="1100">
+                              <a:effectLst/>
+                            </a:rPr>
+                            <a:t> </a:t>
+                          </a:r>
+                          <a:endParaRPr lang="en-IN" sz="1100">
+                            <a:effectLst/>
+                            <a:latin typeface="Times New Roman" panose="02020603050405020304" pitchFamily="18" charset="0"/>
+                            <a:ea typeface="Times New Roman" panose="02020603050405020304" pitchFamily="18" charset="0"/>
+                          </a:endParaRPr>
+                        </a:p>
+                      </a:txBody>
+                      <a:tcPr marL="45869" marR="45869" marT="0" marB="0"/>
+                    </a:tc>
+                    <a:tc>
+                      <a:txBody>
+                        <a:bodyPr/>
+                        <a:lstStyle/>
+                        <a:p>
+                          <a:pPr algn="ctr">
+                            <a:lnSpc>
+                              <a:spcPct val="150000"/>
+                            </a:lnSpc>
+                            <a:tabLst>
+                              <a:tab pos="1514475" algn="l"/>
+                            </a:tabLst>
+                          </a:pPr>
+                          <a:r>
+                            <a:rPr lang="en-US" sz="1100">
+                              <a:effectLst/>
+                            </a:rPr>
+                            <a:t>Peak Signal to Noise Ratio [10]</a:t>
+                          </a:r>
+                          <a:endParaRPr lang="en-IN" sz="1100">
+                            <a:effectLst/>
+                            <a:latin typeface="Times New Roman" panose="02020603050405020304" pitchFamily="18" charset="0"/>
+                            <a:ea typeface="Times New Roman" panose="02020603050405020304" pitchFamily="18" charset="0"/>
+                          </a:endParaRPr>
+                        </a:p>
+                      </a:txBody>
+                      <a:tcPr marL="45869" marR="45869" marT="0" marB="0"/>
+                    </a:tc>
+                    <a:tc>
+                      <a:txBody>
+                        <a:bodyPr/>
+                        <a:lstStyle/>
+                        <a:p>
+                          <a:pPr algn="ctr">
+                            <a:lnSpc>
+                              <a:spcPct val="150000"/>
+                            </a:lnSpc>
+                            <a:tabLst>
+                              <a:tab pos="1514475" algn="l"/>
+                            </a:tabLst>
+                          </a:pPr>
+                          <a:r>
+                            <a:rPr lang="en-US" sz="1100" dirty="0">
+                              <a:effectLst/>
+                            </a:rPr>
+                            <a:t>PSNR=20</a:t>
+                          </a:r>
+                          <a14:m>
+                            <m:oMath xmlns:m="http://schemas.openxmlformats.org/officeDocument/2006/math">
+                              <m:r>
+                                <m:rPr>
+                                  <m:sty m:val="p"/>
+                                </m:rPr>
+                                <a:rPr lang="en-US" sz="1100">
+                                  <a:effectLst/>
+                                </a:rPr>
+                                <m:t>log</m:t>
+                              </m:r>
+                              <m:r>
+                                <a:rPr lang="en-US" sz="1100">
+                                  <a:effectLst/>
+                                </a:rPr>
+                                <m:t>⁡(</m:t>
+                              </m:r>
+                              <m:f>
+                                <m:fPr>
+                                  <m:ctrlPr>
+                                    <a:rPr lang="en-IN" sz="1100">
+                                      <a:effectLst/>
+                                    </a:rPr>
+                                  </m:ctrlPr>
+                                </m:fPr>
+                                <m:num>
+                                  <m:sSup>
+                                    <m:sSupPr>
+                                      <m:ctrlPr>
+                                        <a:rPr lang="en-IN" sz="1100">
+                                          <a:effectLst/>
+                                        </a:rPr>
+                                      </m:ctrlPr>
+                                    </m:sSupPr>
+                                    <m:e>
+                                      <m:r>
+                                        <a:rPr lang="en-US" sz="1100">
+                                          <a:effectLst/>
+                                        </a:rPr>
+                                        <m:t>2</m:t>
+                                      </m:r>
+                                    </m:e>
+                                    <m:sup>
+                                      <m:r>
+                                        <a:rPr lang="en-US" sz="1100">
+                                          <a:effectLst/>
+                                        </a:rPr>
+                                        <m:t>𝐵</m:t>
+                                      </m:r>
+                                    </m:sup>
+                                  </m:sSup>
+                                  <m:r>
+                                    <a:rPr lang="en-US" sz="1100">
+                                      <a:effectLst/>
+                                    </a:rPr>
+                                    <m:t>−1</m:t>
+                                  </m:r>
+                                </m:num>
+                                <m:den>
+                                  <m:r>
+                                    <a:rPr lang="en-US" sz="1100">
+                                      <a:effectLst/>
+                                    </a:rPr>
+                                    <m:t>𝑀𝑆𝐸</m:t>
+                                  </m:r>
+                                </m:den>
+                              </m:f>
+                              <m:r>
+                                <a:rPr lang="en-US" sz="1100">
+                                  <a:effectLst/>
+                                </a:rPr>
+                                <m:t>)</m:t>
+                              </m:r>
+                              <m:r>
+                                <a:rPr lang="en-US" sz="1100">
+                                  <a:effectLst/>
+                                </a:rPr>
+                                <m:t>𝑑𝐵</m:t>
+                              </m:r>
+                            </m:oMath>
+                          </a14:m>
+                          <a:endParaRPr lang="en-IN" sz="1100" dirty="0">
+                            <a:effectLst/>
+                            <a:latin typeface="Times New Roman" panose="02020603050405020304" pitchFamily="18" charset="0"/>
+                            <a:ea typeface="Times New Roman" panose="02020603050405020304" pitchFamily="18" charset="0"/>
+                          </a:endParaRPr>
+                        </a:p>
+                      </a:txBody>
+                      <a:tcPr marL="45869" marR="45869" marT="0" marB="0"/>
+                    </a:tc>
+                    <a:extLst>
+                      <a:ext uri="{0D108BD9-81ED-4DB2-BD59-A6C34878D82A}">
+                        <a16:rowId xmlns:a16="http://schemas.microsoft.com/office/drawing/2014/main" val="513506604"/>
+                      </a:ext>
+                    </a:extLst>
+                  </a:tr>
+                  <a:tr h="676216">
+                    <a:tc>
+                      <a:txBody>
+                        <a:bodyPr/>
+                        <a:lstStyle/>
+                        <a:p>
+                          <a:pPr algn="ctr">
+                            <a:lnSpc>
+                              <a:spcPct val="150000"/>
+                            </a:lnSpc>
+                            <a:tabLst>
+                              <a:tab pos="1514475" algn="l"/>
+                            </a:tabLst>
+                          </a:pPr>
+                          <a:r>
+                            <a:rPr lang="en-US" sz="1100">
+                              <a:effectLst/>
+                            </a:rPr>
+                            <a:t>7.</a:t>
+                          </a:r>
+                          <a:endParaRPr lang="en-IN" sz="1100">
+                            <a:effectLst/>
+                            <a:latin typeface="Times New Roman" panose="02020603050405020304" pitchFamily="18" charset="0"/>
+                            <a:ea typeface="Times New Roman" panose="02020603050405020304" pitchFamily="18" charset="0"/>
+                          </a:endParaRPr>
+                        </a:p>
+                      </a:txBody>
+                      <a:tcPr marL="45869" marR="45869" marT="0" marB="0"/>
+                    </a:tc>
+                    <a:tc>
+                      <a:txBody>
+                        <a:bodyPr/>
+                        <a:lstStyle/>
+                        <a:p>
+                          <a:pPr algn="ctr">
+                            <a:lnSpc>
+                              <a:spcPct val="150000"/>
+                            </a:lnSpc>
+                            <a:tabLst>
+                              <a:tab pos="1514475" algn="l"/>
+                            </a:tabLst>
+                          </a:pPr>
+                          <a:r>
+                            <a:rPr lang="en-US" sz="1100">
+                              <a:effectLst/>
+                            </a:rPr>
+                            <a:t>Percent rate of distortion [10]</a:t>
+                          </a:r>
+                          <a:endParaRPr lang="en-IN" sz="1100">
+                            <a:effectLst/>
+                            <a:latin typeface="Times New Roman" panose="02020603050405020304" pitchFamily="18" charset="0"/>
+                            <a:ea typeface="Times New Roman" panose="02020603050405020304" pitchFamily="18" charset="0"/>
+                          </a:endParaRPr>
+                        </a:p>
+                      </a:txBody>
+                      <a:tcPr marL="45869" marR="45869" marT="0" marB="0"/>
+                    </a:tc>
+                    <a:tc>
+                      <a:txBody>
+                        <a:bodyPr/>
+                        <a:lstStyle/>
+                        <a:p>
+                          <a:pPr algn="ctr">
+                            <a:lnSpc>
+                              <a:spcPct val="150000"/>
+                            </a:lnSpc>
+                            <a:tabLst>
+                              <a:tab pos="1514475" algn="l"/>
+                            </a:tabLst>
+                          </a:pPr>
+                          <a:r>
+                            <a:rPr lang="en-US" sz="1100" dirty="0">
+                              <a:effectLst/>
+                            </a:rPr>
+                            <a:t>PRD = </a:t>
+                          </a:r>
+                          <a14:m>
+                            <m:oMath xmlns:m="http://schemas.openxmlformats.org/officeDocument/2006/math">
+                              <m:rad>
+                                <m:radPr>
+                                  <m:degHide m:val="on"/>
+                                  <m:ctrlPr>
+                                    <a:rPr lang="en-IN" sz="1100">
+                                      <a:effectLst/>
+                                    </a:rPr>
+                                  </m:ctrlPr>
+                                </m:radPr>
+                                <m:deg/>
+                                <m:e>
+                                  <m:f>
+                                    <m:fPr>
+                                      <m:ctrlPr>
+                                        <a:rPr lang="en-IN" sz="1100">
+                                          <a:effectLst/>
+                                        </a:rPr>
+                                      </m:ctrlPr>
+                                    </m:fPr>
+                                    <m:num>
+                                      <m:nary>
+                                        <m:naryPr>
+                                          <m:chr m:val="∑"/>
+                                          <m:limLoc m:val="undOvr"/>
+                                          <m:ctrlPr>
+                                            <a:rPr lang="en-IN" sz="1100">
+                                              <a:effectLst/>
+                                            </a:rPr>
+                                          </m:ctrlPr>
+                                        </m:naryPr>
+                                        <m:sub>
+                                          <m:r>
+                                            <a:rPr lang="en-US" sz="1100">
+                                              <a:effectLst/>
+                                            </a:rPr>
+                                            <m:t>𝑥</m:t>
+                                          </m:r>
+                                          <m:r>
+                                            <a:rPr lang="en-US" sz="1100">
+                                              <a:effectLst/>
+                                            </a:rPr>
+                                            <m:t>=1</m:t>
+                                          </m:r>
+                                        </m:sub>
+                                        <m:sup>
+                                          <m:r>
+                                            <a:rPr lang="en-US" sz="1100">
+                                              <a:effectLst/>
+                                            </a:rPr>
+                                            <m:t>𝑀</m:t>
+                                          </m:r>
+                                        </m:sup>
+                                        <m:e>
+                                          <m:nary>
+                                            <m:naryPr>
+                                              <m:chr m:val="∑"/>
+                                              <m:limLoc m:val="undOvr"/>
+                                              <m:ctrlPr>
+                                                <a:rPr lang="en-IN" sz="1100">
+                                                  <a:effectLst/>
+                                                </a:rPr>
+                                              </m:ctrlPr>
+                                            </m:naryPr>
+                                            <m:sub>
+                                              <m:r>
+                                                <a:rPr lang="en-US" sz="1100">
+                                                  <a:effectLst/>
+                                                </a:rPr>
+                                                <m:t>𝑦</m:t>
+                                              </m:r>
+                                              <m:r>
+                                                <a:rPr lang="en-US" sz="1100">
+                                                  <a:effectLst/>
+                                                </a:rPr>
+                                                <m:t>=1</m:t>
+                                              </m:r>
+                                            </m:sub>
+                                            <m:sup>
+                                              <m:r>
+                                                <a:rPr lang="en-US" sz="1100">
+                                                  <a:effectLst/>
+                                                </a:rPr>
+                                                <m:t>𝑁</m:t>
+                                              </m:r>
+                                            </m:sup>
+                                            <m:e>
+                                              <m:sSup>
+                                                <m:sSupPr>
+                                                  <m:ctrlPr>
+                                                    <a:rPr lang="en-IN" sz="1100">
+                                                      <a:effectLst/>
+                                                    </a:rPr>
+                                                  </m:ctrlPr>
+                                                </m:sSupPr>
+                                                <m:e>
+                                                  <m:r>
+                                                    <a:rPr lang="en-US" sz="1100">
+                                                      <a:effectLst/>
+                                                    </a:rPr>
+                                                    <m:t>[</m:t>
+                                                  </m:r>
+                                                  <m:r>
+                                                    <a:rPr lang="en-US" sz="1100">
+                                                      <a:effectLst/>
+                                                    </a:rPr>
+                                                    <m:t>𝑓</m:t>
+                                                  </m:r>
+                                                  <m:d>
+                                                    <m:dPr>
+                                                      <m:ctrlPr>
+                                                        <a:rPr lang="en-IN" sz="1100">
+                                                          <a:effectLst/>
+                                                        </a:rPr>
+                                                      </m:ctrlPr>
+                                                    </m:dPr>
+                                                    <m:e>
+                                                      <m:r>
+                                                        <a:rPr lang="en-US" sz="1100">
+                                                          <a:effectLst/>
+                                                        </a:rPr>
+                                                        <m:t>𝑥</m:t>
+                                                      </m:r>
+                                                      <m:r>
+                                                        <a:rPr lang="en-US" sz="1100">
+                                                          <a:effectLst/>
+                                                        </a:rPr>
+                                                        <m:t>, </m:t>
+                                                      </m:r>
+                                                      <m:r>
+                                                        <a:rPr lang="en-US" sz="1100">
+                                                          <a:effectLst/>
+                                                        </a:rPr>
+                                                        <m:t>𝑦</m:t>
+                                                      </m:r>
+                                                    </m:e>
+                                                  </m:d>
+                                                  <m:r>
+                                                    <a:rPr lang="en-US" sz="1100">
+                                                      <a:effectLst/>
+                                                    </a:rPr>
+                                                    <m:t>−</m:t>
+                                                  </m:r>
+                                                  <m:sSup>
+                                                    <m:sSupPr>
+                                                      <m:ctrlPr>
+                                                        <a:rPr lang="en-IN" sz="1100">
+                                                          <a:effectLst/>
+                                                        </a:rPr>
+                                                      </m:ctrlPr>
+                                                    </m:sSupPr>
+                                                    <m:e>
+                                                      <m:r>
+                                                        <a:rPr lang="en-US" sz="1100">
+                                                          <a:effectLst/>
+                                                        </a:rPr>
+                                                        <m:t>𝑓</m:t>
+                                                      </m:r>
+                                                    </m:e>
+                                                    <m:sup>
+                                                      <m:r>
+                                                        <a:rPr lang="en-US" sz="1100">
+                                                          <a:effectLst/>
+                                                        </a:rPr>
+                                                        <m:t>′</m:t>
+                                                      </m:r>
+                                                    </m:sup>
+                                                  </m:sSup>
+                                                  <m:r>
+                                                    <a:rPr lang="en-US" sz="1100">
+                                                      <a:effectLst/>
+                                                    </a:rPr>
+                                                    <m:t>(</m:t>
+                                                  </m:r>
+                                                  <m:r>
+                                                    <a:rPr lang="en-US" sz="1100">
+                                                      <a:effectLst/>
+                                                    </a:rPr>
+                                                    <m:t>𝑥</m:t>
+                                                  </m:r>
+                                                  <m:r>
+                                                    <a:rPr lang="en-US" sz="1100">
+                                                      <a:effectLst/>
+                                                    </a:rPr>
+                                                    <m:t>, </m:t>
+                                                  </m:r>
+                                                  <m:r>
+                                                    <a:rPr lang="en-US" sz="1100">
+                                                      <a:effectLst/>
+                                                    </a:rPr>
+                                                    <m:t>𝑦</m:t>
+                                                  </m:r>
+                                                  <m:r>
+                                                    <a:rPr lang="en-US" sz="1100">
+                                                      <a:effectLst/>
+                                                    </a:rPr>
+                                                    <m:t>)]</m:t>
+                                                  </m:r>
+                                                </m:e>
+                                                <m:sup>
+                                                  <m:r>
+                                                    <a:rPr lang="en-US" sz="1100">
+                                                      <a:effectLst/>
+                                                    </a:rPr>
+                                                    <m:t>2</m:t>
+                                                  </m:r>
+                                                </m:sup>
+                                              </m:sSup>
+                                            </m:e>
+                                          </m:nary>
+                                        </m:e>
+                                      </m:nary>
+                                    </m:num>
+                                    <m:den>
+                                      <m:nary>
+                                        <m:naryPr>
+                                          <m:chr m:val="∑"/>
+                                          <m:limLoc m:val="undOvr"/>
+                                          <m:ctrlPr>
+                                            <a:rPr lang="en-IN" sz="1100">
+                                              <a:effectLst/>
+                                            </a:rPr>
+                                          </m:ctrlPr>
+                                        </m:naryPr>
+                                        <m:sub>
+                                          <m:r>
+                                            <a:rPr lang="en-US" sz="1100">
+                                              <a:effectLst/>
+                                            </a:rPr>
+                                            <m:t>𝑥</m:t>
+                                          </m:r>
+                                          <m:r>
+                                            <a:rPr lang="en-US" sz="1100">
+                                              <a:effectLst/>
+                                            </a:rPr>
+                                            <m:t>=1</m:t>
+                                          </m:r>
+                                        </m:sub>
+                                        <m:sup>
+                                          <m:r>
+                                            <a:rPr lang="en-US" sz="1100">
+                                              <a:effectLst/>
+                                            </a:rPr>
+                                            <m:t>𝑀</m:t>
+                                          </m:r>
+                                        </m:sup>
+                                        <m:e>
+                                          <m:nary>
+                                            <m:naryPr>
+                                              <m:chr m:val="∑"/>
+                                              <m:limLoc m:val="undOvr"/>
+                                              <m:ctrlPr>
+                                                <a:rPr lang="en-IN" sz="1100">
+                                                  <a:effectLst/>
+                                                </a:rPr>
+                                              </m:ctrlPr>
+                                            </m:naryPr>
+                                            <m:sub>
+                                              <m:r>
+                                                <a:rPr lang="en-US" sz="1100">
+                                                  <a:effectLst/>
+                                                </a:rPr>
+                                                <m:t>𝑦</m:t>
+                                              </m:r>
+                                              <m:r>
+                                                <a:rPr lang="en-US" sz="1100">
+                                                  <a:effectLst/>
+                                                </a:rPr>
+                                                <m:t>=1</m:t>
+                                              </m:r>
+                                            </m:sub>
+                                            <m:sup>
+                                              <m:r>
+                                                <a:rPr lang="en-US" sz="1100">
+                                                  <a:effectLst/>
+                                                </a:rPr>
+                                                <m:t>𝑁</m:t>
+                                              </m:r>
+                                            </m:sup>
+                                            <m:e>
+                                              <m:sSup>
+                                                <m:sSupPr>
+                                                  <m:ctrlPr>
+                                                    <a:rPr lang="en-IN" sz="1100">
+                                                      <a:effectLst/>
+                                                    </a:rPr>
+                                                  </m:ctrlPr>
+                                                </m:sSupPr>
+                                                <m:e>
+                                                  <m:r>
+                                                    <a:rPr lang="en-US" sz="1100">
+                                                      <a:effectLst/>
+                                                    </a:rPr>
+                                                    <m:t>[</m:t>
+                                                  </m:r>
+                                                  <m:r>
+                                                    <a:rPr lang="en-US" sz="1100">
+                                                      <a:effectLst/>
+                                                    </a:rPr>
+                                                    <m:t>𝑓</m:t>
+                                                  </m:r>
+                                                  <m:d>
+                                                    <m:dPr>
+                                                      <m:ctrlPr>
+                                                        <a:rPr lang="en-IN" sz="1100">
+                                                          <a:effectLst/>
+                                                        </a:rPr>
+                                                      </m:ctrlPr>
+                                                    </m:dPr>
+                                                    <m:e>
+                                                      <m:r>
+                                                        <a:rPr lang="en-US" sz="1100">
+                                                          <a:effectLst/>
+                                                        </a:rPr>
+                                                        <m:t>𝑥</m:t>
+                                                      </m:r>
+                                                      <m:r>
+                                                        <a:rPr lang="en-US" sz="1100">
+                                                          <a:effectLst/>
+                                                        </a:rPr>
+                                                        <m:t>,</m:t>
+                                                      </m:r>
+                                                      <m:r>
+                                                        <a:rPr lang="en-US" sz="1100">
+                                                          <a:effectLst/>
+                                                        </a:rPr>
+                                                        <m:t>𝑦</m:t>
+                                                      </m:r>
+                                                    </m:e>
+                                                  </m:d>
+                                                  <m:r>
+                                                    <a:rPr lang="en-US" sz="1100">
+                                                      <a:effectLst/>
+                                                    </a:rPr>
+                                                    <m:t>]</m:t>
+                                                  </m:r>
+                                                </m:e>
+                                                <m:sup>
+                                                  <m:r>
+                                                    <a:rPr lang="en-US" sz="1100">
+                                                      <a:effectLst/>
+                                                    </a:rPr>
+                                                    <m:t>2</m:t>
+                                                  </m:r>
+                                                </m:sup>
+                                              </m:sSup>
+                                            </m:e>
+                                          </m:nary>
+                                        </m:e>
+                                      </m:nary>
+                                    </m:den>
+                                  </m:f>
+                                </m:e>
+                              </m:rad>
+                              <m:r>
+                                <a:rPr lang="en-US" sz="1100">
+                                  <a:effectLst/>
+                                </a:rPr>
+                                <m:t> ×100</m:t>
+                              </m:r>
+                            </m:oMath>
+                          </a14:m>
+                          <a:endParaRPr lang="en-IN" sz="1100" dirty="0">
+                            <a:effectLst/>
+                            <a:latin typeface="Times New Roman" panose="02020603050405020304" pitchFamily="18" charset="0"/>
+                            <a:ea typeface="Times New Roman" panose="02020603050405020304" pitchFamily="18" charset="0"/>
+                          </a:endParaRPr>
+                        </a:p>
+                      </a:txBody>
+                      <a:tcPr marL="45869" marR="45869" marT="0" marB="0"/>
+                    </a:tc>
+                    <a:extLst>
+                      <a:ext uri="{0D108BD9-81ED-4DB2-BD59-A6C34878D82A}">
+                        <a16:rowId xmlns:a16="http://schemas.microsoft.com/office/drawing/2014/main" val="3282826006"/>
+                      </a:ext>
+                    </a:extLst>
+                  </a:tr>
+                  <a:tr h="480287">
+                    <a:tc>
+                      <a:txBody>
+                        <a:bodyPr/>
+                        <a:lstStyle/>
+                        <a:p>
+                          <a:pPr algn="ctr">
+                            <a:lnSpc>
+                              <a:spcPct val="150000"/>
+                            </a:lnSpc>
+                            <a:tabLst>
+                              <a:tab pos="1514475" algn="l"/>
+                            </a:tabLst>
+                          </a:pPr>
+                          <a:r>
+                            <a:rPr lang="en-US" sz="1100" dirty="0">
+                              <a:effectLst/>
+                            </a:rPr>
+                            <a:t>8.</a:t>
+                          </a:r>
+                          <a:endParaRPr lang="en-IN" sz="1100" dirty="0">
+                            <a:effectLst/>
+                            <a:latin typeface="Times New Roman" panose="02020603050405020304" pitchFamily="18" charset="0"/>
+                            <a:ea typeface="Times New Roman" panose="02020603050405020304" pitchFamily="18" charset="0"/>
+                          </a:endParaRPr>
+                        </a:p>
+                      </a:txBody>
+                      <a:tcPr marL="45869" marR="45869" marT="0" marB="0">
+                        <a:lnB w="12700" cap="flat" cmpd="sng" algn="ctr">
+                          <a:solidFill>
+                            <a:schemeClr val="tx1"/>
+                          </a:solidFill>
+                          <a:prstDash val="solid"/>
+                          <a:round/>
+                          <a:headEnd type="none" w="med" len="med"/>
+                          <a:tailEnd type="none" w="med" len="med"/>
+                        </a:lnB>
+                      </a:tcPr>
+                    </a:tc>
+                    <a:tc>
+                      <a:txBody>
+                        <a:bodyPr/>
+                        <a:lstStyle/>
+                        <a:p>
+                          <a:pPr algn="ctr">
+                            <a:lnSpc>
+                              <a:spcPct val="150000"/>
+                            </a:lnSpc>
+                            <a:tabLst>
+                              <a:tab pos="1514475" algn="l"/>
+                            </a:tabLst>
+                          </a:pPr>
+                          <a:r>
+                            <a:rPr lang="en-US" sz="1100" dirty="0">
+                              <a:effectLst/>
+                            </a:rPr>
+                            <a:t>Structural Content [10]</a:t>
+                          </a:r>
+                          <a:endParaRPr lang="en-IN" sz="1100" dirty="0">
+                            <a:effectLst/>
+                            <a:latin typeface="Times New Roman" panose="02020603050405020304" pitchFamily="18" charset="0"/>
+                            <a:ea typeface="Times New Roman" panose="02020603050405020304" pitchFamily="18" charset="0"/>
+                          </a:endParaRPr>
+                        </a:p>
+                      </a:txBody>
+                      <a:tcPr marL="45869" marR="45869" marT="0" marB="0">
+                        <a:lnB w="12700" cap="flat" cmpd="sng" algn="ctr">
+                          <a:solidFill>
+                            <a:schemeClr val="tx1"/>
+                          </a:solidFill>
+                          <a:prstDash val="solid"/>
+                          <a:round/>
+                          <a:headEnd type="none" w="med" len="med"/>
+                          <a:tailEnd type="none" w="med" len="med"/>
+                        </a:lnB>
+                      </a:tcPr>
+                    </a:tc>
+                    <a:tc>
+                      <a:txBody>
+                        <a:bodyPr/>
+                        <a:lstStyle/>
+                        <a:p>
+                          <a:pPr algn="ctr">
+                            <a:lnSpc>
+                              <a:spcPct val="150000"/>
+                            </a:lnSpc>
+                            <a:tabLst>
+                              <a:tab pos="1514475" algn="l"/>
+                            </a:tabLst>
+                          </a:pPr>
+                          <a:r>
+                            <a:rPr lang="en-US" sz="1100" dirty="0">
+                              <a:effectLst/>
+                            </a:rPr>
+                            <a:t>SC = </a:t>
+                          </a:r>
+                          <a14:m>
+                            <m:oMath xmlns:m="http://schemas.openxmlformats.org/officeDocument/2006/math">
+                              <m:f>
+                                <m:fPr>
+                                  <m:ctrlPr>
+                                    <a:rPr lang="en-IN" sz="1100">
+                                      <a:effectLst/>
+                                    </a:rPr>
+                                  </m:ctrlPr>
+                                </m:fPr>
+                                <m:num>
+                                  <m:nary>
+                                    <m:naryPr>
+                                      <m:chr m:val="∑"/>
+                                      <m:limLoc m:val="undOvr"/>
+                                      <m:ctrlPr>
+                                        <a:rPr lang="en-IN" sz="1100">
+                                          <a:effectLst/>
+                                        </a:rPr>
+                                      </m:ctrlPr>
+                                    </m:naryPr>
+                                    <m:sub>
+                                      <m:r>
+                                        <a:rPr lang="en-US" sz="1100">
+                                          <a:effectLst/>
+                                        </a:rPr>
+                                        <m:t>𝑗</m:t>
+                                      </m:r>
+                                      <m:r>
+                                        <a:rPr lang="en-US" sz="1100">
+                                          <a:effectLst/>
+                                        </a:rPr>
+                                        <m:t>=1</m:t>
+                                      </m:r>
+                                    </m:sub>
+                                    <m:sup>
+                                      <m:r>
+                                        <a:rPr lang="en-US" sz="1100">
+                                          <a:effectLst/>
+                                        </a:rPr>
+                                        <m:t>𝑀</m:t>
+                                      </m:r>
+                                    </m:sup>
+                                    <m:e>
+                                      <m:nary>
+                                        <m:naryPr>
+                                          <m:chr m:val="∑"/>
+                                          <m:limLoc m:val="undOvr"/>
+                                          <m:ctrlPr>
+                                            <a:rPr lang="en-IN" sz="1100">
+                                              <a:effectLst/>
+                                            </a:rPr>
+                                          </m:ctrlPr>
+                                        </m:naryPr>
+                                        <m:sub>
+                                          <m:r>
+                                            <a:rPr lang="en-US" sz="1100">
+                                              <a:effectLst/>
+                                            </a:rPr>
+                                            <m:t>𝑘</m:t>
+                                          </m:r>
+                                          <m:r>
+                                            <a:rPr lang="en-US" sz="1100">
+                                              <a:effectLst/>
+                                            </a:rPr>
+                                            <m:t>=1</m:t>
+                                          </m:r>
+                                        </m:sub>
+                                        <m:sup>
+                                          <m:r>
+                                            <a:rPr lang="en-US" sz="1100">
+                                              <a:effectLst/>
+                                            </a:rPr>
+                                            <m:t>𝑁</m:t>
+                                          </m:r>
+                                        </m:sup>
+                                        <m:e>
+                                          <m:sSubSup>
+                                            <m:sSubSupPr>
+                                              <m:ctrlPr>
+                                                <a:rPr lang="en-IN" sz="1100">
+                                                  <a:effectLst/>
+                                                </a:rPr>
+                                              </m:ctrlPr>
+                                            </m:sSubSupPr>
+                                            <m:e>
+                                              <m:r>
+                                                <a:rPr lang="en-US" sz="1100">
+                                                  <a:effectLst/>
+                                                </a:rPr>
+                                                <m:t>𝑋</m:t>
+                                              </m:r>
+                                            </m:e>
+                                            <m:sub>
+                                              <m:r>
+                                                <a:rPr lang="en-US" sz="1100">
+                                                  <a:effectLst/>
+                                                </a:rPr>
+                                                <m:t>𝑗</m:t>
+                                              </m:r>
+                                              <m:r>
+                                                <a:rPr lang="en-US" sz="1100">
+                                                  <a:effectLst/>
+                                                </a:rPr>
+                                                <m:t>, </m:t>
+                                              </m:r>
+                                              <m:r>
+                                                <a:rPr lang="en-US" sz="1100">
+                                                  <a:effectLst/>
+                                                </a:rPr>
+                                                <m:t>𝑘</m:t>
+                                              </m:r>
+                                            </m:sub>
+                                            <m:sup>
+                                              <m:r>
+                                                <a:rPr lang="en-US" sz="1100">
+                                                  <a:effectLst/>
+                                                </a:rPr>
+                                                <m:t>2</m:t>
+                                              </m:r>
+                                            </m:sup>
+                                          </m:sSubSup>
+                                        </m:e>
+                                      </m:nary>
+                                    </m:e>
+                                  </m:nary>
+                                </m:num>
+                                <m:den>
+                                  <m:nary>
+                                    <m:naryPr>
+                                      <m:chr m:val="∑"/>
+                                      <m:limLoc m:val="undOvr"/>
+                                      <m:ctrlPr>
+                                        <a:rPr lang="en-IN" sz="1100">
+                                          <a:effectLst/>
+                                        </a:rPr>
+                                      </m:ctrlPr>
+                                    </m:naryPr>
+                                    <m:sub>
+                                      <m:r>
+                                        <a:rPr lang="en-US" sz="1100">
+                                          <a:effectLst/>
+                                        </a:rPr>
+                                        <m:t>𝑗</m:t>
+                                      </m:r>
+                                      <m:r>
+                                        <a:rPr lang="en-US" sz="1100">
+                                          <a:effectLst/>
+                                        </a:rPr>
+                                        <m:t>=1</m:t>
+                                      </m:r>
+                                    </m:sub>
+                                    <m:sup>
+                                      <m:r>
+                                        <a:rPr lang="en-US" sz="1100">
+                                          <a:effectLst/>
+                                        </a:rPr>
+                                        <m:t>𝑀</m:t>
+                                      </m:r>
+                                    </m:sup>
+                                    <m:e>
+                                      <m:nary>
+                                        <m:naryPr>
+                                          <m:chr m:val="∑"/>
+                                          <m:limLoc m:val="undOvr"/>
+                                          <m:ctrlPr>
+                                            <a:rPr lang="en-IN" sz="1100">
+                                              <a:effectLst/>
+                                            </a:rPr>
+                                          </m:ctrlPr>
+                                        </m:naryPr>
+                                        <m:sub>
+                                          <m:r>
+                                            <a:rPr lang="en-US" sz="1100">
+                                              <a:effectLst/>
+                                            </a:rPr>
+                                            <m:t>𝑘</m:t>
+                                          </m:r>
+                                          <m:r>
+                                            <a:rPr lang="en-US" sz="1100">
+                                              <a:effectLst/>
+                                            </a:rPr>
+                                            <m:t>=1</m:t>
+                                          </m:r>
+                                        </m:sub>
+                                        <m:sup>
+                                          <m:r>
+                                            <a:rPr lang="en-US" sz="1100">
+                                              <a:effectLst/>
+                                            </a:rPr>
+                                            <m:t>𝑁</m:t>
+                                          </m:r>
+                                        </m:sup>
+                                        <m:e>
+                                          <m:sSubSup>
+                                            <m:sSubSupPr>
+                                              <m:ctrlPr>
+                                                <a:rPr lang="en-IN" sz="1100">
+                                                  <a:effectLst/>
+                                                </a:rPr>
+                                              </m:ctrlPr>
+                                            </m:sSubSupPr>
+                                            <m:e>
+                                              <m:r>
+                                                <a:rPr lang="en-US" sz="1100">
+                                                  <a:effectLst/>
+                                                </a:rPr>
+                                                <m:t>𝑋</m:t>
+                                              </m:r>
+                                            </m:e>
+                                            <m:sub>
+                                              <m:r>
+                                                <a:rPr lang="en-US" sz="1100">
+                                                  <a:effectLst/>
+                                                </a:rPr>
+                                                <m:t>𝑗</m:t>
+                                              </m:r>
+                                              <m:r>
+                                                <a:rPr lang="en-US" sz="1100">
+                                                  <a:effectLst/>
+                                                </a:rPr>
+                                                <m:t>, </m:t>
+                                              </m:r>
+                                              <m:r>
+                                                <a:rPr lang="en-US" sz="1100">
+                                                  <a:effectLst/>
+                                                </a:rPr>
+                                                <m:t>𝑘</m:t>
+                                              </m:r>
+                                            </m:sub>
+                                            <m:sup>
+                                              <m:r>
+                                                <a:rPr lang="en-US" sz="1100">
+                                                  <a:effectLst/>
+                                                </a:rPr>
+                                                <m:t>′2</m:t>
+                                              </m:r>
+                                            </m:sup>
+                                          </m:sSubSup>
+                                        </m:e>
+                                      </m:nary>
+                                    </m:e>
+                                  </m:nary>
+                                </m:den>
+                              </m:f>
+                            </m:oMath>
+                          </a14:m>
+                          <a:endParaRPr lang="en-IN" sz="1100" dirty="0">
+                            <a:effectLst/>
+                            <a:latin typeface="Times New Roman" panose="02020603050405020304" pitchFamily="18" charset="0"/>
+                            <a:ea typeface="Times New Roman" panose="02020603050405020304" pitchFamily="18" charset="0"/>
+                          </a:endParaRPr>
+                        </a:p>
+                      </a:txBody>
+                      <a:tcPr marL="45869" marR="45869" marT="0" marB="0">
+                        <a:lnB w="12700" cap="flat" cmpd="sng" algn="ctr">
+                          <a:solidFill>
+                            <a:schemeClr val="tx1"/>
+                          </a:solidFill>
+                          <a:prstDash val="solid"/>
+                          <a:round/>
+                          <a:headEnd type="none" w="med" len="med"/>
+                          <a:tailEnd type="none" w="med" len="med"/>
+                        </a:lnB>
+                      </a:tcPr>
+                    </a:tc>
+                    <a:extLst>
+                      <a:ext uri="{0D108BD9-81ED-4DB2-BD59-A6C34878D82A}">
+                        <a16:rowId xmlns:a16="http://schemas.microsoft.com/office/drawing/2014/main" val="3142421845"/>
+                      </a:ext>
+                    </a:extLst>
+                  </a:tr>
+                </a:tbl>
+              </a:graphicData>
+            </a:graphic>
+          </p:graphicFrame>
+        </mc:Choice>
+        <mc:Fallback>
+          <p:graphicFrame>
+            <p:nvGraphicFramePr>
+              <p:cNvPr id="5" name="Table 4">
+                <a:extLst>
+                  <a:ext uri="{FF2B5EF4-FFF2-40B4-BE49-F238E27FC236}">
+                    <a16:creationId xmlns:a16="http://schemas.microsoft.com/office/drawing/2014/main" id="{1CC91546-5DB1-FA46-9C25-5DC77F42BDAF}"/>
+                  </a:ext>
+                </a:extLst>
+              </p:cNvPr>
+              <p:cNvGraphicFramePr>
+                <a:graphicFrameLocks noGrp="1"/>
+              </p:cNvGraphicFramePr>
+              <p:nvPr>
+                <p:extLst>
+                  <p:ext uri="{D42A27DB-BD31-4B8C-83A1-F6EECF244321}">
+                    <p14:modId xmlns:p14="http://schemas.microsoft.com/office/powerpoint/2010/main" val="228585820"/>
+                  </p:ext>
+                </p:extLst>
+              </p:nvPr>
+            </p:nvGraphicFramePr>
+            <p:xfrm>
+              <a:off x="1207783" y="1142798"/>
+              <a:ext cx="7665058" cy="4013960"/>
+            </p:xfrm>
+            <a:graphic>
+              <a:graphicData uri="http://schemas.openxmlformats.org/drawingml/2006/table">
+                <a:tbl>
+                  <a:tblPr firstRow="1" firstCol="1" bandRow="1">
+                    <a:tableStyleId>{2D5ABB26-0587-4C30-8999-92F81FD0307C}</a:tableStyleId>
+                  </a:tblPr>
+                  <a:tblGrid>
+                    <a:gridCol w="814311">
+                      <a:extLst>
+                        <a:ext uri="{9D8B030D-6E8A-4147-A177-3AD203B41FA5}">
+                          <a16:colId xmlns:a16="http://schemas.microsoft.com/office/drawing/2014/main" val="361825095"/>
+                        </a:ext>
+                      </a:extLst>
+                    </a:gridCol>
+                    <a:gridCol w="2641240">
+                      <a:extLst>
+                        <a:ext uri="{9D8B030D-6E8A-4147-A177-3AD203B41FA5}">
+                          <a16:colId xmlns:a16="http://schemas.microsoft.com/office/drawing/2014/main" val="2213031032"/>
+                        </a:ext>
+                      </a:extLst>
+                    </a:gridCol>
+                    <a:gridCol w="4209507">
+                      <a:extLst>
+                        <a:ext uri="{9D8B030D-6E8A-4147-A177-3AD203B41FA5}">
+                          <a16:colId xmlns:a16="http://schemas.microsoft.com/office/drawing/2014/main" val="864001286"/>
+                        </a:ext>
+                      </a:extLst>
+                    </a:gridCol>
+                  </a:tblGrid>
+                  <a:tr h="302446">
+                    <a:tc>
+                      <a:txBody>
+                        <a:bodyPr/>
+                        <a:lstStyle/>
+                        <a:p>
+                          <a:pPr algn="ctr">
+                            <a:lnSpc>
+                              <a:spcPct val="150000"/>
+                            </a:lnSpc>
+                            <a:tabLst>
+                              <a:tab pos="1514475" algn="l"/>
+                            </a:tabLst>
+                          </a:pPr>
+                          <a:r>
+                            <a:rPr lang="en-US" sz="1100">
+                              <a:effectLst/>
+                            </a:rPr>
+                            <a:t>Serial No.</a:t>
+                          </a:r>
+                          <a:endParaRPr lang="en-IN" sz="1100">
+                            <a:effectLst/>
+                            <a:latin typeface="Times New Roman" panose="02020603050405020304" pitchFamily="18" charset="0"/>
+                            <a:ea typeface="Times New Roman" panose="02020603050405020304" pitchFamily="18" charset="0"/>
+                          </a:endParaRPr>
+                        </a:p>
+                      </a:txBody>
+                      <a:tcPr marL="45869" marR="45869" marT="0" marB="0">
+                        <a:lnT w="12700" cap="flat" cmpd="sng" algn="ctr">
+                          <a:solidFill>
+                            <a:schemeClr val="tx1"/>
+                          </a:solidFill>
+                          <a:prstDash val="solid"/>
+                          <a:round/>
+                          <a:headEnd type="none" w="med" len="med"/>
+                          <a:tailEnd type="none" w="med" len="med"/>
+                        </a:lnT>
+                        <a:lnB w="12700" cap="flat" cmpd="sng" algn="ctr">
+                          <a:solidFill>
+                            <a:schemeClr val="tx1"/>
+                          </a:solidFill>
+                          <a:prstDash val="solid"/>
+                          <a:round/>
+                          <a:headEnd type="none" w="med" len="med"/>
+                          <a:tailEnd type="none" w="med" len="med"/>
+                        </a:lnB>
+                      </a:tcPr>
+                    </a:tc>
+                    <a:tc>
+                      <a:txBody>
+                        <a:bodyPr/>
+                        <a:lstStyle/>
+                        <a:p>
+                          <a:pPr algn="ctr">
+                            <a:lnSpc>
+                              <a:spcPct val="150000"/>
+                            </a:lnSpc>
+                            <a:tabLst>
+                              <a:tab pos="1514475" algn="l"/>
+                            </a:tabLst>
+                          </a:pPr>
+                          <a:r>
+                            <a:rPr lang="en-US" sz="1100" dirty="0">
+                              <a:effectLst/>
+                            </a:rPr>
+                            <a:t>Name of the performance parameter </a:t>
+                          </a:r>
+                          <a:endParaRPr lang="en-IN" sz="1100" dirty="0">
+                            <a:effectLst/>
+                            <a:latin typeface="Times New Roman" panose="02020603050405020304" pitchFamily="18" charset="0"/>
+                            <a:ea typeface="Times New Roman" panose="02020603050405020304" pitchFamily="18" charset="0"/>
+                          </a:endParaRPr>
+                        </a:p>
+                      </a:txBody>
+                      <a:tcPr marL="45869" marR="45869" marT="0" marB="0">
+                        <a:lnT w="12700" cap="flat" cmpd="sng" algn="ctr">
+                          <a:solidFill>
+                            <a:schemeClr val="tx1"/>
+                          </a:solidFill>
+                          <a:prstDash val="solid"/>
+                          <a:round/>
+                          <a:headEnd type="none" w="med" len="med"/>
+                          <a:tailEnd type="none" w="med" len="med"/>
+                        </a:lnT>
+                        <a:lnB w="12700" cap="flat" cmpd="sng" algn="ctr">
+                          <a:solidFill>
+                            <a:schemeClr val="tx1"/>
+                          </a:solidFill>
+                          <a:prstDash val="solid"/>
+                          <a:round/>
+                          <a:headEnd type="none" w="med" len="med"/>
+                          <a:tailEnd type="none" w="med" len="med"/>
+                        </a:lnB>
+                      </a:tcPr>
+                    </a:tc>
+                    <a:tc>
+                      <a:txBody>
+                        <a:bodyPr/>
+                        <a:lstStyle/>
+                        <a:p>
+                          <a:pPr algn="ctr">
+                            <a:lnSpc>
+                              <a:spcPct val="150000"/>
+                            </a:lnSpc>
+                            <a:tabLst>
+                              <a:tab pos="1514475" algn="l"/>
+                            </a:tabLst>
+                          </a:pPr>
+                          <a:r>
+                            <a:rPr lang="en-US" sz="1100" dirty="0">
+                              <a:effectLst/>
+                            </a:rPr>
+                            <a:t>Equation</a:t>
+                          </a:r>
+                          <a:endParaRPr lang="en-IN" sz="1100" dirty="0">
+                            <a:effectLst/>
+                            <a:latin typeface="Times New Roman" panose="02020603050405020304" pitchFamily="18" charset="0"/>
+                            <a:ea typeface="Times New Roman" panose="02020603050405020304" pitchFamily="18" charset="0"/>
+                          </a:endParaRPr>
+                        </a:p>
+                      </a:txBody>
+                      <a:tcPr marL="45869" marR="45869" marT="0" marB="0">
+                        <a:lnT w="12700" cap="flat" cmpd="sng" algn="ctr">
+                          <a:solidFill>
+                            <a:schemeClr val="tx1"/>
+                          </a:solidFill>
+                          <a:prstDash val="solid"/>
+                          <a:round/>
+                          <a:headEnd type="none" w="med" len="med"/>
+                          <a:tailEnd type="none" w="med" len="med"/>
+                        </a:lnT>
+                        <a:lnB w="12700" cap="flat" cmpd="sng" algn="ctr">
+                          <a:solidFill>
+                            <a:schemeClr val="tx1"/>
+                          </a:solidFill>
+                          <a:prstDash val="solid"/>
+                          <a:round/>
+                          <a:headEnd type="none" w="med" len="med"/>
+                          <a:tailEnd type="none" w="med" len="med"/>
+                        </a:lnB>
+                      </a:tcPr>
+                    </a:tc>
+                    <a:extLst>
+                      <a:ext uri="{0D108BD9-81ED-4DB2-BD59-A6C34878D82A}">
+                        <a16:rowId xmlns:a16="http://schemas.microsoft.com/office/drawing/2014/main" val="3208191402"/>
+                      </a:ext>
+                    </a:extLst>
+                  </a:tr>
+                  <a:tr h="366205">
+                    <a:tc>
+                      <a:txBody>
+                        <a:bodyPr/>
+                        <a:lstStyle/>
+                        <a:p>
+                          <a:pPr algn="ctr">
+                            <a:lnSpc>
+                              <a:spcPct val="150000"/>
+                            </a:lnSpc>
+                            <a:tabLst>
+                              <a:tab pos="1514475" algn="l"/>
+                            </a:tabLst>
+                          </a:pPr>
+                          <a:r>
+                            <a:rPr lang="en-US" sz="1100" dirty="0">
+                              <a:effectLst/>
+                            </a:rPr>
+                            <a:t>1.</a:t>
+                          </a:r>
+                          <a:endParaRPr lang="en-IN" sz="1100" dirty="0">
+                            <a:effectLst/>
+                            <a:latin typeface="Times New Roman" panose="02020603050405020304" pitchFamily="18" charset="0"/>
+                            <a:ea typeface="Times New Roman" panose="02020603050405020304" pitchFamily="18" charset="0"/>
+                          </a:endParaRPr>
+                        </a:p>
+                      </a:txBody>
+                      <a:tcPr marL="45869" marR="45869" marT="0" marB="0">
+                        <a:lnT w="12700" cap="flat" cmpd="sng" algn="ctr">
+                          <a:solidFill>
+                            <a:schemeClr val="tx1"/>
+                          </a:solidFill>
+                          <a:prstDash val="solid"/>
+                          <a:round/>
+                          <a:headEnd type="none" w="med" len="med"/>
+                          <a:tailEnd type="none" w="med" len="med"/>
+                        </a:lnT>
+                      </a:tcPr>
+                    </a:tc>
+                    <a:tc>
+                      <a:txBody>
+                        <a:bodyPr/>
+                        <a:lstStyle/>
+                        <a:p>
+                          <a:pPr algn="ctr">
+                            <a:lnSpc>
+                              <a:spcPct val="150000"/>
+                            </a:lnSpc>
+                            <a:tabLst>
+                              <a:tab pos="1514475" algn="l"/>
+                            </a:tabLst>
+                          </a:pPr>
+                          <a:r>
+                            <a:rPr lang="en-US" sz="1100" dirty="0">
+                              <a:effectLst/>
+                            </a:rPr>
+                            <a:t>Compression Ratio [10][1]</a:t>
+                          </a:r>
+                          <a:endParaRPr lang="en-IN" sz="1100" dirty="0">
+                            <a:effectLst/>
+                            <a:latin typeface="Times New Roman" panose="02020603050405020304" pitchFamily="18" charset="0"/>
+                            <a:ea typeface="Times New Roman" panose="02020603050405020304" pitchFamily="18" charset="0"/>
+                          </a:endParaRPr>
+                        </a:p>
+                      </a:txBody>
+                      <a:tcPr marL="45869" marR="45869" marT="0" marB="0">
+                        <a:lnT w="12700" cap="flat" cmpd="sng" algn="ctr">
+                          <a:solidFill>
+                            <a:schemeClr val="tx1"/>
+                          </a:solidFill>
+                          <a:prstDash val="solid"/>
+                          <a:round/>
+                          <a:headEnd type="none" w="med" len="med"/>
+                          <a:tailEnd type="none" w="med" len="med"/>
+                        </a:lnT>
+                      </a:tcPr>
+                    </a:tc>
+                    <a:tc>
+                      <a:txBody>
+                        <a:bodyPr/>
+                        <a:lstStyle/>
+                        <a:p>
+                          <a:endParaRPr lang="en-US"/>
+                        </a:p>
+                      </a:txBody>
+                      <a:tcPr marL="45869" marR="45869" marT="0" marB="0">
+                        <a:lnT w="12700" cap="flat" cmpd="sng" algn="ctr">
+                          <a:solidFill>
+                            <a:schemeClr val="tx1"/>
+                          </a:solidFill>
+                          <a:prstDash val="solid"/>
+                          <a:round/>
+                          <a:headEnd type="none" w="med" len="med"/>
+                          <a:tailEnd type="none" w="med" len="med"/>
+                        </a:lnT>
+                        <a:blipFill>
+                          <a:blip r:embed="rId2"/>
+                          <a:stretch>
+                            <a:fillRect l="-82055" t="-85000" r="-145" b="-998333"/>
+                          </a:stretch>
+                        </a:blipFill>
+                      </a:tcPr>
+                    </a:tc>
+                    <a:extLst>
+                      <a:ext uri="{0D108BD9-81ED-4DB2-BD59-A6C34878D82A}">
+                        <a16:rowId xmlns:a16="http://schemas.microsoft.com/office/drawing/2014/main" val="430322368"/>
+                      </a:ext>
+                    </a:extLst>
+                  </a:tr>
+                  <a:tr h="331788">
+                    <a:tc>
+                      <a:txBody>
+                        <a:bodyPr/>
+                        <a:lstStyle/>
+                        <a:p>
+                          <a:pPr algn="ctr">
+                            <a:lnSpc>
+                              <a:spcPct val="150000"/>
+                            </a:lnSpc>
+                            <a:tabLst>
+                              <a:tab pos="1514475" algn="l"/>
+                            </a:tabLst>
+                          </a:pPr>
+                          <a:r>
+                            <a:rPr lang="en-US" sz="1100">
+                              <a:effectLst/>
+                            </a:rPr>
+                            <a:t>2.</a:t>
+                          </a:r>
+                          <a:endParaRPr lang="en-IN" sz="1100">
+                            <a:effectLst/>
+                            <a:latin typeface="Times New Roman" panose="02020603050405020304" pitchFamily="18" charset="0"/>
+                            <a:ea typeface="Times New Roman" panose="02020603050405020304" pitchFamily="18" charset="0"/>
+                          </a:endParaRPr>
+                        </a:p>
+                      </a:txBody>
+                      <a:tcPr marL="45869" marR="45869" marT="0" marB="0"/>
+                    </a:tc>
+                    <a:tc>
+                      <a:txBody>
+                        <a:bodyPr/>
+                        <a:lstStyle/>
+                        <a:p>
+                          <a:pPr algn="ctr">
+                            <a:lnSpc>
+                              <a:spcPct val="150000"/>
+                            </a:lnSpc>
+                            <a:tabLst>
+                              <a:tab pos="1514475" algn="l"/>
+                            </a:tabLst>
+                          </a:pPr>
+                          <a:r>
+                            <a:rPr lang="en-US" sz="1100" dirty="0">
+                              <a:effectLst/>
+                            </a:rPr>
+                            <a:t>Mean Square Error [10]</a:t>
+                          </a:r>
+                          <a:endParaRPr lang="en-IN" sz="1100" dirty="0">
+                            <a:effectLst/>
+                            <a:latin typeface="Times New Roman" panose="02020603050405020304" pitchFamily="18" charset="0"/>
+                            <a:ea typeface="Times New Roman" panose="02020603050405020304" pitchFamily="18" charset="0"/>
+                          </a:endParaRPr>
+                        </a:p>
+                      </a:txBody>
+                      <a:tcPr marL="45869" marR="45869" marT="0" marB="0"/>
+                    </a:tc>
+                    <a:tc>
+                      <a:txBody>
+                        <a:bodyPr/>
+                        <a:lstStyle/>
+                        <a:p>
+                          <a:endParaRPr lang="en-US"/>
+                        </a:p>
+                      </a:txBody>
+                      <a:tcPr marL="45869" marR="45869" marT="0" marB="0">
+                        <a:blipFill>
+                          <a:blip r:embed="rId2"/>
+                          <a:stretch>
+                            <a:fillRect l="-82055" t="-205556" r="-145" b="-1009259"/>
+                          </a:stretch>
+                        </a:blipFill>
+                      </a:tcPr>
+                    </a:tc>
+                    <a:extLst>
+                      <a:ext uri="{0D108BD9-81ED-4DB2-BD59-A6C34878D82A}">
+                        <a16:rowId xmlns:a16="http://schemas.microsoft.com/office/drawing/2014/main" val="2971557388"/>
+                      </a:ext>
+                    </a:extLst>
+                  </a:tr>
+                  <a:tr h="366205">
+                    <a:tc>
+                      <a:txBody>
+                        <a:bodyPr/>
+                        <a:lstStyle/>
+                        <a:p>
+                          <a:pPr algn="ctr">
+                            <a:lnSpc>
+                              <a:spcPct val="150000"/>
+                            </a:lnSpc>
+                            <a:tabLst>
+                              <a:tab pos="1514475" algn="l"/>
+                            </a:tabLst>
+                          </a:pPr>
+                          <a:r>
+                            <a:rPr lang="en-US" sz="1100">
+                              <a:effectLst/>
+                            </a:rPr>
+                            <a:t>3.</a:t>
+                          </a:r>
+                          <a:endParaRPr lang="en-IN" sz="1100">
+                            <a:effectLst/>
+                            <a:latin typeface="Times New Roman" panose="02020603050405020304" pitchFamily="18" charset="0"/>
+                            <a:ea typeface="Times New Roman" panose="02020603050405020304" pitchFamily="18" charset="0"/>
+                          </a:endParaRPr>
+                        </a:p>
+                      </a:txBody>
+                      <a:tcPr marL="45869" marR="45869" marT="0" marB="0"/>
+                    </a:tc>
+                    <a:tc>
+                      <a:txBody>
+                        <a:bodyPr/>
+                        <a:lstStyle/>
+                        <a:p>
+                          <a:pPr algn="ctr">
+                            <a:lnSpc>
+                              <a:spcPct val="150000"/>
+                            </a:lnSpc>
+                            <a:tabLst>
+                              <a:tab pos="1514475" algn="l"/>
+                            </a:tabLst>
+                          </a:pPr>
+                          <a:r>
+                            <a:rPr lang="en-US" sz="1100" dirty="0">
+                              <a:effectLst/>
+                            </a:rPr>
+                            <a:t>Bits per Pixel [10]</a:t>
+                          </a:r>
+                          <a:endParaRPr lang="en-IN" sz="1100" dirty="0">
+                            <a:effectLst/>
+                            <a:latin typeface="Times New Roman" panose="02020603050405020304" pitchFamily="18" charset="0"/>
+                            <a:ea typeface="Times New Roman" panose="02020603050405020304" pitchFamily="18" charset="0"/>
+                          </a:endParaRPr>
+                        </a:p>
+                      </a:txBody>
+                      <a:tcPr marL="45869" marR="45869" marT="0" marB="0"/>
+                    </a:tc>
+                    <a:tc>
+                      <a:txBody>
+                        <a:bodyPr/>
+                        <a:lstStyle/>
+                        <a:p>
+                          <a:endParaRPr lang="en-US"/>
+                        </a:p>
+                      </a:txBody>
+                      <a:tcPr marL="45869" marR="45869" marT="0" marB="0">
+                        <a:blipFill>
+                          <a:blip r:embed="rId2"/>
+                          <a:stretch>
+                            <a:fillRect l="-82055" t="-275000" r="-145" b="-808333"/>
+                          </a:stretch>
+                        </a:blipFill>
+                      </a:tcPr>
+                    </a:tc>
+                    <a:extLst>
+                      <a:ext uri="{0D108BD9-81ED-4DB2-BD59-A6C34878D82A}">
+                        <a16:rowId xmlns:a16="http://schemas.microsoft.com/office/drawing/2014/main" val="3117349585"/>
+                      </a:ext>
+                    </a:extLst>
+                  </a:tr>
+                  <a:tr h="461201">
+                    <a:tc>
+                      <a:txBody>
+                        <a:bodyPr/>
+                        <a:lstStyle/>
+                        <a:p>
+                          <a:pPr algn="ctr">
+                            <a:lnSpc>
+                              <a:spcPct val="150000"/>
+                            </a:lnSpc>
+                            <a:tabLst>
+                              <a:tab pos="1514475" algn="l"/>
+                            </a:tabLst>
+                          </a:pPr>
+                          <a:r>
+                            <a:rPr lang="en-US" sz="1100">
+                              <a:effectLst/>
+                            </a:rPr>
+                            <a:t>4.</a:t>
+                          </a:r>
+                          <a:endParaRPr lang="en-IN" sz="1100">
+                            <a:effectLst/>
+                            <a:latin typeface="Times New Roman" panose="02020603050405020304" pitchFamily="18" charset="0"/>
+                            <a:ea typeface="Times New Roman" panose="02020603050405020304" pitchFamily="18" charset="0"/>
+                          </a:endParaRPr>
+                        </a:p>
+                      </a:txBody>
+                      <a:tcPr marL="45869" marR="45869" marT="0" marB="0"/>
+                    </a:tc>
+                    <a:tc>
+                      <a:txBody>
+                        <a:bodyPr/>
+                        <a:lstStyle/>
+                        <a:p>
+                          <a:pPr algn="ctr">
+                            <a:lnSpc>
+                              <a:spcPct val="150000"/>
+                            </a:lnSpc>
+                            <a:tabLst>
+                              <a:tab pos="1514475" algn="l"/>
+                            </a:tabLst>
+                          </a:pPr>
+                          <a:r>
+                            <a:rPr lang="en-US" sz="1100" dirty="0">
+                              <a:effectLst/>
+                            </a:rPr>
+                            <a:t>Structure Similarity Index [10]</a:t>
+                          </a:r>
+                          <a:endParaRPr lang="en-IN" sz="1100" dirty="0">
+                            <a:effectLst/>
+                            <a:latin typeface="Times New Roman" panose="02020603050405020304" pitchFamily="18" charset="0"/>
+                            <a:ea typeface="Times New Roman" panose="02020603050405020304" pitchFamily="18" charset="0"/>
+                          </a:endParaRPr>
+                        </a:p>
+                      </a:txBody>
+                      <a:tcPr marL="45869" marR="45869" marT="0" marB="0"/>
+                    </a:tc>
+                    <a:tc>
+                      <a:txBody>
+                        <a:bodyPr/>
+                        <a:lstStyle/>
+                        <a:p>
+                          <a:endParaRPr lang="en-US"/>
+                        </a:p>
+                      </a:txBody>
+                      <a:tcPr marL="45869" marR="45869" marT="0" marB="0">
+                        <a:blipFill>
+                          <a:blip r:embed="rId2"/>
+                          <a:stretch>
+                            <a:fillRect l="-82055" t="-296053" r="-145" b="-538158"/>
+                          </a:stretch>
+                        </a:blipFill>
+                      </a:tcPr>
+                    </a:tc>
+                    <a:extLst>
+                      <a:ext uri="{0D108BD9-81ED-4DB2-BD59-A6C34878D82A}">
+                        <a16:rowId xmlns:a16="http://schemas.microsoft.com/office/drawing/2014/main" val="1402344652"/>
+                      </a:ext>
+                    </a:extLst>
+                  </a:tr>
+                  <a:tr h="654939">
+                    <a:tc>
+                      <a:txBody>
+                        <a:bodyPr/>
+                        <a:lstStyle/>
+                        <a:p>
+                          <a:pPr algn="ctr">
+                            <a:lnSpc>
+                              <a:spcPct val="150000"/>
+                            </a:lnSpc>
+                            <a:tabLst>
+                              <a:tab pos="1514475" algn="l"/>
+                            </a:tabLst>
+                          </a:pPr>
+                          <a:r>
+                            <a:rPr lang="en-US" sz="1100">
+                              <a:effectLst/>
+                            </a:rPr>
+                            <a:t>5.</a:t>
+                          </a:r>
+                          <a:endParaRPr lang="en-IN" sz="1100">
+                            <a:effectLst/>
+                            <a:latin typeface="Times New Roman" panose="02020603050405020304" pitchFamily="18" charset="0"/>
+                            <a:ea typeface="Times New Roman" panose="02020603050405020304" pitchFamily="18" charset="0"/>
+                          </a:endParaRPr>
+                        </a:p>
+                      </a:txBody>
+                      <a:tcPr marL="45869" marR="45869" marT="0" marB="0"/>
+                    </a:tc>
+                    <a:tc>
+                      <a:txBody>
+                        <a:bodyPr/>
+                        <a:lstStyle/>
+                        <a:p>
+                          <a:pPr algn="ctr">
+                            <a:lnSpc>
+                              <a:spcPct val="150000"/>
+                            </a:lnSpc>
+                            <a:tabLst>
+                              <a:tab pos="1514475" algn="l"/>
+                            </a:tabLst>
+                          </a:pPr>
+                          <a:r>
+                            <a:rPr lang="en-US" sz="1100" dirty="0">
+                              <a:effectLst/>
+                            </a:rPr>
+                            <a:t>Correlation coefficient [10]</a:t>
+                          </a:r>
+                          <a:endParaRPr lang="en-IN" sz="1100" dirty="0">
+                            <a:effectLst/>
+                            <a:latin typeface="Times New Roman" panose="02020603050405020304" pitchFamily="18" charset="0"/>
+                            <a:ea typeface="Times New Roman" panose="02020603050405020304" pitchFamily="18" charset="0"/>
+                          </a:endParaRPr>
+                        </a:p>
+                      </a:txBody>
+                      <a:tcPr marL="45869" marR="45869" marT="0" marB="0"/>
+                    </a:tc>
+                    <a:tc>
+                      <a:txBody>
+                        <a:bodyPr/>
+                        <a:lstStyle/>
+                        <a:p>
+                          <a:endParaRPr lang="en-US"/>
+                        </a:p>
+                      </a:txBody>
+                      <a:tcPr marL="45869" marR="45869" marT="0" marB="0">
+                        <a:blipFill>
+                          <a:blip r:embed="rId2"/>
+                          <a:stretch>
+                            <a:fillRect l="-82055" t="-278704" r="-145" b="-278704"/>
+                          </a:stretch>
+                        </a:blipFill>
+                      </a:tcPr>
+                    </a:tc>
+                    <a:extLst>
+                      <a:ext uri="{0D108BD9-81ED-4DB2-BD59-A6C34878D82A}">
+                        <a16:rowId xmlns:a16="http://schemas.microsoft.com/office/drawing/2014/main" val="1724571552"/>
+                      </a:ext>
+                    </a:extLst>
+                  </a:tr>
+                  <a:tr h="366395">
+                    <a:tc>
+                      <a:txBody>
+                        <a:bodyPr/>
+                        <a:lstStyle/>
+                        <a:p>
+                          <a:pPr algn="ctr">
+                            <a:lnSpc>
+                              <a:spcPct val="150000"/>
+                            </a:lnSpc>
+                            <a:tabLst>
+                              <a:tab pos="1514475" algn="l"/>
+                            </a:tabLst>
+                          </a:pPr>
+                          <a:r>
+                            <a:rPr lang="en-US" sz="1100">
+                              <a:effectLst/>
+                            </a:rPr>
+                            <a:t> </a:t>
+                          </a:r>
+                          <a:endParaRPr lang="en-IN" sz="1100">
+                            <a:effectLst/>
+                            <a:latin typeface="Times New Roman" panose="02020603050405020304" pitchFamily="18" charset="0"/>
+                            <a:ea typeface="Times New Roman" panose="02020603050405020304" pitchFamily="18" charset="0"/>
+                          </a:endParaRPr>
+                        </a:p>
+                      </a:txBody>
+                      <a:tcPr marL="45869" marR="45869" marT="0" marB="0"/>
+                    </a:tc>
+                    <a:tc>
+                      <a:txBody>
+                        <a:bodyPr/>
+                        <a:lstStyle/>
+                        <a:p>
+                          <a:pPr algn="ctr">
+                            <a:lnSpc>
+                              <a:spcPct val="150000"/>
+                            </a:lnSpc>
+                            <a:tabLst>
+                              <a:tab pos="1514475" algn="l"/>
+                            </a:tabLst>
+                          </a:pPr>
+                          <a:r>
+                            <a:rPr lang="en-US" sz="1100">
+                              <a:effectLst/>
+                            </a:rPr>
+                            <a:t>Peak Signal to Noise Ratio [10]</a:t>
+                          </a:r>
+                          <a:endParaRPr lang="en-IN" sz="1100">
+                            <a:effectLst/>
+                            <a:latin typeface="Times New Roman" panose="02020603050405020304" pitchFamily="18" charset="0"/>
+                            <a:ea typeface="Times New Roman" panose="02020603050405020304" pitchFamily="18" charset="0"/>
+                          </a:endParaRPr>
+                        </a:p>
+                      </a:txBody>
+                      <a:tcPr marL="45869" marR="45869" marT="0" marB="0"/>
+                    </a:tc>
+                    <a:tc>
+                      <a:txBody>
+                        <a:bodyPr/>
+                        <a:lstStyle/>
+                        <a:p>
+                          <a:endParaRPr lang="en-US"/>
+                        </a:p>
+                      </a:txBody>
+                      <a:tcPr marL="45869" marR="45869" marT="0" marB="0">
+                        <a:blipFill>
+                          <a:blip r:embed="rId2"/>
+                          <a:stretch>
+                            <a:fillRect l="-82055" t="-681667" r="-145" b="-401667"/>
+                          </a:stretch>
+                        </a:blipFill>
+                      </a:tcPr>
+                    </a:tc>
+                    <a:extLst>
+                      <a:ext uri="{0D108BD9-81ED-4DB2-BD59-A6C34878D82A}">
+                        <a16:rowId xmlns:a16="http://schemas.microsoft.com/office/drawing/2014/main" val="513506604"/>
+                      </a:ext>
+                    </a:extLst>
+                  </a:tr>
+                  <a:tr h="681038">
+                    <a:tc>
+                      <a:txBody>
+                        <a:bodyPr/>
+                        <a:lstStyle/>
+                        <a:p>
+                          <a:pPr algn="ctr">
+                            <a:lnSpc>
+                              <a:spcPct val="150000"/>
+                            </a:lnSpc>
+                            <a:tabLst>
+                              <a:tab pos="1514475" algn="l"/>
+                            </a:tabLst>
+                          </a:pPr>
+                          <a:r>
+                            <a:rPr lang="en-US" sz="1100">
+                              <a:effectLst/>
+                            </a:rPr>
+                            <a:t>7.</a:t>
+                          </a:r>
+                          <a:endParaRPr lang="en-IN" sz="1100">
+                            <a:effectLst/>
+                            <a:latin typeface="Times New Roman" panose="02020603050405020304" pitchFamily="18" charset="0"/>
+                            <a:ea typeface="Times New Roman" panose="02020603050405020304" pitchFamily="18" charset="0"/>
+                          </a:endParaRPr>
+                        </a:p>
+                      </a:txBody>
+                      <a:tcPr marL="45869" marR="45869" marT="0" marB="0"/>
+                    </a:tc>
+                    <a:tc>
+                      <a:txBody>
+                        <a:bodyPr/>
+                        <a:lstStyle/>
+                        <a:p>
+                          <a:pPr algn="ctr">
+                            <a:lnSpc>
+                              <a:spcPct val="150000"/>
+                            </a:lnSpc>
+                            <a:tabLst>
+                              <a:tab pos="1514475" algn="l"/>
+                            </a:tabLst>
+                          </a:pPr>
+                          <a:r>
+                            <a:rPr lang="en-US" sz="1100">
+                              <a:effectLst/>
+                            </a:rPr>
+                            <a:t>Percent rate of distortion [10]</a:t>
+                          </a:r>
+                          <a:endParaRPr lang="en-IN" sz="1100">
+                            <a:effectLst/>
+                            <a:latin typeface="Times New Roman" panose="02020603050405020304" pitchFamily="18" charset="0"/>
+                            <a:ea typeface="Times New Roman" panose="02020603050405020304" pitchFamily="18" charset="0"/>
+                          </a:endParaRPr>
+                        </a:p>
+                      </a:txBody>
+                      <a:tcPr marL="45869" marR="45869" marT="0" marB="0"/>
+                    </a:tc>
+                    <a:tc>
+                      <a:txBody>
+                        <a:bodyPr/>
+                        <a:lstStyle/>
+                        <a:p>
+                          <a:endParaRPr lang="en-US"/>
+                        </a:p>
+                      </a:txBody>
+                      <a:tcPr marL="45869" marR="45869" marT="0" marB="0">
+                        <a:blipFill>
+                          <a:blip r:embed="rId2"/>
+                          <a:stretch>
+                            <a:fillRect l="-82055" t="-418750" r="-145" b="-115179"/>
+                          </a:stretch>
+                        </a:blipFill>
+                      </a:tcPr>
+                    </a:tc>
+                    <a:extLst>
+                      <a:ext uri="{0D108BD9-81ED-4DB2-BD59-A6C34878D82A}">
+                        <a16:rowId xmlns:a16="http://schemas.microsoft.com/office/drawing/2014/main" val="3282826006"/>
+                      </a:ext>
+                    </a:extLst>
+                  </a:tr>
+                  <a:tr h="483743">
+                    <a:tc>
+                      <a:txBody>
+                        <a:bodyPr/>
+                        <a:lstStyle/>
+                        <a:p>
+                          <a:pPr algn="ctr">
+                            <a:lnSpc>
+                              <a:spcPct val="150000"/>
+                            </a:lnSpc>
+                            <a:tabLst>
+                              <a:tab pos="1514475" algn="l"/>
+                            </a:tabLst>
+                          </a:pPr>
+                          <a:r>
+                            <a:rPr lang="en-US" sz="1100" dirty="0">
+                              <a:effectLst/>
+                            </a:rPr>
+                            <a:t>8.</a:t>
+                          </a:r>
+                          <a:endParaRPr lang="en-IN" sz="1100" dirty="0">
+                            <a:effectLst/>
+                            <a:latin typeface="Times New Roman" panose="02020603050405020304" pitchFamily="18" charset="0"/>
+                            <a:ea typeface="Times New Roman" panose="02020603050405020304" pitchFamily="18" charset="0"/>
+                          </a:endParaRPr>
+                        </a:p>
+                      </a:txBody>
+                      <a:tcPr marL="45869" marR="45869" marT="0" marB="0">
+                        <a:lnB w="12700" cap="flat" cmpd="sng" algn="ctr">
+                          <a:solidFill>
+                            <a:schemeClr val="tx1"/>
+                          </a:solidFill>
+                          <a:prstDash val="solid"/>
+                          <a:round/>
+                          <a:headEnd type="none" w="med" len="med"/>
+                          <a:tailEnd type="none" w="med" len="med"/>
+                        </a:lnB>
+                      </a:tcPr>
+                    </a:tc>
+                    <a:tc>
+                      <a:txBody>
+                        <a:bodyPr/>
+                        <a:lstStyle/>
+                        <a:p>
+                          <a:pPr algn="ctr">
+                            <a:lnSpc>
+                              <a:spcPct val="150000"/>
+                            </a:lnSpc>
+                            <a:tabLst>
+                              <a:tab pos="1514475" algn="l"/>
+                            </a:tabLst>
+                          </a:pPr>
+                          <a:r>
+                            <a:rPr lang="en-US" sz="1100" dirty="0">
+                              <a:effectLst/>
+                            </a:rPr>
+                            <a:t>Structural Content [10]</a:t>
+                          </a:r>
+                          <a:endParaRPr lang="en-IN" sz="1100" dirty="0">
+                            <a:effectLst/>
+                            <a:latin typeface="Times New Roman" panose="02020603050405020304" pitchFamily="18" charset="0"/>
+                            <a:ea typeface="Times New Roman" panose="02020603050405020304" pitchFamily="18" charset="0"/>
+                          </a:endParaRPr>
+                        </a:p>
+                      </a:txBody>
+                      <a:tcPr marL="45869" marR="45869" marT="0" marB="0">
+                        <a:lnB w="12700" cap="flat" cmpd="sng" algn="ctr">
+                          <a:solidFill>
+                            <a:schemeClr val="tx1"/>
+                          </a:solidFill>
+                          <a:prstDash val="solid"/>
+                          <a:round/>
+                          <a:headEnd type="none" w="med" len="med"/>
+                          <a:tailEnd type="none" w="med" len="med"/>
+                        </a:lnB>
+                      </a:tcPr>
+                    </a:tc>
+                    <a:tc>
+                      <a:txBody>
+                        <a:bodyPr/>
+                        <a:lstStyle/>
+                        <a:p>
+                          <a:endParaRPr lang="en-US"/>
+                        </a:p>
+                      </a:txBody>
+                      <a:tcPr marL="45869" marR="45869" marT="0" marB="0">
+                        <a:lnB w="12700" cap="flat" cmpd="sng" algn="ctr">
+                          <a:solidFill>
+                            <a:schemeClr val="tx1"/>
+                          </a:solidFill>
+                          <a:prstDash val="solid"/>
+                          <a:round/>
+                          <a:headEnd type="none" w="med" len="med"/>
+                          <a:tailEnd type="none" w="med" len="med"/>
+                        </a:lnB>
+                        <a:blipFill>
+                          <a:blip r:embed="rId2"/>
+                          <a:stretch>
+                            <a:fillRect l="-82055" t="-735443" r="-145" b="-63291"/>
+                          </a:stretch>
+                        </a:blipFill>
+                      </a:tcPr>
+                    </a:tc>
+                    <a:extLst>
+                      <a:ext uri="{0D108BD9-81ED-4DB2-BD59-A6C34878D82A}">
+                        <a16:rowId xmlns:a16="http://schemas.microsoft.com/office/drawing/2014/main" val="3142421845"/>
+                      </a:ext>
+                    </a:extLst>
+                  </a:tr>
+                </a:tbl>
+              </a:graphicData>
+            </a:graphic>
+          </p:graphicFrame>
+        </mc:Fallback>
+      </mc:AlternateContent>
+      <p:sp>
+        <p:nvSpPr>
+          <p:cNvPr id="6" name="Rectangle 1">
+            <a:extLst>
+              <a:ext uri="{FF2B5EF4-FFF2-40B4-BE49-F238E27FC236}">
+                <a16:creationId xmlns:a16="http://schemas.microsoft.com/office/drawing/2014/main" id="{9BFE64B1-E5A4-CB2C-556F-D5653A108D69}"/>
+              </a:ext>
+            </a:extLst>
+          </p:cNvPr>
+          <p:cNvSpPr>
+            <a:spLocks noChangeArrowheads="1"/>
+          </p:cNvSpPr>
+          <p:nvPr/>
+        </p:nvSpPr>
+        <p:spPr bwMode="auto">
+          <a:xfrm>
+            <a:off x="294603" y="501990"/>
+            <a:ext cx="6558443" cy="338554"/>
           </a:xfrm>
           <a:prstGeom prst="rect">
             <a:avLst/>
@@ -3959,59 +8005,748 @@
           <a:ln>
             <a:noFill/>
           </a:ln>
+          <a:effectLst/>
+          <a:extLst>
+            <a:ext uri="{909E8E84-426E-40DD-AFC4-6F175D3DCCD1}">
+              <a14:hiddenFill xmlns:a14="http://schemas.microsoft.com/office/drawing/2010/main">
+                <a:solidFill>
+                  <a:schemeClr val="accent1"/>
+                </a:solidFill>
+              </a14:hiddenFill>
+            </a:ext>
+            <a:ext uri="{91240B29-F687-4F45-9708-019B960494DF}">
+              <a14:hiddenLine xmlns:a14="http://schemas.microsoft.com/office/drawing/2010/main" w="9525">
+                <a:solidFill>
+                  <a:schemeClr val="tx1"/>
+                </a:solidFill>
+                <a:miter lim="800000"/>
+                <a:headEnd/>
+                <a:tailEnd/>
+              </a14:hiddenLine>
+            </a:ext>
+            <a:ext uri="{AF507438-7753-43E0-B8FC-AC1667EBCBE1}">
+              <a14:hiddenEffects xmlns:a14="http://schemas.microsoft.com/office/drawing/2010/main">
+                <a:effectLst>
+                  <a:outerShdw dist="35921" dir="2700000" algn="ctr" rotWithShape="0">
+                    <a:schemeClr val="bg2"/>
+                  </a:outerShdw>
+                </a:effectLst>
+              </a14:hiddenEffects>
+            </a:ext>
+          </a:extLst>
         </p:spPr>
         <p:txBody>
-          <a:bodyPr lIns="0" tIns="0" rIns="0" bIns="0" anchor="ctr">
-            <a:noAutofit/>
+          <a:bodyPr vert="horz" wrap="square" lIns="91440" tIns="45720" rIns="91440" bIns="45720" numCol="1" anchor="ctr" anchorCtr="0" compatLnSpc="1">
+            <a:prstTxWarp prst="textNoShape">
+              <a:avLst/>
+            </a:prstTxWarp>
+            <a:spAutoFit/>
           </a:bodyPr>
-          <a:lstStyle/>
-          <a:p>
-            <a:pPr algn="ctr"/>
-            <a:r>
-              <a:rPr lang="en-IN" sz="4400" spc="-1" dirty="0">
-                <a:latin typeface="Arial" panose="020B0604020202020204"/>
-              </a:rPr>
-              <a:t>6. </a:t>
-            </a:r>
-            <a:r>
-              <a:rPr lang="en-IN" sz="4400" b="0" strike="noStrike" spc="-1" dirty="0">
-                <a:latin typeface="Arial" panose="020B0604020202020204"/>
-              </a:rPr>
-              <a:t>Post Training Findings </a:t>
-            </a:r>
+          <a:lstStyle>
+            <a:lvl1pPr eaLnBrk="0" fontAlgn="base" hangingPunct="0">
+              <a:spcBef>
+                <a:spcPct val="0"/>
+              </a:spcBef>
+              <a:spcAft>
+                <a:spcPct val="0"/>
+              </a:spcAft>
+              <a:tabLst>
+                <a:tab pos="1514475" algn="l"/>
+              </a:tabLst>
+              <a:defRPr>
+                <a:solidFill>
+                  <a:schemeClr val="tx1"/>
+                </a:solidFill>
+                <a:latin typeface="Arial" panose="020B0604020202020204" pitchFamily="34" charset="0"/>
+              </a:defRPr>
+            </a:lvl1pPr>
+            <a:lvl2pPr eaLnBrk="0" fontAlgn="base" hangingPunct="0">
+              <a:spcBef>
+                <a:spcPct val="0"/>
+              </a:spcBef>
+              <a:spcAft>
+                <a:spcPct val="0"/>
+              </a:spcAft>
+              <a:tabLst>
+                <a:tab pos="1514475" algn="l"/>
+              </a:tabLst>
+              <a:defRPr>
+                <a:solidFill>
+                  <a:schemeClr val="tx1"/>
+                </a:solidFill>
+                <a:latin typeface="Arial" panose="020B0604020202020204" pitchFamily="34" charset="0"/>
+              </a:defRPr>
+            </a:lvl2pPr>
+            <a:lvl3pPr eaLnBrk="0" fontAlgn="base" hangingPunct="0">
+              <a:spcBef>
+                <a:spcPct val="0"/>
+              </a:spcBef>
+              <a:spcAft>
+                <a:spcPct val="0"/>
+              </a:spcAft>
+              <a:tabLst>
+                <a:tab pos="1514475" algn="l"/>
+              </a:tabLst>
+              <a:defRPr>
+                <a:solidFill>
+                  <a:schemeClr val="tx1"/>
+                </a:solidFill>
+                <a:latin typeface="Arial" panose="020B0604020202020204" pitchFamily="34" charset="0"/>
+              </a:defRPr>
+            </a:lvl3pPr>
+            <a:lvl4pPr eaLnBrk="0" fontAlgn="base" hangingPunct="0">
+              <a:spcBef>
+                <a:spcPct val="0"/>
+              </a:spcBef>
+              <a:spcAft>
+                <a:spcPct val="0"/>
+              </a:spcAft>
+              <a:tabLst>
+                <a:tab pos="1514475" algn="l"/>
+              </a:tabLst>
+              <a:defRPr>
+                <a:solidFill>
+                  <a:schemeClr val="tx1"/>
+                </a:solidFill>
+                <a:latin typeface="Arial" panose="020B0604020202020204" pitchFamily="34" charset="0"/>
+              </a:defRPr>
+            </a:lvl4pPr>
+            <a:lvl5pPr eaLnBrk="0" fontAlgn="base" hangingPunct="0">
+              <a:spcBef>
+                <a:spcPct val="0"/>
+              </a:spcBef>
+              <a:spcAft>
+                <a:spcPct val="0"/>
+              </a:spcAft>
+              <a:tabLst>
+                <a:tab pos="1514475" algn="l"/>
+              </a:tabLst>
+              <a:defRPr>
+                <a:solidFill>
+                  <a:schemeClr val="tx1"/>
+                </a:solidFill>
+                <a:latin typeface="Arial" panose="020B0604020202020204" pitchFamily="34" charset="0"/>
+              </a:defRPr>
+            </a:lvl5pPr>
+            <a:lvl6pPr eaLnBrk="0" fontAlgn="base" hangingPunct="0">
+              <a:spcBef>
+                <a:spcPct val="0"/>
+              </a:spcBef>
+              <a:spcAft>
+                <a:spcPct val="0"/>
+              </a:spcAft>
+              <a:tabLst>
+                <a:tab pos="1514475" algn="l"/>
+              </a:tabLst>
+              <a:defRPr>
+                <a:solidFill>
+                  <a:schemeClr val="tx1"/>
+                </a:solidFill>
+                <a:latin typeface="Arial" panose="020B0604020202020204" pitchFamily="34" charset="0"/>
+              </a:defRPr>
+            </a:lvl6pPr>
+            <a:lvl7pPr eaLnBrk="0" fontAlgn="base" hangingPunct="0">
+              <a:spcBef>
+                <a:spcPct val="0"/>
+              </a:spcBef>
+              <a:spcAft>
+                <a:spcPct val="0"/>
+              </a:spcAft>
+              <a:tabLst>
+                <a:tab pos="1514475" algn="l"/>
+              </a:tabLst>
+              <a:defRPr>
+                <a:solidFill>
+                  <a:schemeClr val="tx1"/>
+                </a:solidFill>
+                <a:latin typeface="Arial" panose="020B0604020202020204" pitchFamily="34" charset="0"/>
+              </a:defRPr>
+            </a:lvl7pPr>
+            <a:lvl8pPr eaLnBrk="0" fontAlgn="base" hangingPunct="0">
+              <a:spcBef>
+                <a:spcPct val="0"/>
+              </a:spcBef>
+              <a:spcAft>
+                <a:spcPct val="0"/>
+              </a:spcAft>
+              <a:tabLst>
+                <a:tab pos="1514475" algn="l"/>
+              </a:tabLst>
+              <a:defRPr>
+                <a:solidFill>
+                  <a:schemeClr val="tx1"/>
+                </a:solidFill>
+                <a:latin typeface="Arial" panose="020B0604020202020204" pitchFamily="34" charset="0"/>
+              </a:defRPr>
+            </a:lvl8pPr>
+            <a:lvl9pPr eaLnBrk="0" fontAlgn="base" hangingPunct="0">
+              <a:spcBef>
+                <a:spcPct val="0"/>
+              </a:spcBef>
+              <a:spcAft>
+                <a:spcPct val="0"/>
+              </a:spcAft>
+              <a:tabLst>
+                <a:tab pos="1514475" algn="l"/>
+              </a:tabLst>
+              <a:defRPr>
+                <a:solidFill>
+                  <a:schemeClr val="tx1"/>
+                </a:solidFill>
+                <a:latin typeface="Arial" panose="020B0604020202020204" pitchFamily="34" charset="0"/>
+              </a:defRPr>
+            </a:lvl9pPr>
+          </a:lstStyle>
+          <a:p>
+            <a:pPr marL="457200" marR="0" lvl="1" indent="0" algn="l" defTabSz="914400" rtl="0" eaLnBrk="0" fontAlgn="base" latinLnBrk="0" hangingPunct="0">
+              <a:lnSpc>
+                <a:spcPct val="100000"/>
+              </a:lnSpc>
+              <a:spcBef>
+                <a:spcPct val="0"/>
+              </a:spcBef>
+              <a:spcAft>
+                <a:spcPct val="0"/>
+              </a:spcAft>
+              <a:buClrTx/>
+              <a:buSzTx/>
+              <a:tabLst>
+                <a:tab pos="1514475" algn="l"/>
+              </a:tabLst>
+            </a:pPr>
+            <a:r>
+              <a:rPr kumimoji="0" lang="en-US" altLang="en-US" sz="1600" b="1" i="0" u="none" strike="noStrike" cap="none" normalizeH="0" baseline="0" dirty="0">
+                <a:ln>
+                  <a:noFill/>
+                </a:ln>
+                <a:solidFill>
+                  <a:schemeClr val="tx1"/>
+                </a:solidFill>
+                <a:effectLst/>
+                <a:latin typeface="Arial" panose="020B0604020202020204" pitchFamily="34" charset="0"/>
+                <a:ea typeface="Times New Roman" panose="02020603050405020304" pitchFamily="18" charset="0"/>
+              </a:rPr>
+              <a:t>6.1 Performance parameters</a:t>
+            </a:r>
+            <a:endParaRPr kumimoji="0" lang="en-US" altLang="en-US" sz="1600" b="1" i="0" u="none" strike="noStrike" cap="none" normalizeH="0" baseline="0" dirty="0">
+              <a:ln>
+                <a:noFill/>
+              </a:ln>
+              <a:solidFill>
+                <a:schemeClr val="tx1"/>
+              </a:solidFill>
+              <a:effectLst/>
+              <a:latin typeface="Arial" panose="020B0604020202020204" pitchFamily="34" charset="0"/>
+            </a:endParaRPr>
           </a:p>
         </p:txBody>
       </p:sp>
-      <p:pic>
-        <p:nvPicPr>
-          <p:cNvPr id="3" name="Picture 2">
+      <p:sp>
+        <p:nvSpPr>
+          <p:cNvPr id="7" name="TextBox 6">
             <a:extLst>
               <a:ext uri="{FF2B5EF4-FFF2-40B4-BE49-F238E27FC236}">
-                <a16:creationId xmlns:a16="http://schemas.microsoft.com/office/drawing/2014/main" id="{1217D588-5236-430F-25AD-4D4BE157DD6F}"/>
+                <a16:creationId xmlns:a16="http://schemas.microsoft.com/office/drawing/2014/main" id="{0562681A-E733-3448-6A3C-2CB04BDCD8C2}"/>
               </a:ext>
             </a:extLst>
           </p:cNvPr>
-          <p:cNvPicPr>
-            <a:picLocks noChangeAspect="1"/>
-          </p:cNvPicPr>
+          <p:cNvSpPr txBox="1"/>
           <p:nvPr/>
-        </p:nvPicPr>
-        <p:blipFill>
-          <a:blip r:embed="rId2"/>
-          <a:stretch>
-            <a:fillRect/>
-          </a:stretch>
-        </p:blipFill>
+        </p:nvSpPr>
         <p:spPr>
           <a:xfrm>
-            <a:off x="2697701" y="1352014"/>
-            <a:ext cx="4685221" cy="2966522"/>
+            <a:off x="3449716" y="5184183"/>
+            <a:ext cx="3181192" cy="307777"/>
           </a:xfrm>
           <a:prstGeom prst="rect">
             <a:avLst/>
           </a:prstGeom>
+          <a:noFill/>
         </p:spPr>
-      </p:pic>
+        <p:txBody>
+          <a:bodyPr wrap="none" rtlCol="0">
+            <a:spAutoFit/>
+          </a:bodyPr>
+          <a:lstStyle/>
+          <a:p>
+            <a:r>
+              <a:rPr lang="en-US" sz="1400" b="1" dirty="0">
+                <a:effectLst/>
+                <a:latin typeface="Times New Roman" panose="02020603050405020304" pitchFamily="18" charset="0"/>
+                <a:ea typeface="Times New Roman" panose="02020603050405020304" pitchFamily="18" charset="0"/>
+              </a:rPr>
+              <a:t>Table 2: </a:t>
+            </a:r>
+            <a:r>
+              <a:rPr lang="en-US" sz="1400" dirty="0">
+                <a:effectLst/>
+                <a:latin typeface="Times New Roman" panose="02020603050405020304" pitchFamily="18" charset="0"/>
+                <a:ea typeface="Times New Roman" panose="02020603050405020304" pitchFamily="18" charset="0"/>
+              </a:rPr>
+              <a:t>Various performance parameters</a:t>
+            </a:r>
+            <a:endParaRPr lang="en-IN" sz="1400" dirty="0">
+              <a:effectLst/>
+              <a:latin typeface="Times New Roman" panose="02020603050405020304" pitchFamily="18" charset="0"/>
+              <a:ea typeface="Times New Roman" panose="02020603050405020304" pitchFamily="18" charset="0"/>
+            </a:endParaRPr>
+          </a:p>
+        </p:txBody>
+      </p:sp>
+    </p:spTree>
+    <p:extLst>
+      <p:ext uri="{BB962C8B-B14F-4D97-AF65-F5344CB8AC3E}">
+        <p14:creationId xmlns:p14="http://schemas.microsoft.com/office/powerpoint/2010/main" val="438347781"/>
+      </p:ext>
+    </p:extLst>
+  </p:cSld>
+  <p:clrMapOvr>
+    <a:masterClrMapping/>
+  </p:clrMapOvr>
+</p:sld>
+</file>
+
+<file path=ppt/slides/slide14.xml><?xml version="1.0" encoding="utf-8"?>
+<p:sld xmlns:a="http://schemas.openxmlformats.org/drawingml/2006/main" xmlns:r="http://schemas.openxmlformats.org/officeDocument/2006/relationships" xmlns:p="http://schemas.openxmlformats.org/presentationml/2006/main">
+  <p:cSld>
+    <p:spTree>
+      <p:nvGrpSpPr>
+        <p:cNvPr id="1" name=""/>
+        <p:cNvGrpSpPr/>
+        <p:nvPr/>
+      </p:nvGrpSpPr>
+      <p:grpSpPr>
+        <a:xfrm>
+          <a:off x="0" y="0"/>
+          <a:ext cx="0" cy="0"/>
+          <a:chOff x="0" y="0"/>
+          <a:chExt cx="0" cy="0"/>
+        </a:xfrm>
+      </p:grpSpPr>
+      <p:graphicFrame>
+        <p:nvGraphicFramePr>
+          <p:cNvPr id="7" name="Object 6">
+            <a:extLst>
+              <a:ext uri="{FF2B5EF4-FFF2-40B4-BE49-F238E27FC236}">
+                <a16:creationId xmlns:a16="http://schemas.microsoft.com/office/drawing/2014/main" id="{8F0F0BAC-41E2-115C-83AB-6D44D480ADB1}"/>
+              </a:ext>
+            </a:extLst>
+          </p:cNvPr>
+          <p:cNvGraphicFramePr>
+            <a:graphicFrameLocks noChangeAspect="1"/>
+          </p:cNvGraphicFramePr>
+          <p:nvPr>
+            <p:extLst>
+              <p:ext uri="{D42A27DB-BD31-4B8C-83A1-F6EECF244321}">
+                <p14:modId xmlns:p14="http://schemas.microsoft.com/office/powerpoint/2010/main" val="3649556172"/>
+              </p:ext>
+            </p:extLst>
+          </p:nvPr>
+        </p:nvGraphicFramePr>
+        <p:xfrm>
+          <a:off x="1266946" y="1329275"/>
+          <a:ext cx="7546731" cy="2811944"/>
+        </p:xfrm>
+        <a:graphic>
+          <a:graphicData uri="http://schemas.openxmlformats.org/presentationml/2006/ole">
+            <mc:AlternateContent xmlns:mc="http://schemas.openxmlformats.org/markup-compatibility/2006">
+              <mc:Choice xmlns:v="urn:schemas-microsoft-com:vml" Requires="v">
+                <p:oleObj spid="_x0000_s4108" name="Document" r:id="rId3" imgW="5632980" imgH="2098515" progId="Word.Document.12">
+                  <p:embed/>
+                </p:oleObj>
+              </mc:Choice>
+              <mc:Fallback>
+                <p:oleObj name="Document" r:id="rId3" imgW="5632980" imgH="2098515" progId="Word.Document.12">
+                  <p:embed/>
+                  <p:pic>
+                    <p:nvPicPr>
+                      <p:cNvPr id="0" name=""/>
+                      <p:cNvPicPr/>
+                      <p:nvPr/>
+                    </p:nvPicPr>
+                    <p:blipFill>
+                      <a:blip r:embed="rId4"/>
+                      <a:stretch>
+                        <a:fillRect/>
+                      </a:stretch>
+                    </p:blipFill>
+                    <p:spPr>
+                      <a:xfrm>
+                        <a:off x="1266946" y="1329275"/>
+                        <a:ext cx="7546731" cy="2811944"/>
+                      </a:xfrm>
+                      <a:prstGeom prst="rect">
+                        <a:avLst/>
+                      </a:prstGeom>
+                    </p:spPr>
+                  </p:pic>
+                </p:oleObj>
+              </mc:Fallback>
+            </mc:AlternateContent>
+          </a:graphicData>
+        </a:graphic>
+      </p:graphicFrame>
+      <p:sp>
+        <p:nvSpPr>
+          <p:cNvPr id="9" name="TextBox 8">
+            <a:extLst>
+              <a:ext uri="{FF2B5EF4-FFF2-40B4-BE49-F238E27FC236}">
+                <a16:creationId xmlns:a16="http://schemas.microsoft.com/office/drawing/2014/main" id="{D0D26CF8-463A-092B-DF52-6D87B99B7E0D}"/>
+              </a:ext>
+            </a:extLst>
+          </p:cNvPr>
+          <p:cNvSpPr txBox="1"/>
+          <p:nvPr/>
+        </p:nvSpPr>
+        <p:spPr>
+          <a:xfrm>
+            <a:off x="1266947" y="4313450"/>
+            <a:ext cx="7546730" cy="338554"/>
+          </a:xfrm>
+          <a:prstGeom prst="rect">
+            <a:avLst/>
+          </a:prstGeom>
+          <a:noFill/>
+        </p:spPr>
+        <p:txBody>
+          <a:bodyPr wrap="square">
+            <a:spAutoFit/>
+          </a:bodyPr>
+          <a:lstStyle/>
+          <a:p>
+            <a:pPr marL="516255" algn="ctr"/>
+            <a:r>
+              <a:rPr lang="en-US" sz="1600" b="1" dirty="0">
+                <a:effectLst/>
+                <a:latin typeface="Times New Roman" panose="02020603050405020304" pitchFamily="18" charset="0"/>
+                <a:ea typeface="Times New Roman" panose="02020603050405020304" pitchFamily="18" charset="0"/>
+              </a:rPr>
+              <a:t>Table 3:  </a:t>
+            </a:r>
+            <a:r>
+              <a:rPr lang="en-US" sz="1600" dirty="0">
+                <a:effectLst/>
+                <a:latin typeface="Times New Roman" panose="02020603050405020304" pitchFamily="18" charset="0"/>
+                <a:ea typeface="Times New Roman" panose="02020603050405020304" pitchFamily="18" charset="0"/>
+              </a:rPr>
+              <a:t>Calculation of</a:t>
+            </a:r>
+            <a:r>
+              <a:rPr lang="en-US" sz="1600" b="1" dirty="0">
+                <a:effectLst/>
+                <a:latin typeface="Times New Roman" panose="02020603050405020304" pitchFamily="18" charset="0"/>
+                <a:ea typeface="Times New Roman" panose="02020603050405020304" pitchFamily="18" charset="0"/>
+              </a:rPr>
+              <a:t> </a:t>
+            </a:r>
+            <a:r>
+              <a:rPr lang="en-US" sz="1600" dirty="0">
+                <a:effectLst/>
+                <a:latin typeface="Times New Roman" panose="02020603050405020304" pitchFamily="18" charset="0"/>
+                <a:ea typeface="Times New Roman" panose="02020603050405020304" pitchFamily="18" charset="0"/>
+              </a:rPr>
+              <a:t>performance parameters for each image</a:t>
+            </a:r>
+            <a:endParaRPr lang="en-IN" sz="1600" dirty="0">
+              <a:effectLst/>
+              <a:latin typeface="Times New Roman" panose="02020603050405020304" pitchFamily="18" charset="0"/>
+              <a:ea typeface="Times New Roman" panose="02020603050405020304" pitchFamily="18" charset="0"/>
+            </a:endParaRPr>
+          </a:p>
+        </p:txBody>
+      </p:sp>
+      <p:sp>
+        <p:nvSpPr>
+          <p:cNvPr id="8" name="Rectangle 1">
+            <a:extLst>
+              <a:ext uri="{FF2B5EF4-FFF2-40B4-BE49-F238E27FC236}">
+                <a16:creationId xmlns:a16="http://schemas.microsoft.com/office/drawing/2014/main" id="{A921E72B-3BF6-F641-1F9B-840D2248BA85}"/>
+              </a:ext>
+            </a:extLst>
+          </p:cNvPr>
+          <p:cNvSpPr>
+            <a:spLocks noChangeArrowheads="1"/>
+          </p:cNvSpPr>
+          <p:nvPr/>
+        </p:nvSpPr>
+        <p:spPr bwMode="auto">
+          <a:xfrm>
+            <a:off x="0" y="328215"/>
+            <a:ext cx="6558443" cy="338554"/>
+          </a:xfrm>
+          <a:prstGeom prst="rect">
+            <a:avLst/>
+          </a:prstGeom>
+          <a:noFill/>
+          <a:ln>
+            <a:noFill/>
+          </a:ln>
+          <a:effectLst/>
+          <a:extLst>
+            <a:ext uri="{909E8E84-426E-40DD-AFC4-6F175D3DCCD1}">
+              <a14:hiddenFill xmlns:a14="http://schemas.microsoft.com/office/drawing/2010/main">
+                <a:solidFill>
+                  <a:schemeClr val="accent1"/>
+                </a:solidFill>
+              </a14:hiddenFill>
+            </a:ext>
+            <a:ext uri="{91240B29-F687-4F45-9708-019B960494DF}">
+              <a14:hiddenLine xmlns:a14="http://schemas.microsoft.com/office/drawing/2010/main" w="9525">
+                <a:solidFill>
+                  <a:schemeClr val="tx1"/>
+                </a:solidFill>
+                <a:miter lim="800000"/>
+                <a:headEnd/>
+                <a:tailEnd/>
+              </a14:hiddenLine>
+            </a:ext>
+            <a:ext uri="{AF507438-7753-43E0-B8FC-AC1667EBCBE1}">
+              <a14:hiddenEffects xmlns:a14="http://schemas.microsoft.com/office/drawing/2010/main">
+                <a:effectLst>
+                  <a:outerShdw dist="35921" dir="2700000" algn="ctr" rotWithShape="0">
+                    <a:schemeClr val="bg2"/>
+                  </a:outerShdw>
+                </a:effectLst>
+              </a14:hiddenEffects>
+            </a:ext>
+          </a:extLst>
+        </p:spPr>
+        <p:txBody>
+          <a:bodyPr vert="horz" wrap="square" lIns="91440" tIns="45720" rIns="91440" bIns="45720" numCol="1" anchor="ctr" anchorCtr="0" compatLnSpc="1">
+            <a:prstTxWarp prst="textNoShape">
+              <a:avLst/>
+            </a:prstTxWarp>
+            <a:spAutoFit/>
+          </a:bodyPr>
+          <a:lstStyle>
+            <a:lvl1pPr eaLnBrk="0" fontAlgn="base" hangingPunct="0">
+              <a:spcBef>
+                <a:spcPct val="0"/>
+              </a:spcBef>
+              <a:spcAft>
+                <a:spcPct val="0"/>
+              </a:spcAft>
+              <a:tabLst>
+                <a:tab pos="1514475" algn="l"/>
+              </a:tabLst>
+              <a:defRPr>
+                <a:solidFill>
+                  <a:schemeClr val="tx1"/>
+                </a:solidFill>
+                <a:latin typeface="Arial" panose="020B0604020202020204" pitchFamily="34" charset="0"/>
+              </a:defRPr>
+            </a:lvl1pPr>
+            <a:lvl2pPr eaLnBrk="0" fontAlgn="base" hangingPunct="0">
+              <a:spcBef>
+                <a:spcPct val="0"/>
+              </a:spcBef>
+              <a:spcAft>
+                <a:spcPct val="0"/>
+              </a:spcAft>
+              <a:tabLst>
+                <a:tab pos="1514475" algn="l"/>
+              </a:tabLst>
+              <a:defRPr>
+                <a:solidFill>
+                  <a:schemeClr val="tx1"/>
+                </a:solidFill>
+                <a:latin typeface="Arial" panose="020B0604020202020204" pitchFamily="34" charset="0"/>
+              </a:defRPr>
+            </a:lvl2pPr>
+            <a:lvl3pPr eaLnBrk="0" fontAlgn="base" hangingPunct="0">
+              <a:spcBef>
+                <a:spcPct val="0"/>
+              </a:spcBef>
+              <a:spcAft>
+                <a:spcPct val="0"/>
+              </a:spcAft>
+              <a:tabLst>
+                <a:tab pos="1514475" algn="l"/>
+              </a:tabLst>
+              <a:defRPr>
+                <a:solidFill>
+                  <a:schemeClr val="tx1"/>
+                </a:solidFill>
+                <a:latin typeface="Arial" panose="020B0604020202020204" pitchFamily="34" charset="0"/>
+              </a:defRPr>
+            </a:lvl3pPr>
+            <a:lvl4pPr eaLnBrk="0" fontAlgn="base" hangingPunct="0">
+              <a:spcBef>
+                <a:spcPct val="0"/>
+              </a:spcBef>
+              <a:spcAft>
+                <a:spcPct val="0"/>
+              </a:spcAft>
+              <a:tabLst>
+                <a:tab pos="1514475" algn="l"/>
+              </a:tabLst>
+              <a:defRPr>
+                <a:solidFill>
+                  <a:schemeClr val="tx1"/>
+                </a:solidFill>
+                <a:latin typeface="Arial" panose="020B0604020202020204" pitchFamily="34" charset="0"/>
+              </a:defRPr>
+            </a:lvl4pPr>
+            <a:lvl5pPr eaLnBrk="0" fontAlgn="base" hangingPunct="0">
+              <a:spcBef>
+                <a:spcPct val="0"/>
+              </a:spcBef>
+              <a:spcAft>
+                <a:spcPct val="0"/>
+              </a:spcAft>
+              <a:tabLst>
+                <a:tab pos="1514475" algn="l"/>
+              </a:tabLst>
+              <a:defRPr>
+                <a:solidFill>
+                  <a:schemeClr val="tx1"/>
+                </a:solidFill>
+                <a:latin typeface="Arial" panose="020B0604020202020204" pitchFamily="34" charset="0"/>
+              </a:defRPr>
+            </a:lvl5pPr>
+            <a:lvl6pPr eaLnBrk="0" fontAlgn="base" hangingPunct="0">
+              <a:spcBef>
+                <a:spcPct val="0"/>
+              </a:spcBef>
+              <a:spcAft>
+                <a:spcPct val="0"/>
+              </a:spcAft>
+              <a:tabLst>
+                <a:tab pos="1514475" algn="l"/>
+              </a:tabLst>
+              <a:defRPr>
+                <a:solidFill>
+                  <a:schemeClr val="tx1"/>
+                </a:solidFill>
+                <a:latin typeface="Arial" panose="020B0604020202020204" pitchFamily="34" charset="0"/>
+              </a:defRPr>
+            </a:lvl6pPr>
+            <a:lvl7pPr eaLnBrk="0" fontAlgn="base" hangingPunct="0">
+              <a:spcBef>
+                <a:spcPct val="0"/>
+              </a:spcBef>
+              <a:spcAft>
+                <a:spcPct val="0"/>
+              </a:spcAft>
+              <a:tabLst>
+                <a:tab pos="1514475" algn="l"/>
+              </a:tabLst>
+              <a:defRPr>
+                <a:solidFill>
+                  <a:schemeClr val="tx1"/>
+                </a:solidFill>
+                <a:latin typeface="Arial" panose="020B0604020202020204" pitchFamily="34" charset="0"/>
+              </a:defRPr>
+            </a:lvl7pPr>
+            <a:lvl8pPr eaLnBrk="0" fontAlgn="base" hangingPunct="0">
+              <a:spcBef>
+                <a:spcPct val="0"/>
+              </a:spcBef>
+              <a:spcAft>
+                <a:spcPct val="0"/>
+              </a:spcAft>
+              <a:tabLst>
+                <a:tab pos="1514475" algn="l"/>
+              </a:tabLst>
+              <a:defRPr>
+                <a:solidFill>
+                  <a:schemeClr val="tx1"/>
+                </a:solidFill>
+                <a:latin typeface="Arial" panose="020B0604020202020204" pitchFamily="34" charset="0"/>
+              </a:defRPr>
+            </a:lvl8pPr>
+            <a:lvl9pPr eaLnBrk="0" fontAlgn="base" hangingPunct="0">
+              <a:spcBef>
+                <a:spcPct val="0"/>
+              </a:spcBef>
+              <a:spcAft>
+                <a:spcPct val="0"/>
+              </a:spcAft>
+              <a:tabLst>
+                <a:tab pos="1514475" algn="l"/>
+              </a:tabLst>
+              <a:defRPr>
+                <a:solidFill>
+                  <a:schemeClr val="tx1"/>
+                </a:solidFill>
+                <a:latin typeface="Arial" panose="020B0604020202020204" pitchFamily="34" charset="0"/>
+              </a:defRPr>
+            </a:lvl9pPr>
+          </a:lstStyle>
+          <a:p>
+            <a:pPr marL="457200" marR="0" lvl="1" indent="0" algn="l" defTabSz="914400" rtl="0" eaLnBrk="0" fontAlgn="base" latinLnBrk="0" hangingPunct="0">
+              <a:lnSpc>
+                <a:spcPct val="100000"/>
+              </a:lnSpc>
+              <a:spcBef>
+                <a:spcPct val="0"/>
+              </a:spcBef>
+              <a:spcAft>
+                <a:spcPct val="0"/>
+              </a:spcAft>
+              <a:buClrTx/>
+              <a:buSzTx/>
+              <a:tabLst>
+                <a:tab pos="1514475" algn="l"/>
+              </a:tabLst>
+            </a:pPr>
+            <a:r>
+              <a:rPr kumimoji="0" lang="en-US" altLang="en-US" sz="1600" b="1" i="0" u="none" strike="noStrike" cap="none" normalizeH="0" baseline="0" dirty="0">
+                <a:ln>
+                  <a:noFill/>
+                </a:ln>
+                <a:solidFill>
+                  <a:schemeClr val="tx1"/>
+                </a:solidFill>
+                <a:effectLst/>
+                <a:latin typeface="Arial" panose="020B0604020202020204" pitchFamily="34" charset="0"/>
+                <a:ea typeface="Times New Roman" panose="02020603050405020304" pitchFamily="18" charset="0"/>
+              </a:rPr>
+              <a:t>6.2 Performance parameters outcomes</a:t>
+            </a:r>
+            <a:endParaRPr kumimoji="0" lang="en-US" altLang="en-US" sz="1600" b="1" i="0" u="none" strike="noStrike" cap="none" normalizeH="0" baseline="0" dirty="0">
+              <a:ln>
+                <a:noFill/>
+              </a:ln>
+              <a:solidFill>
+                <a:schemeClr val="tx1"/>
+              </a:solidFill>
+              <a:effectLst/>
+              <a:latin typeface="Arial" panose="020B0604020202020204" pitchFamily="34" charset="0"/>
+            </a:endParaRPr>
+          </a:p>
+        </p:txBody>
+      </p:sp>
+    </p:spTree>
+    <p:extLst>
+      <p:ext uri="{BB962C8B-B14F-4D97-AF65-F5344CB8AC3E}">
+        <p14:creationId xmlns:p14="http://schemas.microsoft.com/office/powerpoint/2010/main" val="3491433412"/>
+      </p:ext>
+    </p:extLst>
+  </p:cSld>
+  <p:clrMapOvr>
+    <a:masterClrMapping/>
+  </p:clrMapOvr>
+</p:sld>
+</file>
+
+<file path=ppt/slides/slide15.xml><?xml version="1.0" encoding="utf-8"?>
+<p:sld xmlns:a="http://schemas.openxmlformats.org/drawingml/2006/main" xmlns:r="http://schemas.openxmlformats.org/officeDocument/2006/relationships" xmlns:p="http://schemas.openxmlformats.org/presentationml/2006/main">
+  <p:cSld>
+    <p:spTree>
+      <p:nvGrpSpPr>
+        <p:cNvPr id="1" name=""/>
+        <p:cNvGrpSpPr/>
+        <p:nvPr/>
+      </p:nvGrpSpPr>
+      <p:grpSpPr>
+        <a:xfrm>
+          <a:off x="0" y="0"/>
+          <a:ext cx="0" cy="0"/>
+          <a:chOff x="0" y="0"/>
+          <a:chExt cx="0" cy="0"/>
+        </a:xfrm>
+      </p:grpSpPr>
       <p:sp>
         <p:nvSpPr>
           <p:cNvPr id="4" name="TextBox 3">
@@ -4050,17 +8785,118 @@
               <a:t>Fig. 5. </a:t>
             </a:r>
             <a:r>
-              <a:rPr lang="en-GB" dirty="0">
+              <a:rPr lang="en-US" sz="1800" dirty="0">
+                <a:effectLst/>
                 <a:latin typeface="Times New Roman" panose="02020603050405020304" pitchFamily="18" charset="0"/>
                 <a:ea typeface="Times New Roman" panose="02020603050405020304" pitchFamily="18" charset="0"/>
               </a:rPr>
-              <a:t>Performance Parameter graph</a:t>
+              <a:t>processed image versus decoded image</a:t>
             </a:r>
             <a:endParaRPr lang="en-IN" sz="1800" dirty="0">
               <a:effectLst/>
               <a:latin typeface="Times New Roman" panose="02020603050405020304" pitchFamily="18" charset="0"/>
               <a:ea typeface="Times New Roman" panose="02020603050405020304" pitchFamily="18" charset="0"/>
             </a:endParaRPr>
+          </a:p>
+        </p:txBody>
+      </p:sp>
+      <p:pic>
+        <p:nvPicPr>
+          <p:cNvPr id="9" name="Picture 8">
+            <a:extLst>
+              <a:ext uri="{FF2B5EF4-FFF2-40B4-BE49-F238E27FC236}">
+                <a16:creationId xmlns:a16="http://schemas.microsoft.com/office/drawing/2014/main" id="{9831991D-88DB-BC04-0DE4-3CD657F1C84F}"/>
+              </a:ext>
+            </a:extLst>
+          </p:cNvPr>
+          <p:cNvPicPr>
+            <a:picLocks noChangeAspect="1"/>
+          </p:cNvPicPr>
+          <p:nvPr/>
+        </p:nvPicPr>
+        <p:blipFill>
+          <a:blip r:embed="rId2"/>
+          <a:stretch>
+            <a:fillRect/>
+          </a:stretch>
+        </p:blipFill>
+        <p:spPr>
+          <a:xfrm>
+            <a:off x="3257077" y="740704"/>
+            <a:ext cx="3566469" cy="3863675"/>
+          </a:xfrm>
+          <a:prstGeom prst="rect">
+            <a:avLst/>
+          </a:prstGeom>
+        </p:spPr>
+      </p:pic>
+      <p:sp>
+        <p:nvSpPr>
+          <p:cNvPr id="10" name="TextBox 9">
+            <a:extLst>
+              <a:ext uri="{FF2B5EF4-FFF2-40B4-BE49-F238E27FC236}">
+                <a16:creationId xmlns:a16="http://schemas.microsoft.com/office/drawing/2014/main" id="{A65B6C82-837B-648C-AAA4-6E547EA9F8A2}"/>
+              </a:ext>
+            </a:extLst>
+          </p:cNvPr>
+          <p:cNvSpPr txBox="1"/>
+          <p:nvPr/>
+        </p:nvSpPr>
+        <p:spPr>
+          <a:xfrm>
+            <a:off x="3296499" y="549980"/>
+            <a:ext cx="1369286" cy="276999"/>
+          </a:xfrm>
+          <a:prstGeom prst="rect">
+            <a:avLst/>
+          </a:prstGeom>
+          <a:noFill/>
+        </p:spPr>
+        <p:txBody>
+          <a:bodyPr wrap="none" rtlCol="0">
+            <a:spAutoFit/>
+          </a:bodyPr>
+          <a:lstStyle/>
+          <a:p>
+            <a:r>
+              <a:rPr lang="en-IN" sz="1200" dirty="0"/>
+              <a:t>Processed image</a:t>
+            </a:r>
+          </a:p>
+        </p:txBody>
+      </p:sp>
+      <p:sp>
+        <p:nvSpPr>
+          <p:cNvPr id="12" name="TextBox 11">
+            <a:extLst>
+              <a:ext uri="{FF2B5EF4-FFF2-40B4-BE49-F238E27FC236}">
+                <a16:creationId xmlns:a16="http://schemas.microsoft.com/office/drawing/2014/main" id="{0BC0EE36-1984-6C72-3C27-1F32029AD302}"/>
+              </a:ext>
+            </a:extLst>
+          </p:cNvPr>
+          <p:cNvSpPr txBox="1"/>
+          <p:nvPr/>
+        </p:nvSpPr>
+        <p:spPr>
+          <a:xfrm>
+            <a:off x="5172047" y="549979"/>
+            <a:ext cx="1257075" cy="276999"/>
+          </a:xfrm>
+          <a:prstGeom prst="rect">
+            <a:avLst/>
+          </a:prstGeom>
+          <a:noFill/>
+        </p:spPr>
+        <p:txBody>
+          <a:bodyPr wrap="none" rtlCol="0">
+            <a:spAutoFit/>
+          </a:bodyPr>
+          <a:lstStyle/>
+          <a:p>
+            <a:r>
+              <a:rPr lang="en-IN" sz="1200" dirty="0"/>
+              <a:t>Decoded image</a:t>
+            </a:r>
           </a:p>
         </p:txBody>
       </p:sp>
@@ -4072,7 +8908,7 @@
 </p:sld>
 </file>
 
-<file path=ppt/slides/slide14.xml><?xml version="1.0" encoding="utf-8"?>
+<file path=ppt/slides/slide16.xml><?xml version="1.0" encoding="utf-8"?>
 <p:sld xmlns:a="http://schemas.openxmlformats.org/drawingml/2006/main" xmlns:r="http://schemas.openxmlformats.org/officeDocument/2006/relationships" xmlns:p="http://schemas.openxmlformats.org/presentationml/2006/main">
   <p:cSld>
     <p:spTree>
@@ -4118,7 +8954,7 @@
             <a:pPr algn="l"/>
             <a:r>
               <a:rPr lang="en-GB" sz="2400" dirty="0"/>
-              <a:t>2.1 Comparative Study</a:t>
+              <a:t>7. Comparative Study</a:t>
             </a:r>
             <a:endParaRPr lang="en-IN" sz="2400" dirty="0"/>
           </a:p>
@@ -4139,13 +8975,13 @@
           <p:nvPr>
             <p:extLst>
               <p:ext uri="{D42A27DB-BD31-4B8C-83A1-F6EECF244321}">
-                <p14:modId xmlns:p14="http://schemas.microsoft.com/office/powerpoint/2010/main" val="2827524467"/>
+                <p14:modId xmlns:p14="http://schemas.microsoft.com/office/powerpoint/2010/main" val="3116053804"/>
               </p:ext>
             </p:extLst>
           </p:nvPr>
         </p:nvGraphicFramePr>
         <p:xfrm>
-          <a:off x="1613268" y="1046137"/>
+          <a:off x="1613268" y="1141285"/>
           <a:ext cx="6726263" cy="2793222"/>
         </p:xfrm>
         <a:graphic>
@@ -5058,8 +9894,8 @@
         </p:nvSpPr>
         <p:spPr bwMode="auto">
           <a:xfrm>
-            <a:off x="3014613" y="3925926"/>
-            <a:ext cx="4051397" cy="246221"/>
+            <a:off x="3014613" y="4221488"/>
+            <a:ext cx="4051397" cy="307777"/>
           </a:xfrm>
           <a:prstGeom prst="rect">
             <a:avLst/>
@@ -5280,7 +10116,7 @@
               </a:tabLst>
             </a:pPr>
             <a:r>
-              <a:rPr kumimoji="0" lang="en-US" altLang="en-US" sz="1000" b="1" i="0" u="none" strike="noStrike" cap="none" normalizeH="0" baseline="0" dirty="0">
+              <a:rPr kumimoji="0" lang="en-US" altLang="en-US" sz="1400" b="1" i="0" u="none" strike="noStrike" cap="none" normalizeH="0" baseline="0" dirty="0">
                 <a:ln>
                   <a:noFill/>
                 </a:ln>
@@ -5291,10 +10127,10 @@
                 <a:latin typeface="Arial" panose="020B0604020202020204" pitchFamily="34" charset="0"/>
                 <a:ea typeface="Times New Roman" panose="02020603050405020304" pitchFamily="18" charset="0"/>
               </a:rPr>
-              <a:t>Table 5: </a:t>
-            </a:r>
-            <a:r>
-              <a:rPr kumimoji="0" lang="en-US" altLang="en-US" sz="1000" b="0" i="0" u="none" strike="noStrike" cap="none" normalizeH="0" baseline="0" dirty="0">
+              <a:t>Table 6: </a:t>
+            </a:r>
+            <a:r>
+              <a:rPr kumimoji="0" lang="en-US" altLang="en-US" sz="1400" b="0" i="0" u="none" strike="noStrike" cap="none" normalizeH="0" baseline="0" dirty="0">
                 <a:ln>
                   <a:noFill/>
                 </a:ln>
@@ -5307,7 +10143,7 @@
               </a:rPr>
               <a:t>Comparison chart</a:t>
             </a:r>
-            <a:endParaRPr kumimoji="0" lang="en-US" altLang="en-US" sz="1800" b="0" i="0" u="none" strike="noStrike" cap="none" normalizeH="0" baseline="0" dirty="0">
+            <a:endParaRPr kumimoji="0" lang="en-US" altLang="en-US" sz="1400" b="0" i="0" u="none" strike="noStrike" cap="none" normalizeH="0" baseline="0" dirty="0">
               <a:ln>
                 <a:noFill/>
               </a:ln>
@@ -5333,7 +10169,7 @@
 </p:sld>
 </file>
 
-<file path=ppt/slides/slide15.xml><?xml version="1.0" encoding="utf-8"?>
+<file path=ppt/slides/slide17.xml><?xml version="1.0" encoding="utf-8"?>
 <p:sld xmlns:a="http://schemas.openxmlformats.org/drawingml/2006/main" xmlns:r="http://schemas.openxmlformats.org/officeDocument/2006/relationships" xmlns:p="http://schemas.openxmlformats.org/presentationml/2006/main">
   <p:cSld>
     <p:spTree>
@@ -5375,9 +10211,8 @@
           </a:bodyPr>
           <a:lstStyle/>
           <a:p>
-            <a:pPr algn="ctr"/>
-            <a:r>
-              <a:rPr lang="en-IN" sz="3200" b="0" strike="noStrike" spc="-1" dirty="0">
+            <a:r>
+              <a:rPr lang="en-IN" sz="2000" b="0" strike="noStrike" spc="-1" dirty="0">
                 <a:latin typeface="Arial" panose="020B0604020202020204"/>
               </a:rPr>
               <a:t>8. Conclusion, Novelty, Application &amp; Future scope</a:t>
@@ -5524,8 +10359,8 @@
         </p:nvSpPr>
         <p:spPr>
           <a:xfrm>
-            <a:off x="229450" y="1247654"/>
-            <a:ext cx="9620739" cy="2954655"/>
+            <a:off x="504001" y="1270902"/>
+            <a:ext cx="9071640" cy="2954655"/>
           </a:xfrm>
           <a:prstGeom prst="rect">
             <a:avLst/>
@@ -5539,11 +10374,18 @@
           <a:lstStyle/>
           <a:p>
             <a:r>
-              <a:rPr lang="en-IN" sz="2400" b="1" dirty="0">
+              <a:rPr lang="en-IN" b="1" dirty="0">
                 <a:latin typeface="Times New Roman" panose="02020603050405020304" pitchFamily="18" charset="0"/>
                 <a:cs typeface="Times New Roman" panose="02020603050405020304" pitchFamily="18" charset="0"/>
               </a:rPr>
-              <a:t>8.1 Conclusion</a:t>
+              <a:t>8.1 </a:t>
+            </a:r>
+            <a:r>
+              <a:rPr lang="en-IN" sz="2000" b="1" dirty="0">
+                <a:latin typeface="Times New Roman" panose="02020603050405020304" pitchFamily="18" charset="0"/>
+                <a:cs typeface="Times New Roman" panose="02020603050405020304" pitchFamily="18" charset="0"/>
+              </a:rPr>
+              <a:t>Conclusion</a:t>
             </a:r>
           </a:p>
           <a:p>
@@ -5552,14 +10394,14 @@
               <a:buAutoNum type="arabicPeriod"/>
             </a:pPr>
             <a:r>
-              <a:rPr lang="en-US" sz="1800" dirty="0">
+              <a:rPr lang="en-US" dirty="0">
                 <a:effectLst/>
                 <a:latin typeface="Times New Roman" panose="02020603050405020304" pitchFamily="18" charset="0"/>
                 <a:ea typeface="Times New Roman" panose="02020603050405020304" pitchFamily="18" charset="0"/>
               </a:rPr>
               <a:t>This algorithm is capable of compressing and storing generated images from medical equipment contained in the Custom hydrocephalus dataset, collected from the web resource.</a:t>
             </a:r>
-            <a:endParaRPr lang="en-US" sz="1800" dirty="0">
+            <a:endParaRPr lang="en-US" dirty="0">
               <a:latin typeface="Times New Roman" panose="02020603050405020304" pitchFamily="18" charset="0"/>
               <a:cs typeface="Times New Roman" panose="02020603050405020304" pitchFamily="18" charset="0"/>
             </a:endParaRPr>
@@ -5570,25 +10412,11 @@
               <a:buAutoNum type="arabicPeriod"/>
             </a:pPr>
             <a:r>
-              <a:rPr lang="en-US" sz="1800" dirty="0">
+              <a:rPr lang="en-US" dirty="0">
                 <a:latin typeface="Times New Roman" panose="02020603050405020304" pitchFamily="18" charset="0"/>
                 <a:cs typeface="Times New Roman" panose="02020603050405020304" pitchFamily="18" charset="0"/>
               </a:rPr>
-              <a:t>It also generates an </a:t>
-            </a:r>
-            <a:r>
-              <a:rPr lang="en-US" dirty="0">
-                <a:latin typeface="Times New Roman" panose="02020603050405020304" pitchFamily="18" charset="0"/>
-                <a:cs typeface="Times New Roman" panose="02020603050405020304" pitchFamily="18" charset="0"/>
-              </a:rPr>
-              <a:t>Compression ratio</a:t>
-            </a:r>
-            <a:r>
-              <a:rPr lang="en-US" sz="1800" dirty="0">
-                <a:latin typeface="Times New Roman" panose="02020603050405020304" pitchFamily="18" charset="0"/>
-                <a:cs typeface="Times New Roman" panose="02020603050405020304" pitchFamily="18" charset="0"/>
-              </a:rPr>
-              <a:t> through which we compare our proposed method with existing methods. </a:t>
+              <a:t>It also generates an Compression ratio through which we compare our proposed method with existing methods. </a:t>
             </a:r>
           </a:p>
           <a:p>
@@ -5597,14 +10425,14 @@
               <a:buAutoNum type="arabicPeriod"/>
             </a:pPr>
             <a:r>
-              <a:rPr lang="en-US" sz="1800" dirty="0">
+              <a:rPr lang="en-US" dirty="0">
                 <a:latin typeface="Times New Roman" panose="02020603050405020304" pitchFamily="18" charset="0"/>
                 <a:cs typeface="Times New Roman" panose="02020603050405020304" pitchFamily="18" charset="0"/>
               </a:rPr>
               <a:t>The experiment result shows that after applying the proposed method and existing method on the </a:t>
             </a:r>
             <a:r>
-              <a:rPr lang="en-US" sz="1800" dirty="0">
+              <a:rPr lang="en-US" dirty="0">
                 <a:effectLst/>
                 <a:latin typeface="Times New Roman" panose="02020603050405020304" pitchFamily="18" charset="0"/>
                 <a:ea typeface="Times New Roman" panose="02020603050405020304" pitchFamily="18" charset="0"/>
@@ -5612,23 +10440,12 @@
               <a:t>Custom hydrocephalus dataset</a:t>
             </a:r>
             <a:r>
-              <a:rPr lang="en-US" sz="1800" dirty="0">
+              <a:rPr lang="en-US" dirty="0">
                 <a:latin typeface="Times New Roman" panose="02020603050405020304" pitchFamily="18" charset="0"/>
                 <a:cs typeface="Times New Roman" panose="02020603050405020304" pitchFamily="18" charset="0"/>
               </a:rPr>
-              <a:t>, our technique is producing </a:t>
-            </a:r>
-            <a:r>
-              <a:rPr lang="en-US" dirty="0">
-                <a:latin typeface="Times New Roman" panose="02020603050405020304" pitchFamily="18" charset="0"/>
-                <a:cs typeface="Times New Roman" panose="02020603050405020304" pitchFamily="18" charset="0"/>
-              </a:rPr>
-              <a:t>a Compression ratio of approximately 1.4593%</a:t>
-            </a:r>
-            <a:endParaRPr lang="en-US" sz="1800" dirty="0">
-              <a:latin typeface="Times New Roman" panose="02020603050405020304" pitchFamily="18" charset="0"/>
-              <a:cs typeface="Times New Roman" panose="02020603050405020304" pitchFamily="18" charset="0"/>
-            </a:endParaRPr>
+              <a:t>, our technique is producing a Compression ratio of approximately 1.4593%</a:t>
+            </a:r>
           </a:p>
           <a:p>
             <a:pPr marL="342900" indent="-342900" algn="just">
@@ -5636,13 +10453,13 @@
               <a:buAutoNum type="arabicPeriod"/>
             </a:pPr>
             <a:r>
-              <a:rPr lang="en-US" sz="1800" dirty="0">
+              <a:rPr lang="en-US" dirty="0">
                 <a:latin typeface="Times New Roman" panose="02020603050405020304" pitchFamily="18" charset="0"/>
                 <a:cs typeface="Times New Roman" panose="02020603050405020304" pitchFamily="18" charset="0"/>
               </a:rPr>
               <a:t>This result is considered satisfactory and based on this result we can say that the proposed method is efficient.</a:t>
             </a:r>
-            <a:endParaRPr lang="en-IN" sz="1800" b="1" dirty="0">
+            <a:endParaRPr lang="en-IN" b="1" dirty="0">
               <a:latin typeface="Times New Roman" panose="02020603050405020304" pitchFamily="18" charset="0"/>
               <a:cs typeface="Times New Roman" panose="02020603050405020304" pitchFamily="18" charset="0"/>
             </a:endParaRPr>
@@ -5657,7 +10474,7 @@
 </p:sld>
 </file>
 
-<file path=ppt/slides/slide16.xml><?xml version="1.0" encoding="utf-8"?>
+<file path=ppt/slides/slide18.xml><?xml version="1.0" encoding="utf-8"?>
 <p:sld xmlns:a="http://schemas.openxmlformats.org/drawingml/2006/main" xmlns:r="http://schemas.openxmlformats.org/officeDocument/2006/relationships" xmlns:p="http://schemas.openxmlformats.org/presentationml/2006/main">
   <p:cSld>
     <p:spTree>
@@ -5689,7 +10506,7 @@
         <p:spPr>
           <a:xfrm>
             <a:off x="426304" y="750449"/>
-            <a:ext cx="9228015" cy="3641797"/>
+            <a:ext cx="9228015" cy="3559949"/>
           </a:xfrm>
           <a:prstGeom prst="rect">
             <a:avLst/>
@@ -5711,6 +10528,7 @@
             </a:r>
           </a:p>
           <a:p>
+            <a:pPr algn="just"/>
             <a:r>
               <a:rPr lang="en-US" sz="1600" dirty="0">
                 <a:latin typeface="Times New Roman" panose="02020603050405020304" pitchFamily="18" charset="0"/>
@@ -5720,13 +10538,13 @@
             </a:r>
           </a:p>
           <a:p>
-            <a:endParaRPr lang="en-IN" sz="1600" b="1" dirty="0">
+            <a:endParaRPr lang="en-IN" sz="2000" b="1" baseline="-25000" dirty="0">
               <a:latin typeface="Times New Roman" panose="02020603050405020304" pitchFamily="18" charset="0"/>
               <a:cs typeface="Times New Roman" panose="02020603050405020304" pitchFamily="18" charset="0"/>
             </a:endParaRPr>
           </a:p>
           <a:p>
-            <a:endParaRPr lang="en-IN" sz="2000" b="1" dirty="0">
+            <a:endParaRPr lang="en-IN" sz="2800" b="1" baseline="-25000" dirty="0">
               <a:latin typeface="Times New Roman" panose="02020603050405020304" pitchFamily="18" charset="0"/>
               <a:cs typeface="Times New Roman" panose="02020603050405020304" pitchFamily="18" charset="0"/>
             </a:endParaRPr>
@@ -5741,6 +10559,7 @@
             </a:r>
           </a:p>
           <a:p>
+            <a:pPr algn="just"/>
             <a:r>
               <a:rPr lang="en-US" sz="1600" dirty="0">
                 <a:latin typeface="Times New Roman" panose="02020603050405020304" pitchFamily="18" charset="0"/>
@@ -5750,13 +10569,13 @@
             </a:r>
           </a:p>
           <a:p>
-            <a:endParaRPr lang="en-US" sz="2000" b="1" dirty="0">
+            <a:endParaRPr lang="en-US" sz="2800" b="1" baseline="-25000" dirty="0">
               <a:latin typeface="Times New Roman" panose="02020603050405020304" pitchFamily="18" charset="0"/>
               <a:cs typeface="Times New Roman" panose="02020603050405020304" pitchFamily="18" charset="0"/>
             </a:endParaRPr>
           </a:p>
           <a:p>
-            <a:endParaRPr lang="en-US" sz="2000" b="1" dirty="0">
+            <a:endParaRPr lang="en-US" sz="2800" b="1" baseline="-25000" dirty="0">
               <a:latin typeface="Times New Roman" panose="02020603050405020304" pitchFamily="18" charset="0"/>
               <a:cs typeface="Times New Roman" panose="02020603050405020304" pitchFamily="18" charset="0"/>
             </a:endParaRPr>
@@ -5771,6 +10590,7 @@
             </a:r>
           </a:p>
           <a:p>
+            <a:pPr algn="just"/>
             <a:r>
               <a:rPr lang="en-US" sz="1600" dirty="0">
                 <a:latin typeface="Times New Roman" panose="02020603050405020304" pitchFamily="18" charset="0"/>
@@ -5798,7 +10618,7 @@
 </p:sld>
 </file>
 
-<file path=ppt/slides/slide17.xml><?xml version="1.0" encoding="utf-8"?>
+<file path=ppt/slides/slide19.xml><?xml version="1.0" encoding="utf-8"?>
 <p:sld xmlns:a="http://schemas.openxmlformats.org/drawingml/2006/main" xmlns:r="http://schemas.openxmlformats.org/officeDocument/2006/relationships" xmlns:p="http://schemas.openxmlformats.org/presentationml/2006/main">
   <p:cSld>
     <p:spTree>
@@ -5823,7 +10643,7 @@
         </p:nvSpPr>
         <p:spPr>
           <a:xfrm>
-            <a:off x="504000" y="163557"/>
+            <a:off x="123944" y="210051"/>
             <a:ext cx="9071640" cy="414782"/>
           </a:xfrm>
           <a:prstGeom prst="rect">
@@ -5840,9 +10660,8 @@
           </a:bodyPr>
           <a:lstStyle/>
           <a:p>
-            <a:pPr algn="ctr"/>
-            <a:r>
-              <a:rPr lang="en-IN" sz="2800" b="0" strike="noStrike" spc="-1" dirty="0">
+            <a:r>
+              <a:rPr lang="en-IN" sz="2400" b="0" strike="noStrike" spc="-1" dirty="0">
                 <a:latin typeface="Arial" panose="020B0604020202020204"/>
               </a:rPr>
               <a:t>9. References</a:t>
@@ -6429,7 +11248,384 @@
 </p:sld>
 </file>
 
-<file path=ppt/slides/slide18.xml><?xml version="1.0" encoding="utf-8"?>
+<file path=ppt/slides/slide2.xml><?xml version="1.0" encoding="utf-8"?>
+<p:sld xmlns:a="http://schemas.openxmlformats.org/drawingml/2006/main" xmlns:r="http://schemas.openxmlformats.org/officeDocument/2006/relationships" xmlns:p="http://schemas.openxmlformats.org/presentationml/2006/main">
+  <p:cSld>
+    <p:spTree>
+      <p:nvGrpSpPr>
+        <p:cNvPr id="1" name=""/>
+        <p:cNvGrpSpPr/>
+        <p:nvPr/>
+      </p:nvGrpSpPr>
+      <p:grpSpPr>
+        <a:xfrm>
+          <a:off x="0" y="0"/>
+          <a:ext cx="0" cy="0"/>
+          <a:chOff x="0" y="0"/>
+          <a:chExt cx="0" cy="0"/>
+        </a:xfrm>
+      </p:grpSpPr>
+      <p:sp>
+        <p:nvSpPr>
+          <p:cNvPr id="5" name="Title 2">
+            <a:extLst>
+              <a:ext uri="{FF2B5EF4-FFF2-40B4-BE49-F238E27FC236}">
+                <a16:creationId xmlns:a16="http://schemas.microsoft.com/office/drawing/2014/main" id="{0D7B4098-FCC5-A890-8551-CB2A429BEC44}"/>
+              </a:ext>
+            </a:extLst>
+          </p:cNvPr>
+          <p:cNvSpPr txBox="1">
+            <a:spLocks/>
+          </p:cNvSpPr>
+          <p:nvPr/>
+        </p:nvSpPr>
+        <p:spPr>
+          <a:xfrm>
+            <a:off x="760708" y="273236"/>
+            <a:ext cx="3706108" cy="610863"/>
+          </a:xfrm>
+          <a:prstGeom prst="rect">
+            <a:avLst/>
+          </a:prstGeom>
+        </p:spPr>
+        <p:txBody>
+          <a:bodyPr vert="horz" lIns="0" tIns="0" rIns="0" bIns="0" rtlCol="0" anchor="b">
+            <a:normAutofit/>
+          </a:bodyPr>
+          <a:lstStyle>
+            <a:lvl1pPr algn="l" defTabSz="914400" rtl="0" eaLnBrk="1" latinLnBrk="0" hangingPunct="1">
+              <a:lnSpc>
+                <a:spcPct val="90000"/>
+              </a:lnSpc>
+              <a:spcBef>
+                <a:spcPct val="0"/>
+              </a:spcBef>
+              <a:buNone/>
+              <a:defRPr sz="6000" b="1" i="0" kern="1200" spc="100" baseline="0">
+                <a:solidFill>
+                  <a:schemeClr val="bg1"/>
+                </a:solidFill>
+                <a:latin typeface="+mj-lt"/>
+                <a:ea typeface="+mj-ea"/>
+                <a:cs typeface="+mj-cs"/>
+              </a:defRPr>
+            </a:lvl1pPr>
+            <a:lvl2pPr eaLnBrk="1" hangingPunct="1">
+              <a:defRPr>
+                <a:solidFill>
+                  <a:schemeClr val="tx2"/>
+                </a:solidFill>
+              </a:defRPr>
+            </a:lvl2pPr>
+            <a:lvl3pPr eaLnBrk="1" hangingPunct="1">
+              <a:defRPr>
+                <a:solidFill>
+                  <a:schemeClr val="tx2"/>
+                </a:solidFill>
+              </a:defRPr>
+            </a:lvl3pPr>
+            <a:lvl4pPr eaLnBrk="1" hangingPunct="1">
+              <a:defRPr>
+                <a:solidFill>
+                  <a:schemeClr val="tx2"/>
+                </a:solidFill>
+              </a:defRPr>
+            </a:lvl4pPr>
+            <a:lvl5pPr eaLnBrk="1" hangingPunct="1">
+              <a:defRPr>
+                <a:solidFill>
+                  <a:schemeClr val="tx2"/>
+                </a:solidFill>
+              </a:defRPr>
+            </a:lvl5pPr>
+            <a:lvl6pPr eaLnBrk="1" hangingPunct="1">
+              <a:defRPr>
+                <a:solidFill>
+                  <a:schemeClr val="tx2"/>
+                </a:solidFill>
+              </a:defRPr>
+            </a:lvl6pPr>
+            <a:lvl7pPr eaLnBrk="1" hangingPunct="1">
+              <a:defRPr>
+                <a:solidFill>
+                  <a:schemeClr val="tx2"/>
+                </a:solidFill>
+              </a:defRPr>
+            </a:lvl7pPr>
+            <a:lvl8pPr eaLnBrk="1" hangingPunct="1">
+              <a:defRPr>
+                <a:solidFill>
+                  <a:schemeClr val="tx2"/>
+                </a:solidFill>
+              </a:defRPr>
+            </a:lvl8pPr>
+            <a:lvl9pPr eaLnBrk="1" hangingPunct="1">
+              <a:defRPr>
+                <a:solidFill>
+                  <a:schemeClr val="tx2"/>
+                </a:solidFill>
+              </a:defRPr>
+            </a:lvl9pPr>
+          </a:lstStyle>
+          <a:p>
+            <a:r>
+              <a:rPr lang="en-US" sz="3200" dirty="0">
+                <a:solidFill>
+                  <a:schemeClr val="tx1"/>
+                </a:solidFill>
+                <a:latin typeface="Times New Roman" panose="02020603050405020304" pitchFamily="18" charset="0"/>
+                <a:cs typeface="Times New Roman" panose="02020603050405020304" pitchFamily="18" charset="0"/>
+              </a:rPr>
+              <a:t>Contents </a:t>
+            </a:r>
+            <a:endParaRPr lang="en-IN" sz="3200" dirty="0">
+              <a:solidFill>
+                <a:schemeClr val="tx1"/>
+              </a:solidFill>
+              <a:latin typeface="Times New Roman" panose="02020603050405020304" pitchFamily="18" charset="0"/>
+              <a:cs typeface="Times New Roman" panose="02020603050405020304" pitchFamily="18" charset="0"/>
+            </a:endParaRPr>
+          </a:p>
+        </p:txBody>
+      </p:sp>
+      <p:sp>
+        <p:nvSpPr>
+          <p:cNvPr id="6" name="TextBox 5">
+            <a:extLst>
+              <a:ext uri="{FF2B5EF4-FFF2-40B4-BE49-F238E27FC236}">
+                <a16:creationId xmlns:a16="http://schemas.microsoft.com/office/drawing/2014/main" id="{F3F92404-C2F5-E02B-8F9D-E7E94D461657}"/>
+              </a:ext>
+            </a:extLst>
+          </p:cNvPr>
+          <p:cNvSpPr txBox="1"/>
+          <p:nvPr/>
+        </p:nvSpPr>
+        <p:spPr>
+          <a:xfrm>
+            <a:off x="4602997" y="900013"/>
+            <a:ext cx="4974955" cy="4031873"/>
+          </a:xfrm>
+          <a:prstGeom prst="rect">
+            <a:avLst/>
+          </a:prstGeom>
+          <a:noFill/>
+        </p:spPr>
+        <p:txBody>
+          <a:bodyPr wrap="square" rtlCol="0">
+            <a:spAutoFit/>
+          </a:bodyPr>
+          <a:lstStyle/>
+          <a:p>
+            <a:pPr marL="342900" indent="-342900">
+              <a:buFont typeface="+mj-lt"/>
+              <a:buAutoNum type="arabicPeriod"/>
+            </a:pPr>
+            <a:r>
+              <a:rPr lang="en-US" sz="1600" dirty="0">
+                <a:latin typeface="Times New Roman" panose="02020603050405020304" pitchFamily="18" charset="0"/>
+                <a:cs typeface="Times New Roman" panose="02020603050405020304" pitchFamily="18" charset="0"/>
+              </a:rPr>
+              <a:t>Introduction </a:t>
+            </a:r>
+          </a:p>
+          <a:p>
+            <a:pPr lvl="1"/>
+            <a:r>
+              <a:rPr lang="en-US" sz="1600" dirty="0">
+                <a:latin typeface="Times New Roman" panose="02020603050405020304" pitchFamily="18" charset="0"/>
+                <a:cs typeface="Times New Roman" panose="02020603050405020304" pitchFamily="18" charset="0"/>
+              </a:rPr>
+              <a:t>1.1.	Background and motivation</a:t>
+            </a:r>
+          </a:p>
+          <a:p>
+            <a:pPr lvl="1"/>
+            <a:r>
+              <a:rPr lang="en-US" sz="1600" dirty="0">
+                <a:latin typeface="Times New Roman" panose="02020603050405020304" pitchFamily="18" charset="0"/>
+                <a:cs typeface="Times New Roman" panose="02020603050405020304" pitchFamily="18" charset="0"/>
+              </a:rPr>
+              <a:t>1.2.	Objective</a:t>
+            </a:r>
+            <a:endParaRPr lang="en-IN" sz="1600" dirty="0">
+              <a:latin typeface="Times New Roman" panose="02020603050405020304" pitchFamily="18" charset="0"/>
+              <a:cs typeface="Times New Roman" panose="02020603050405020304" pitchFamily="18" charset="0"/>
+            </a:endParaRPr>
+          </a:p>
+          <a:p>
+            <a:pPr marL="342900" indent="-342900">
+              <a:buFont typeface="+mj-lt"/>
+              <a:buAutoNum type="arabicPeriod"/>
+            </a:pPr>
+            <a:r>
+              <a:rPr lang="en-US" sz="1600" dirty="0">
+                <a:latin typeface="Times New Roman" panose="02020603050405020304" pitchFamily="18" charset="0"/>
+                <a:cs typeface="Times New Roman" panose="02020603050405020304" pitchFamily="18" charset="0"/>
+              </a:rPr>
+              <a:t>Literature survey </a:t>
+            </a:r>
+          </a:p>
+          <a:p>
+            <a:pPr marL="342900" indent="-342900">
+              <a:buFont typeface="+mj-lt"/>
+              <a:buAutoNum type="arabicPeriod"/>
+            </a:pPr>
+            <a:r>
+              <a:rPr lang="en-US" sz="1600" dirty="0">
+                <a:latin typeface="Times New Roman" panose="02020603050405020304" pitchFamily="18" charset="0"/>
+                <a:cs typeface="Times New Roman" panose="02020603050405020304" pitchFamily="18" charset="0"/>
+              </a:rPr>
+              <a:t>Built-in architecture</a:t>
+            </a:r>
+          </a:p>
+          <a:p>
+            <a:pPr marL="342900" indent="-342900">
+              <a:buFont typeface="+mj-lt"/>
+              <a:buAutoNum type="arabicPeriod"/>
+            </a:pPr>
+            <a:r>
+              <a:rPr lang="en-US" sz="1600" dirty="0">
+                <a:latin typeface="Times New Roman" panose="02020603050405020304" pitchFamily="18" charset="0"/>
+                <a:cs typeface="Times New Roman" panose="02020603050405020304" pitchFamily="18" charset="0"/>
+              </a:rPr>
+              <a:t>Algorithms</a:t>
+            </a:r>
+          </a:p>
+          <a:p>
+            <a:pPr marL="342900" indent="-342900">
+              <a:buFont typeface="+mj-lt"/>
+              <a:buAutoNum type="arabicPeriod"/>
+            </a:pPr>
+            <a:r>
+              <a:rPr lang="en-IN" sz="1600" dirty="0">
+                <a:latin typeface="Times New Roman" panose="02020603050405020304" pitchFamily="18" charset="0"/>
+                <a:cs typeface="Times New Roman" panose="02020603050405020304" pitchFamily="18" charset="0"/>
+              </a:rPr>
+              <a:t>Experimental result</a:t>
+            </a:r>
+          </a:p>
+          <a:p>
+            <a:pPr lvl="1"/>
+            <a:r>
+              <a:rPr lang="en-IN" sz="1600" dirty="0">
+                <a:latin typeface="Times New Roman" panose="02020603050405020304" pitchFamily="18" charset="0"/>
+                <a:cs typeface="Times New Roman" panose="02020603050405020304" pitchFamily="18" charset="0"/>
+              </a:rPr>
+              <a:t>5.1. Result analysis</a:t>
+            </a:r>
+          </a:p>
+          <a:p>
+            <a:pPr lvl="1"/>
+            <a:r>
+              <a:rPr lang="en-IN" sz="1600" dirty="0">
+                <a:latin typeface="Times New Roman" panose="02020603050405020304" pitchFamily="18" charset="0"/>
+                <a:cs typeface="Times New Roman" panose="02020603050405020304" pitchFamily="18" charset="0"/>
+              </a:rPr>
+              <a:t>5.2. Image reading</a:t>
+            </a:r>
+            <a:endParaRPr lang="en-US" sz="1600" dirty="0">
+              <a:latin typeface="Times New Roman" panose="02020603050405020304" pitchFamily="18" charset="0"/>
+              <a:cs typeface="Times New Roman" panose="02020603050405020304" pitchFamily="18" charset="0"/>
+            </a:endParaRPr>
+          </a:p>
+          <a:p>
+            <a:pPr lvl="1"/>
+            <a:r>
+              <a:rPr lang="en-US" sz="1600" dirty="0">
+                <a:latin typeface="Times New Roman" panose="02020603050405020304" pitchFamily="18" charset="0"/>
+                <a:cs typeface="Times New Roman" panose="02020603050405020304" pitchFamily="18" charset="0"/>
+              </a:rPr>
+              <a:t>5.3. Image segmentation</a:t>
+            </a:r>
+          </a:p>
+          <a:p>
+            <a:pPr marL="342900" indent="-342900">
+              <a:buFont typeface="+mj-lt"/>
+              <a:buAutoNum type="arabicPeriod"/>
+            </a:pPr>
+            <a:r>
+              <a:rPr lang="en-IN" sz="1600" dirty="0">
+                <a:latin typeface="Times New Roman" panose="02020603050405020304" pitchFamily="18" charset="0"/>
+                <a:cs typeface="Times New Roman" panose="02020603050405020304" pitchFamily="18" charset="0"/>
+              </a:rPr>
+              <a:t>Post training findings</a:t>
+            </a:r>
+          </a:p>
+          <a:p>
+            <a:pPr lvl="1"/>
+            <a:r>
+              <a:rPr lang="en-IN" sz="1600" dirty="0">
+                <a:latin typeface="Times New Roman" panose="02020603050405020304" pitchFamily="18" charset="0"/>
+                <a:cs typeface="Times New Roman" panose="02020603050405020304" pitchFamily="18" charset="0"/>
+              </a:rPr>
+              <a:t>5.1. performance parameters</a:t>
+            </a:r>
+          </a:p>
+          <a:p>
+            <a:pPr lvl="1"/>
+            <a:r>
+              <a:rPr lang="en-IN" sz="1600" dirty="0">
+                <a:latin typeface="Times New Roman" panose="02020603050405020304" pitchFamily="18" charset="0"/>
+                <a:cs typeface="Times New Roman" panose="02020603050405020304" pitchFamily="18" charset="0"/>
+              </a:rPr>
+              <a:t>5.2. performance parameter outcomes</a:t>
+            </a:r>
+          </a:p>
+          <a:p>
+            <a:pPr marL="342900" indent="-342900">
+              <a:buFont typeface="+mj-lt"/>
+              <a:buAutoNum type="arabicPeriod"/>
+            </a:pPr>
+            <a:r>
+              <a:rPr lang="en-US" sz="1600" dirty="0">
+                <a:latin typeface="Times New Roman" panose="02020603050405020304" pitchFamily="18" charset="0"/>
+                <a:cs typeface="Times New Roman" panose="02020603050405020304" pitchFamily="18" charset="0"/>
+              </a:rPr>
+              <a:t>Comparative study</a:t>
+            </a:r>
+          </a:p>
+          <a:p>
+            <a:pPr marL="342900" indent="-342900">
+              <a:buFont typeface="+mj-lt"/>
+              <a:buAutoNum type="arabicPeriod"/>
+            </a:pPr>
+            <a:r>
+              <a:rPr lang="en-US" sz="1600" dirty="0">
+                <a:latin typeface="Times New Roman" panose="02020603050405020304" pitchFamily="18" charset="0"/>
+                <a:cs typeface="Times New Roman" panose="02020603050405020304" pitchFamily="18" charset="0"/>
+              </a:rPr>
+              <a:t>Conclusion, Novelty, Future Scope &amp; Application</a:t>
+            </a:r>
+          </a:p>
+          <a:p>
+            <a:pPr marL="342900" indent="-342900">
+              <a:buFont typeface="+mj-lt"/>
+              <a:buAutoNum type="arabicPeriod"/>
+            </a:pPr>
+            <a:r>
+              <a:rPr lang="en-US" sz="1600" dirty="0">
+                <a:latin typeface="Times New Roman" panose="02020603050405020304" pitchFamily="18" charset="0"/>
+                <a:cs typeface="Times New Roman" panose="02020603050405020304" pitchFamily="18" charset="0"/>
+              </a:rPr>
+              <a:t>Reference</a:t>
+            </a:r>
+          </a:p>
+        </p:txBody>
+      </p:sp>
+    </p:spTree>
+    <p:extLst>
+      <p:ext uri="{BB962C8B-B14F-4D97-AF65-F5344CB8AC3E}">
+        <p14:creationId xmlns:p14="http://schemas.microsoft.com/office/powerpoint/2010/main" val="2782164092"/>
+      </p:ext>
+    </p:extLst>
+  </p:cSld>
+  <p:clrMapOvr>
+    <a:masterClrMapping/>
+  </p:clrMapOvr>
+</p:sld>
+</file>
+
+<file path=ppt/slides/slide20.xml><?xml version="1.0" encoding="utf-8"?>
 <p:sld xmlns:a="http://schemas.openxmlformats.org/drawingml/2006/main" xmlns:r="http://schemas.openxmlformats.org/officeDocument/2006/relationships" xmlns:p="http://schemas.openxmlformats.org/presentationml/2006/main">
   <p:cSld>
     <p:spTree>
@@ -6496,7 +11692,7 @@
 </p:sld>
 </file>
 
-<file path=ppt/slides/slide2.xml><?xml version="1.0" encoding="utf-8"?>
+<file path=ppt/slides/slide3.xml><?xml version="1.0" encoding="utf-8"?>
 <p:sld xmlns:a="http://schemas.openxmlformats.org/drawingml/2006/main" xmlns:r="http://schemas.openxmlformats.org/officeDocument/2006/relationships" xmlns:p="http://schemas.openxmlformats.org/presentationml/2006/main">
   <p:cSld>
     <p:spTree>
@@ -6539,7 +11735,7 @@
           <a:lstStyle/>
           <a:p>
             <a:r>
-              <a:rPr lang="en-IN" sz="3200" b="0" strike="noStrike" spc="-1" dirty="0">
+              <a:rPr lang="en-IN" sz="2400" b="0" strike="noStrike" spc="-1" dirty="0">
                 <a:latin typeface="Times New Roman" panose="02020603050405020304" pitchFamily="18" charset="0"/>
                 <a:cs typeface="Times New Roman" panose="02020603050405020304" pitchFamily="18" charset="0"/>
               </a:rPr>
@@ -6569,11 +11765,11 @@
         </p:spPr>
         <p:txBody>
           <a:bodyPr lIns="0" tIns="0" rIns="0" bIns="0">
-            <a:normAutofit lnSpcReduction="10000"/>
+            <a:normAutofit/>
           </a:bodyPr>
           <a:lstStyle/>
           <a:p>
-            <a:pPr marL="431800" indent="-323850">
+            <a:pPr marL="107950">
               <a:spcBef>
                 <a:spcPts val="1415"/>
               </a:spcBef>
@@ -6581,19 +11777,17 @@
                 <a:srgbClr val="000000"/>
               </a:buClr>
               <a:buSzPct val="45000"/>
-              <a:buFont typeface="Wingdings" panose="05000000000000000000" pitchFamily="2" charset="2"/>
-              <a:buChar char=""/>
             </a:pPr>
             <a:r>
-              <a:rPr lang="en-IN" sz="1800" b="1" strike="noStrike" spc="-1" dirty="0">
+              <a:rPr lang="en-IN" sz="1600" b="1" strike="noStrike" spc="-1" dirty="0">
                 <a:latin typeface="Times New Roman" panose="02020603050405020304" pitchFamily="18" charset="0"/>
                 <a:cs typeface="Times New Roman" panose="02020603050405020304" pitchFamily="18" charset="0"/>
               </a:rPr>
-              <a:t>1.1 Background</a:t>
-            </a:r>
-          </a:p>
-          <a:p>
-            <a:pPr marL="431800" indent="-323850">
+              <a:t>1.1 Background and Motivation</a:t>
+            </a:r>
+          </a:p>
+          <a:p>
+            <a:pPr marL="107950" algn="just">
               <a:spcBef>
                 <a:spcPts val="1415"/>
               </a:spcBef>
@@ -6601,8 +11795,6 @@
                 <a:srgbClr val="000000"/>
               </a:buClr>
               <a:buSzPct val="45000"/>
-              <a:buFont typeface="Wingdings" panose="05000000000000000000" pitchFamily="2" charset="2"/>
-              <a:buChar char=""/>
             </a:pPr>
             <a:r>
               <a:rPr lang="en-IN" sz="1600" b="0" strike="noStrike" spc="-1" dirty="0">
@@ -6611,13 +11803,9 @@
               </a:rPr>
               <a:t>Medical images are one of the most important sources for medical practitioners and doctors to study various types of health problems and to achieve a better solution for that problem in the future.</a:t>
             </a:r>
-            <a:endParaRPr lang="en-IN" sz="1600" b="1" strike="noStrike" spc="-1" dirty="0">
-              <a:latin typeface="Times New Roman" panose="02020603050405020304" pitchFamily="18" charset="0"/>
-              <a:cs typeface="Times New Roman" panose="02020603050405020304" pitchFamily="18" charset="0"/>
-            </a:endParaRPr>
-          </a:p>
-          <a:p>
-            <a:pPr marL="431800" indent="-323850">
+          </a:p>
+          <a:p>
+            <a:pPr marL="107950" algn="just">
               <a:spcBef>
                 <a:spcPts val="1415"/>
               </a:spcBef>
@@ -6625,8 +11813,6 @@
                 <a:srgbClr val="000000"/>
               </a:buClr>
               <a:buSzPct val="45000"/>
-              <a:buFont typeface="Wingdings" panose="05000000000000000000" pitchFamily="2" charset="2"/>
-              <a:buChar char=""/>
             </a:pPr>
             <a:r>
               <a:rPr lang="en-IN" sz="1600" b="0" strike="noStrike" spc="-1" dirty="0">
@@ -6641,7 +11827,7 @@
             </a:endParaRPr>
           </a:p>
           <a:p>
-            <a:pPr marL="431800" indent="-323850">
+            <a:pPr marL="107950">
               <a:spcBef>
                 <a:spcPts val="1415"/>
               </a:spcBef>
@@ -6649,11 +11835,9 @@
                 <a:srgbClr val="000000"/>
               </a:buClr>
               <a:buSzPct val="45000"/>
-              <a:buFont typeface="Wingdings" panose="05000000000000000000" pitchFamily="2" charset="2"/>
-              <a:buChar char=""/>
             </a:pPr>
             <a:r>
-              <a:rPr lang="en-IN" sz="1800" b="1" strike="noStrike" spc="-1" dirty="0">
+              <a:rPr lang="en-IN" sz="1600" b="1" strike="noStrike" spc="-1" dirty="0">
                 <a:latin typeface="Times New Roman" panose="02020603050405020304" pitchFamily="18" charset="0"/>
                 <a:cs typeface="Times New Roman" panose="02020603050405020304" pitchFamily="18" charset="0"/>
               </a:rPr>
@@ -6661,7 +11845,7 @@
             </a:r>
           </a:p>
           <a:p>
-            <a:pPr marL="431800" indent="-323850">
+            <a:pPr marL="107950" algn="just">
               <a:spcBef>
                 <a:spcPts val="1415"/>
               </a:spcBef>
@@ -6669,8 +11853,6 @@
                 <a:srgbClr val="000000"/>
               </a:buClr>
               <a:buSzPct val="45000"/>
-              <a:buFont typeface="Wingdings" panose="05000000000000000000" pitchFamily="2" charset="2"/>
-              <a:buChar char=""/>
             </a:pPr>
             <a:r>
               <a:rPr lang="en-GB" sz="1800" strike="noStrike" spc="-1" dirty="0">
@@ -6739,7 +11921,7 @@
 </p:sld>
 </file>
 
-<file path=ppt/slides/slide3.xml><?xml version="1.0" encoding="utf-8"?>
+<file path=ppt/slides/slide4.xml><?xml version="1.0" encoding="utf-8"?>
 <p:sld xmlns:a="http://schemas.openxmlformats.org/drawingml/2006/main" xmlns:r="http://schemas.openxmlformats.org/officeDocument/2006/relationships" xmlns:p="http://schemas.openxmlformats.org/presentationml/2006/main">
   <p:cSld>
     <p:spTree>
@@ -6811,14 +11993,14 @@
           </p:nvPr>
         </p:nvGraphicFramePr>
         <p:xfrm>
-          <a:off x="1822450" y="650929"/>
-          <a:ext cx="6435725" cy="4725934"/>
+          <a:off x="1822450" y="650875"/>
+          <a:ext cx="6435725" cy="4725988"/>
         </p:xfrm>
         <a:graphic>
           <a:graphicData uri="http://schemas.openxmlformats.org/presentationml/2006/ole">
             <mc:AlternateContent xmlns:mc="http://schemas.openxmlformats.org/markup-compatibility/2006">
               <mc:Choice xmlns:v="urn:schemas-microsoft-com:vml" Requires="v">
-                <p:oleObj spid="_x0000_s5125" name="Document" r:id="rId3" imgW="5426646" imgH="4095103" progId="Word.Document.12">
+                <p:oleObj spid="_x0000_s5130" name="Document" r:id="rId3" imgW="5426646" imgH="4095103" progId="Word.Document.12">
                   <p:embed/>
                 </p:oleObj>
               </mc:Choice>
@@ -6839,8 +12021,8 @@
                     </p:blipFill>
                     <p:spPr>
                       <a:xfrm>
-                        <a:off x="1822450" y="650929"/>
-                        <a:ext cx="6435725" cy="4725934"/>
+                        <a:off x="1822450" y="650875"/>
+                        <a:ext cx="6435725" cy="4725988"/>
                       </a:xfrm>
                       <a:prstGeom prst="rect">
                         <a:avLst/>
@@ -6937,7 +12119,7 @@
 </p:sld>
 </file>
 
-<file path=ppt/slides/slide4.xml><?xml version="1.0" encoding="utf-8"?>
+<file path=ppt/slides/slide5.xml><?xml version="1.0" encoding="utf-8"?>
 <p:sld xmlns:a="http://schemas.openxmlformats.org/drawingml/2006/main" xmlns:r="http://schemas.openxmlformats.org/officeDocument/2006/relationships" xmlns:p="http://schemas.openxmlformats.org/presentationml/2006/main">
   <p:cSld>
     <p:spTree>
@@ -6979,7 +12161,6 @@
           </a:bodyPr>
           <a:lstStyle/>
           <a:p>
-            <a:pPr algn="ctr"/>
             <a:r>
               <a:rPr lang="en-IN" sz="2000" b="0" strike="noStrike" spc="-1" dirty="0">
                 <a:latin typeface="Arial" panose="020B0604020202020204"/>
@@ -7088,7 +12269,7 @@
 </p:sld>
 </file>
 
-<file path=ppt/slides/slide5.xml><?xml version="1.0" encoding="utf-8"?>
+<file path=ppt/slides/slide6.xml><?xml version="1.0" encoding="utf-8"?>
 <p:sld xmlns:a="http://schemas.openxmlformats.org/drawingml/2006/main" xmlns:r="http://schemas.openxmlformats.org/officeDocument/2006/relationships" xmlns:p="http://schemas.openxmlformats.org/presentationml/2006/main">
   <p:cSld>
     <p:spTree>
@@ -7113,7 +12294,7 @@
         </p:nvSpPr>
         <p:spPr>
           <a:xfrm>
-            <a:off x="504000" y="163557"/>
+            <a:off x="438150" y="199002"/>
             <a:ext cx="9071640" cy="453858"/>
           </a:xfrm>
           <a:prstGeom prst="rect">
@@ -7130,16 +12311,12 @@
           </a:bodyPr>
           <a:lstStyle/>
           <a:p>
-            <a:pPr algn="ctr"/>
-            <a:r>
-              <a:rPr lang="en-IN" sz="3200" b="0" strike="noStrike" spc="-1" dirty="0">
+            <a:r>
+              <a:rPr lang="en-IN" sz="2400" b="0" strike="noStrike" spc="-1" dirty="0">
                 <a:latin typeface="Arial" panose="020B0604020202020204"/>
               </a:rPr>
               <a:t>4. Algorithms</a:t>
             </a:r>
-            <a:endParaRPr lang="en-IN" sz="4400" b="0" strike="noStrike" spc="-1" dirty="0">
-              <a:latin typeface="Arial" panose="020B0604020202020204"/>
-            </a:endParaRPr>
           </a:p>
         </p:txBody>
       </p:sp>
@@ -7158,25 +12335,25 @@
           <p:nvPr>
             <p:extLst>
               <p:ext uri="{D42A27DB-BD31-4B8C-83A1-F6EECF244321}">
-                <p14:modId xmlns:p14="http://schemas.microsoft.com/office/powerpoint/2010/main" val="2163599168"/>
+                <p14:modId xmlns:p14="http://schemas.microsoft.com/office/powerpoint/2010/main" val="4123940699"/>
               </p:ext>
             </p:extLst>
           </p:nvPr>
         </p:nvGraphicFramePr>
         <p:xfrm>
-          <a:off x="434242" y="1008396"/>
-          <a:ext cx="9211155" cy="789142"/>
+          <a:off x="438150" y="908050"/>
+          <a:ext cx="9204325" cy="1020763"/>
         </p:xfrm>
         <a:graphic>
           <a:graphicData uri="http://schemas.openxmlformats.org/presentationml/2006/ole">
             <mc:AlternateContent xmlns:mc="http://schemas.openxmlformats.org/markup-compatibility/2006">
               <mc:Choice xmlns:v="urn:schemas-microsoft-com:vml" Requires="v">
-                <p:oleObj spid="_x0000_s1052" name="Document" r:id="rId3" imgW="5429565" imgH="464417" progId="Word.Document.12">
+                <p:oleObj spid="_x0000_s1062" name="Document" r:id="rId3" imgW="5426646" imgH="601701" progId="Word.Document.12">
                   <p:embed/>
                 </p:oleObj>
               </mc:Choice>
               <mc:Fallback>
-                <p:oleObj name="Document" r:id="rId3" imgW="5429565" imgH="464417" progId="Word.Document.12">
+                <p:oleObj name="Document" r:id="rId3" imgW="5426646" imgH="601701" progId="Word.Document.12">
                   <p:embed/>
                   <p:pic>
                     <p:nvPicPr>
@@ -7192,8 +12369,8 @@
                     </p:blipFill>
                     <p:spPr>
                       <a:xfrm>
-                        <a:off x="434242" y="1008396"/>
-                        <a:ext cx="9211155" cy="789142"/>
+                        <a:off x="438150" y="908050"/>
+                        <a:ext cx="9204325" cy="1020763"/>
                       </a:xfrm>
                       <a:prstGeom prst="rect">
                         <a:avLst/>
@@ -7234,7 +12411,7 @@
           <a:graphicData uri="http://schemas.openxmlformats.org/presentationml/2006/ole">
             <mc:AlternateContent xmlns:mc="http://schemas.openxmlformats.org/markup-compatibility/2006">
               <mc:Choice xmlns:v="urn:schemas-microsoft-com:vml" Requires="v">
-                <p:oleObj spid="_x0000_s1053" name="Document" r:id="rId5" imgW="5429565" imgH="1757583" progId="Word.Document.12">
+                <p:oleObj spid="_x0000_s1063" name="Document" r:id="rId5" imgW="5429565" imgH="1757583" progId="Word.Document.12">
                   <p:embed/>
                 </p:oleObj>
               </mc:Choice>
@@ -7269,6 +12446,42 @@
           </a:graphicData>
         </a:graphic>
       </p:graphicFrame>
+      <p:cxnSp>
+        <p:nvCxnSpPr>
+          <p:cNvPr id="4" name="Straight Connector 3">
+            <a:extLst>
+              <a:ext uri="{FF2B5EF4-FFF2-40B4-BE49-F238E27FC236}">
+                <a16:creationId xmlns:a16="http://schemas.microsoft.com/office/drawing/2014/main" id="{7230C64B-63D1-6EB9-896F-99E25F614464}"/>
+              </a:ext>
+            </a:extLst>
+          </p:cNvPr>
+          <p:cNvCxnSpPr/>
+          <p:nvPr/>
+        </p:nvCxnSpPr>
+        <p:spPr>
+          <a:xfrm>
+            <a:off x="1157494" y="1418431"/>
+            <a:ext cx="7764651" cy="0"/>
+          </a:xfrm>
+          <a:prstGeom prst="line">
+            <a:avLst/>
+          </a:prstGeom>
+        </p:spPr>
+        <p:style>
+          <a:lnRef idx="1">
+            <a:schemeClr val="dk1"/>
+          </a:lnRef>
+          <a:fillRef idx="0">
+            <a:schemeClr val="dk1"/>
+          </a:fillRef>
+          <a:effectRef idx="0">
+            <a:schemeClr val="dk1"/>
+          </a:effectRef>
+          <a:fontRef idx="minor">
+            <a:schemeClr val="tx1"/>
+          </a:fontRef>
+        </p:style>
+      </p:cxnSp>
     </p:spTree>
   </p:cSld>
   <p:clrMapOvr>
@@ -7277,7 +12490,7 @@
 </p:sld>
 </file>
 
-<file path=ppt/slides/slide6.xml><?xml version="1.0" encoding="utf-8"?>
+<file path=ppt/slides/slide7.xml><?xml version="1.0" encoding="utf-8"?>
 <p:sld xmlns:a="http://schemas.openxmlformats.org/drawingml/2006/main" xmlns:r="http://schemas.openxmlformats.org/officeDocument/2006/relationships" xmlns:p="http://schemas.openxmlformats.org/presentationml/2006/main">
   <p:cSld>
     <p:spTree>
@@ -7309,25 +12522,25 @@
           <p:nvPr>
             <p:extLst>
               <p:ext uri="{D42A27DB-BD31-4B8C-83A1-F6EECF244321}">
-                <p14:modId xmlns:p14="http://schemas.microsoft.com/office/powerpoint/2010/main" val="2119839779"/>
+                <p14:modId xmlns:p14="http://schemas.microsoft.com/office/powerpoint/2010/main" val="62100194"/>
               </p:ext>
             </p:extLst>
           </p:nvPr>
         </p:nvGraphicFramePr>
         <p:xfrm>
-          <a:off x="323850" y="365125"/>
-          <a:ext cx="8994775" cy="3184525"/>
+          <a:off x="286692" y="649341"/>
+          <a:ext cx="8990012" cy="3917951"/>
         </p:xfrm>
         <a:graphic>
           <a:graphicData uri="http://schemas.openxmlformats.org/presentationml/2006/ole">
             <mc:AlternateContent xmlns:mc="http://schemas.openxmlformats.org/markup-compatibility/2006">
               <mc:Choice xmlns:v="urn:schemas-microsoft-com:vml" Requires="v">
-                <p:oleObj spid="_x0000_s2063" name="Document" r:id="rId3" imgW="5429565" imgH="1921389" progId="Word.Document.12">
+                <p:oleObj spid="_x0000_s2068" name="Document" r:id="rId3" imgW="5426646" imgH="2362823" progId="Word.Document.12">
                   <p:embed/>
                 </p:oleObj>
               </mc:Choice>
               <mc:Fallback>
-                <p:oleObj name="Document" r:id="rId3" imgW="5429565" imgH="1921389" progId="Word.Document.12">
+                <p:oleObj name="Document" r:id="rId3" imgW="5426646" imgH="2362823" progId="Word.Document.12">
                   <p:embed/>
                   <p:pic>
                     <p:nvPicPr>
@@ -7343,8 +12556,8 @@
                     </p:blipFill>
                     <p:spPr>
                       <a:xfrm>
-                        <a:off x="323850" y="365125"/>
-                        <a:ext cx="8994775" cy="3184525"/>
+                        <a:off x="286692" y="649341"/>
+                        <a:ext cx="8990012" cy="3917951"/>
                       </a:xfrm>
                       <a:prstGeom prst="rect">
                         <a:avLst/>
@@ -7370,7 +12583,7 @@
 </p:sld>
 </file>
 
-<file path=ppt/slides/slide7.xml><?xml version="1.0" encoding="utf-8"?>
+<file path=ppt/slides/slide8.xml><?xml version="1.0" encoding="utf-8"?>
 <p:sld xmlns:a="http://schemas.openxmlformats.org/drawingml/2006/main" xmlns:r="http://schemas.openxmlformats.org/officeDocument/2006/relationships" xmlns:p="http://schemas.openxmlformats.org/presentationml/2006/main">
   <p:cSld>
     <p:spTree>
@@ -7415,7 +12628,7 @@
           <a:graphicData uri="http://schemas.openxmlformats.org/presentationml/2006/ole">
             <mc:AlternateContent xmlns:mc="http://schemas.openxmlformats.org/markup-compatibility/2006">
               <mc:Choice xmlns:v="urn:schemas-microsoft-com:vml" Requires="v">
-                <p:oleObj spid="_x0000_s3087" name="Document" r:id="rId3" imgW="5426646" imgH="2661691" progId="Word.Document.12">
+                <p:oleObj spid="_x0000_s3092" name="Document" r:id="rId3" imgW="5426646" imgH="2661691" progId="Word.Document.12">
                   <p:embed/>
                 </p:oleObj>
               </mc:Choice>
@@ -7463,7 +12676,7 @@
 </p:sld>
 </file>
 
-<file path=ppt/slides/slide8.xml><?xml version="1.0" encoding="utf-8"?>
+<file path=ppt/slides/slide9.xml><?xml version="1.0" encoding="utf-8"?>
 <p:sld xmlns:a="http://schemas.openxmlformats.org/drawingml/2006/main" xmlns:r="http://schemas.openxmlformats.org/officeDocument/2006/relationships" xmlns:p="http://schemas.openxmlformats.org/presentationml/2006/main">
   <p:cSld>
     <p:spTree>
@@ -7577,203 +12790,6 @@
         <p14:creationId xmlns:p14="http://schemas.microsoft.com/office/powerpoint/2010/main" val="45657581"/>
       </p:ext>
     </p:extLst>
-  </p:cSld>
-  <p:clrMapOvr>
-    <a:masterClrMapping/>
-  </p:clrMapOvr>
-</p:sld>
-</file>
-
-<file path=ppt/slides/slide9.xml><?xml version="1.0" encoding="utf-8"?>
-<p:sld xmlns:a="http://schemas.openxmlformats.org/drawingml/2006/main" xmlns:r="http://schemas.openxmlformats.org/officeDocument/2006/relationships" xmlns:p="http://schemas.openxmlformats.org/presentationml/2006/main">
-  <p:cSld>
-    <p:spTree>
-      <p:nvGrpSpPr>
-        <p:cNvPr id="1" name=""/>
-        <p:cNvGrpSpPr/>
-        <p:nvPr/>
-      </p:nvGrpSpPr>
-      <p:grpSpPr>
-        <a:xfrm>
-          <a:off x="0" y="0"/>
-          <a:ext cx="0" cy="0"/>
-          <a:chOff x="0" y="0"/>
-          <a:chExt cx="0" cy="0"/>
-        </a:xfrm>
-      </p:grpSpPr>
-      <p:sp>
-        <p:nvSpPr>
-          <p:cNvPr id="51" name="TextShape 1"/>
-          <p:cNvSpPr txBox="1"/>
-          <p:nvPr/>
-        </p:nvSpPr>
-        <p:spPr>
-          <a:xfrm>
-            <a:off x="504000" y="226080"/>
-            <a:ext cx="9071640" cy="946440"/>
-          </a:xfrm>
-          <a:prstGeom prst="rect">
-            <a:avLst/>
-          </a:prstGeom>
-          <a:noFill/>
-          <a:ln>
-            <a:noFill/>
-          </a:ln>
-        </p:spPr>
-        <p:txBody>
-          <a:bodyPr lIns="0" tIns="0" rIns="0" bIns="0" anchor="ctr">
-            <a:noAutofit/>
-          </a:bodyPr>
-          <a:lstStyle/>
-          <a:p>
-            <a:pPr algn="ctr"/>
-            <a:r>
-              <a:rPr lang="en-IN" sz="4400" b="0" strike="noStrike" spc="-1" dirty="0">
-                <a:latin typeface="Arial" panose="020B0604020202020204"/>
-              </a:rPr>
-              <a:t>5. Experimental Results</a:t>
-            </a:r>
-          </a:p>
-        </p:txBody>
-      </p:sp>
-      <p:sp>
-        <p:nvSpPr>
-          <p:cNvPr id="52" name="TextShape 2"/>
-          <p:cNvSpPr txBox="1"/>
-          <p:nvPr/>
-        </p:nvSpPr>
-        <p:spPr>
-          <a:xfrm>
-            <a:off x="504000" y="1326600"/>
-            <a:ext cx="9071640" cy="3288240"/>
-          </a:xfrm>
-          <a:prstGeom prst="rect">
-            <a:avLst/>
-          </a:prstGeom>
-          <a:noFill/>
-          <a:ln>
-            <a:noFill/>
-          </a:ln>
-        </p:spPr>
-        <p:txBody>
-          <a:bodyPr lIns="0" tIns="0" rIns="0" bIns="0">
-            <a:normAutofit lnSpcReduction="10000"/>
-          </a:bodyPr>
-          <a:lstStyle/>
-          <a:p>
-            <a:pPr marL="431800" indent="-323850">
-              <a:spcBef>
-                <a:spcPts val="1415"/>
-              </a:spcBef>
-              <a:buClr>
-                <a:srgbClr val="000000"/>
-              </a:buClr>
-              <a:buSzPct val="45000"/>
-              <a:buFont typeface="Wingdings" panose="05000000000000000000" pitchFamily="2" charset="2"/>
-              <a:buChar char=""/>
-            </a:pPr>
-            <a:r>
-              <a:rPr lang="en-IN" sz="2400" b="1" strike="noStrike" spc="-1" dirty="0">
-                <a:latin typeface="Arial" panose="020B0604020202020204"/>
-              </a:rPr>
-              <a:t>5.1 Result Analysis</a:t>
-            </a:r>
-          </a:p>
-          <a:p>
-            <a:pPr marL="864235" lvl="1" indent="-323850">
-              <a:spcBef>
-                <a:spcPts val="1135"/>
-              </a:spcBef>
-              <a:buClr>
-                <a:srgbClr val="000000"/>
-              </a:buClr>
-              <a:buSzPct val="75000"/>
-              <a:buFont typeface="Symbol" charset="2"/>
-              <a:buChar char=""/>
-            </a:pPr>
-            <a:r>
-              <a:rPr lang="en-IN" sz="2000" b="1" strike="noStrike" spc="-1" dirty="0">
-                <a:latin typeface="Arial" panose="020B0604020202020204"/>
-              </a:rPr>
-              <a:t>5.1.1 Dataset</a:t>
-            </a:r>
-            <a:endParaRPr lang="en-IN" sz="2000" b="0" strike="noStrike" spc="-1" dirty="0">
-              <a:latin typeface="Arial" panose="020B0604020202020204"/>
-            </a:endParaRPr>
-          </a:p>
-          <a:p>
-            <a:pPr marL="864235" lvl="1" indent="-323850">
-              <a:spcBef>
-                <a:spcPts val="1135"/>
-              </a:spcBef>
-              <a:buClr>
-                <a:srgbClr val="000000"/>
-              </a:buClr>
-              <a:buSzPct val="75000"/>
-              <a:buFont typeface="Symbol" charset="2"/>
-              <a:buChar char=""/>
-            </a:pPr>
-            <a:r>
-              <a:rPr lang="en-IN" sz="1600" b="0" strike="noStrike" spc="-1" dirty="0">
-                <a:latin typeface="Arial" panose="020B0604020202020204"/>
-              </a:rPr>
-              <a:t>We consider the brain MRIs as a dataset, which consists of 132 images. The size, colour, and format of images in the dataset are similar in nature, whereas the resolutions of the images are different. The format of the images are ‘.jpg’ by nature.</a:t>
-            </a:r>
-            <a:endParaRPr lang="en-IN" sz="2800" b="0" strike="noStrike" spc="-1" dirty="0">
-              <a:latin typeface="Arial" panose="020B0604020202020204"/>
-            </a:endParaRPr>
-          </a:p>
-          <a:p>
-            <a:pPr marL="864235" lvl="1" indent="-323850">
-              <a:spcBef>
-                <a:spcPts val="1135"/>
-              </a:spcBef>
-              <a:buClr>
-                <a:srgbClr val="000000"/>
-              </a:buClr>
-              <a:buSzPct val="75000"/>
-              <a:buFont typeface="Symbol" charset="2"/>
-              <a:buChar char=""/>
-            </a:pPr>
-            <a:r>
-              <a:rPr lang="en-IN" b="1" strike="noStrike" spc="-1" dirty="0">
-                <a:latin typeface="Arial" panose="020B0604020202020204"/>
-              </a:rPr>
-              <a:t>5.1.2 Machine Configuration</a:t>
-            </a:r>
-            <a:endParaRPr lang="en-IN" b="0" strike="noStrike" spc="-1" dirty="0">
-              <a:latin typeface="Arial" panose="020B0604020202020204"/>
-            </a:endParaRPr>
-          </a:p>
-          <a:p>
-            <a:pPr marL="864235" lvl="1" indent="-323850">
-              <a:spcBef>
-                <a:spcPts val="1135"/>
-              </a:spcBef>
-              <a:buClr>
-                <a:srgbClr val="000000"/>
-              </a:buClr>
-              <a:buSzPct val="75000"/>
-              <a:buFont typeface="Symbol" charset="2"/>
-              <a:buChar char=""/>
-            </a:pPr>
-            <a:r>
-              <a:rPr lang="en-GB" sz="1600" dirty="0"/>
-              <a:t>We have applied our algorithm in the python environment, version 3.8, with the hardware configuration of the Intel Core i3 5th Generation processor,4GB DDR3 primary memory (RAM), and an integrated graphics card. Anaconda as a distributor of Python version 3.8 is used. </a:t>
-            </a:r>
-            <a:r>
-              <a:rPr lang="en-GB" sz="1600" dirty="0" err="1"/>
-              <a:t>jupyter</a:t>
-            </a:r>
-            <a:r>
-              <a:rPr lang="en-GB" sz="1600" dirty="0"/>
-              <a:t> notebook version 6.3.0 as an open web interface is used as a programming platform for the implementation of our algorithm.</a:t>
-            </a:r>
-            <a:endParaRPr lang="en-IN" sz="1600" dirty="0"/>
-          </a:p>
-        </p:txBody>
-      </p:sp>
-    </p:spTree>
   </p:cSld>
   <p:clrMapOvr>
     <a:masterClrMapping/>
